--- a/Docker 101.pptx
+++ b/Docker 101.pptx
@@ -5,32 +5,31 @@
     <p:sldMasterId id="2147483648" r:id="rId1"/>
   </p:sldMasterIdLst>
   <p:notesMasterIdLst>
-    <p:notesMasterId r:id="rId25"/>
+    <p:notesMasterId r:id="rId24"/>
   </p:notesMasterIdLst>
   <p:sldIdLst>
     <p:sldId id="256" r:id="rId2"/>
-    <p:sldId id="286" r:id="rId3"/>
-    <p:sldId id="258" r:id="rId4"/>
-    <p:sldId id="259" r:id="rId5"/>
-    <p:sldId id="263" r:id="rId6"/>
-    <p:sldId id="260" r:id="rId7"/>
-    <p:sldId id="262" r:id="rId8"/>
-    <p:sldId id="271" r:id="rId9"/>
-    <p:sldId id="257" r:id="rId10"/>
-    <p:sldId id="264" r:id="rId11"/>
-    <p:sldId id="273" r:id="rId12"/>
-    <p:sldId id="266" r:id="rId13"/>
-    <p:sldId id="281" r:id="rId14"/>
-    <p:sldId id="276" r:id="rId15"/>
-    <p:sldId id="274" r:id="rId16"/>
-    <p:sldId id="278" r:id="rId17"/>
-    <p:sldId id="270" r:id="rId18"/>
-    <p:sldId id="282" r:id="rId19"/>
-    <p:sldId id="283" r:id="rId20"/>
-    <p:sldId id="268" r:id="rId21"/>
-    <p:sldId id="284" r:id="rId22"/>
-    <p:sldId id="275" r:id="rId23"/>
-    <p:sldId id="280" r:id="rId24"/>
+    <p:sldId id="258" r:id="rId3"/>
+    <p:sldId id="259" r:id="rId4"/>
+    <p:sldId id="263" r:id="rId5"/>
+    <p:sldId id="260" r:id="rId6"/>
+    <p:sldId id="262" r:id="rId7"/>
+    <p:sldId id="271" r:id="rId8"/>
+    <p:sldId id="257" r:id="rId9"/>
+    <p:sldId id="264" r:id="rId10"/>
+    <p:sldId id="273" r:id="rId11"/>
+    <p:sldId id="266" r:id="rId12"/>
+    <p:sldId id="281" r:id="rId13"/>
+    <p:sldId id="276" r:id="rId14"/>
+    <p:sldId id="274" r:id="rId15"/>
+    <p:sldId id="278" r:id="rId16"/>
+    <p:sldId id="270" r:id="rId17"/>
+    <p:sldId id="282" r:id="rId18"/>
+    <p:sldId id="283" r:id="rId19"/>
+    <p:sldId id="268" r:id="rId20"/>
+    <p:sldId id="284" r:id="rId21"/>
+    <p:sldId id="275" r:id="rId22"/>
+    <p:sldId id="280" r:id="rId23"/>
   </p:sldIdLst>
   <p:sldSz cx="12192000" cy="6858000"/>
   <p:notesSz cx="6858000" cy="9144000"/>
@@ -219,7 +218,7 @@
           <a:p>
             <a:fld id="{DB777940-19BE-4391-9073-4323A987D635}" type="datetimeFigureOut">
               <a:rPr lang="en-GB" smtClean="0"/>
-              <a:t>03/11/2018</a:t>
+              <a:t>06/11/2018</a:t>
             </a:fld>
             <a:endParaRPr lang="en-GB"/>
           </a:p>
@@ -555,7 +554,7 @@
           <a:p>
             <a:fld id="{502EF7AD-FD95-4709-B7FB-5B2DF1EB64A9}" type="slidenum">
               <a:rPr lang="en-GB" smtClean="0"/>
-              <a:t>3</a:t>
+              <a:t>2</a:t>
             </a:fld>
             <a:endParaRPr lang="en-GB"/>
           </a:p>
@@ -642,7 +641,7 @@
           <a:p>
             <a:fld id="{502EF7AD-FD95-4709-B7FB-5B2DF1EB64A9}" type="slidenum">
               <a:rPr lang="en-GB" smtClean="0"/>
-              <a:t>12</a:t>
+              <a:t>11</a:t>
             </a:fld>
             <a:endParaRPr lang="en-GB"/>
           </a:p>
@@ -729,7 +728,7 @@
           <a:p>
             <a:fld id="{502EF7AD-FD95-4709-B7FB-5B2DF1EB64A9}" type="slidenum">
               <a:rPr lang="en-GB" smtClean="0"/>
-              <a:t>13</a:t>
+              <a:t>12</a:t>
             </a:fld>
             <a:endParaRPr lang="en-GB"/>
           </a:p>
@@ -873,7 +872,7 @@
           <a:p>
             <a:fld id="{502EF7AD-FD95-4709-B7FB-5B2DF1EB64A9}" type="slidenum">
               <a:rPr lang="en-GB" smtClean="0"/>
-              <a:t>15</a:t>
+              <a:t>14</a:t>
             </a:fld>
             <a:endParaRPr lang="en-GB"/>
           </a:p>
@@ -1079,7 +1078,7 @@
           <a:p>
             <a:fld id="{502EF7AD-FD95-4709-B7FB-5B2DF1EB64A9}" type="slidenum">
               <a:rPr lang="en-GB" smtClean="0"/>
-              <a:t>22</a:t>
+              <a:t>21</a:t>
             </a:fld>
             <a:endParaRPr lang="en-GB"/>
           </a:p>
@@ -1163,7 +1162,7 @@
           <a:p>
             <a:fld id="{502EF7AD-FD95-4709-B7FB-5B2DF1EB64A9}" type="slidenum">
               <a:rPr lang="en-GB" smtClean="0"/>
-              <a:t>23</a:t>
+              <a:t>22</a:t>
             </a:fld>
             <a:endParaRPr lang="en-GB"/>
           </a:p>
@@ -1270,7 +1269,7 @@
           <a:p>
             <a:fld id="{502EF7AD-FD95-4709-B7FB-5B2DF1EB64A9}" type="slidenum">
               <a:rPr lang="en-GB" smtClean="0"/>
-              <a:t>4</a:t>
+              <a:t>3</a:t>
             </a:fld>
             <a:endParaRPr lang="en-GB"/>
           </a:p>
@@ -1383,7 +1382,7 @@
           <a:p>
             <a:fld id="{502EF7AD-FD95-4709-B7FB-5B2DF1EB64A9}" type="slidenum">
               <a:rPr lang="en-GB" smtClean="0"/>
-              <a:t>5</a:t>
+              <a:t>4</a:t>
             </a:fld>
             <a:endParaRPr lang="en-GB"/>
           </a:p>
@@ -1470,7 +1469,7 @@
           <a:p>
             <a:fld id="{502EF7AD-FD95-4709-B7FB-5B2DF1EB64A9}" type="slidenum">
               <a:rPr lang="en-GB" smtClean="0"/>
-              <a:t>6</a:t>
+              <a:t>5</a:t>
             </a:fld>
             <a:endParaRPr lang="en-GB"/>
           </a:p>
@@ -1557,7 +1556,7 @@
           <a:p>
             <a:fld id="{502EF7AD-FD95-4709-B7FB-5B2DF1EB64A9}" type="slidenum">
               <a:rPr lang="en-GB" smtClean="0"/>
-              <a:t>7</a:t>
+              <a:t>6</a:t>
             </a:fld>
             <a:endParaRPr lang="en-GB"/>
           </a:p>
@@ -1644,7 +1643,7 @@
           <a:p>
             <a:fld id="{502EF7AD-FD95-4709-B7FB-5B2DF1EB64A9}" type="slidenum">
               <a:rPr lang="en-GB" smtClean="0"/>
-              <a:t>8</a:t>
+              <a:t>7</a:t>
             </a:fld>
             <a:endParaRPr lang="en-GB"/>
           </a:p>
@@ -1740,7 +1739,7 @@
           <a:p>
             <a:fld id="{502EF7AD-FD95-4709-B7FB-5B2DF1EB64A9}" type="slidenum">
               <a:rPr lang="en-GB" smtClean="0"/>
-              <a:t>9</a:t>
+              <a:t>8</a:t>
             </a:fld>
             <a:endParaRPr lang="en-GB"/>
           </a:p>
@@ -1847,7 +1846,7 @@
           <a:p>
             <a:fld id="{502EF7AD-FD95-4709-B7FB-5B2DF1EB64A9}" type="slidenum">
               <a:rPr lang="en-GB" smtClean="0"/>
-              <a:t>10</a:t>
+              <a:t>9</a:t>
             </a:fld>
             <a:endParaRPr lang="en-GB"/>
           </a:p>
@@ -1954,7 +1953,7 @@
           <a:p>
             <a:fld id="{502EF7AD-FD95-4709-B7FB-5B2DF1EB64A9}" type="slidenum">
               <a:rPr lang="en-GB" smtClean="0"/>
-              <a:t>11</a:t>
+              <a:t>10</a:t>
             </a:fld>
             <a:endParaRPr lang="en-GB"/>
           </a:p>
@@ -2122,7 +2121,7 @@
           <a:p>
             <a:fld id="{B2C28AE0-0258-48C1-98F2-1A43322429A8}" type="datetimeFigureOut">
               <a:rPr lang="en-GB" smtClean="0"/>
-              <a:t>03/11/2018</a:t>
+              <a:t>06/11/2018</a:t>
             </a:fld>
             <a:endParaRPr lang="en-GB"/>
           </a:p>
@@ -2322,7 +2321,7 @@
           <a:p>
             <a:fld id="{B2C28AE0-0258-48C1-98F2-1A43322429A8}" type="datetimeFigureOut">
               <a:rPr lang="en-GB" smtClean="0"/>
-              <a:t>03/11/2018</a:t>
+              <a:t>06/11/2018</a:t>
             </a:fld>
             <a:endParaRPr lang="en-GB"/>
           </a:p>
@@ -2532,7 +2531,7 @@
           <a:p>
             <a:fld id="{B2C28AE0-0258-48C1-98F2-1A43322429A8}" type="datetimeFigureOut">
               <a:rPr lang="en-GB" smtClean="0"/>
-              <a:t>03/11/2018</a:t>
+              <a:t>06/11/2018</a:t>
             </a:fld>
             <a:endParaRPr lang="en-GB"/>
           </a:p>
@@ -2732,7 +2731,7 @@
           <a:p>
             <a:fld id="{B2C28AE0-0258-48C1-98F2-1A43322429A8}" type="datetimeFigureOut">
               <a:rPr lang="en-GB" smtClean="0"/>
-              <a:t>03/11/2018</a:t>
+              <a:t>06/11/2018</a:t>
             </a:fld>
             <a:endParaRPr lang="en-GB"/>
           </a:p>
@@ -3008,7 +3007,7 @@
           <a:p>
             <a:fld id="{B2C28AE0-0258-48C1-98F2-1A43322429A8}" type="datetimeFigureOut">
               <a:rPr lang="en-GB" smtClean="0"/>
-              <a:t>03/11/2018</a:t>
+              <a:t>06/11/2018</a:t>
             </a:fld>
             <a:endParaRPr lang="en-GB"/>
           </a:p>
@@ -3276,7 +3275,7 @@
           <a:p>
             <a:fld id="{B2C28AE0-0258-48C1-98F2-1A43322429A8}" type="datetimeFigureOut">
               <a:rPr lang="en-GB" smtClean="0"/>
-              <a:t>03/11/2018</a:t>
+              <a:t>06/11/2018</a:t>
             </a:fld>
             <a:endParaRPr lang="en-GB"/>
           </a:p>
@@ -3691,7 +3690,7 @@
           <a:p>
             <a:fld id="{B2C28AE0-0258-48C1-98F2-1A43322429A8}" type="datetimeFigureOut">
               <a:rPr lang="en-GB" smtClean="0"/>
-              <a:t>03/11/2018</a:t>
+              <a:t>06/11/2018</a:t>
             </a:fld>
             <a:endParaRPr lang="en-GB"/>
           </a:p>
@@ -3833,7 +3832,7 @@
           <a:p>
             <a:fld id="{B2C28AE0-0258-48C1-98F2-1A43322429A8}" type="datetimeFigureOut">
               <a:rPr lang="en-GB" smtClean="0"/>
-              <a:t>03/11/2018</a:t>
+              <a:t>06/11/2018</a:t>
             </a:fld>
             <a:endParaRPr lang="en-GB"/>
           </a:p>
@@ -3946,7 +3945,7 @@
           <a:p>
             <a:fld id="{B2C28AE0-0258-48C1-98F2-1A43322429A8}" type="datetimeFigureOut">
               <a:rPr lang="en-GB" smtClean="0"/>
-              <a:t>03/11/2018</a:t>
+              <a:t>06/11/2018</a:t>
             </a:fld>
             <a:endParaRPr lang="en-GB"/>
           </a:p>
@@ -4259,7 +4258,7 @@
           <a:p>
             <a:fld id="{B2C28AE0-0258-48C1-98F2-1A43322429A8}" type="datetimeFigureOut">
               <a:rPr lang="en-GB" smtClean="0"/>
-              <a:t>03/11/2018</a:t>
+              <a:t>06/11/2018</a:t>
             </a:fld>
             <a:endParaRPr lang="en-GB"/>
           </a:p>
@@ -4548,7 +4547,7 @@
           <a:p>
             <a:fld id="{B2C28AE0-0258-48C1-98F2-1A43322429A8}" type="datetimeFigureOut">
               <a:rPr lang="en-GB" smtClean="0"/>
-              <a:t>03/11/2018</a:t>
+              <a:t>06/11/2018</a:t>
             </a:fld>
             <a:endParaRPr lang="en-GB"/>
           </a:p>
@@ -4791,7 +4790,7 @@
           <a:p>
             <a:fld id="{B2C28AE0-0258-48C1-98F2-1A43322429A8}" type="datetimeFigureOut">
               <a:rPr lang="en-GB" smtClean="0"/>
-              <a:t>03/11/2018</a:t>
+              <a:t>06/11/2018</a:t>
             </a:fld>
             <a:endParaRPr lang="en-GB"/>
           </a:p>
@@ -5414,22 +5413,22 @@
         </p:spPr>
         <p:txBody>
           <a:bodyPr>
-            <a:normAutofit lnSpcReduction="10000"/>
+            <a:normAutofit/>
           </a:bodyPr>
           <a:lstStyle/>
           <a:p>
             <a:r>
-              <a:rPr lang="en-GB" sz="2000" dirty="0">
+              <a:rPr lang="en-GB" sz="3200" dirty="0">
                 <a:solidFill>
                   <a:srgbClr val="0A9BC7"/>
                 </a:solidFill>
               </a:rPr>
-              <a:t>Paula Muldoon</a:t>
-            </a:r>
-          </a:p>
-          <a:p>
-            <a:r>
-              <a:rPr lang="en-GB" sz="2000" dirty="0">
+              <a:t>Paul McGrath</a:t>
+            </a:r>
+          </a:p>
+          <a:p>
+            <a:r>
+              <a:rPr lang="en-GB" sz="3200" dirty="0">
                 <a:solidFill>
                   <a:srgbClr val="0A9BC7"/>
                 </a:solidFill>
@@ -5437,47 +5436,14 @@
               <a:t>@</a:t>
             </a:r>
             <a:r>
-              <a:rPr lang="en-GB" sz="2000" dirty="0" err="1">
-                <a:solidFill>
-                  <a:srgbClr val="0A9BC7"/>
-                </a:solidFill>
-              </a:rPr>
-              <a:t>FiddlersCode</a:t>
-            </a:r>
-            <a:endParaRPr lang="en-GB" sz="2000" dirty="0">
-              <a:solidFill>
-                <a:srgbClr val="0A9BC7"/>
-              </a:solidFill>
-            </a:endParaRPr>
-          </a:p>
-          <a:p>
-            <a:r>
-              <a:rPr lang="en-GB" sz="2000" dirty="0">
-                <a:solidFill>
-                  <a:srgbClr val="0A9BC7"/>
-                </a:solidFill>
-              </a:rPr>
-              <a:t>Paul McGrath</a:t>
-            </a:r>
-          </a:p>
-          <a:p>
-            <a:r>
-              <a:rPr lang="en-GB" sz="2000" dirty="0">
-                <a:solidFill>
-                  <a:srgbClr val="0A9BC7"/>
-                </a:solidFill>
-              </a:rPr>
-              <a:t>@</a:t>
-            </a:r>
-            <a:r>
-              <a:rPr lang="en-GB" sz="2000" dirty="0" err="1">
+              <a:rPr lang="en-GB" sz="3200" dirty="0" err="1">
                 <a:solidFill>
                   <a:srgbClr val="0A9BC7"/>
                 </a:solidFill>
               </a:rPr>
               <a:t>sciphus</a:t>
             </a:r>
-            <a:endParaRPr lang="en-GB" sz="2000" dirty="0">
+            <a:endParaRPr lang="en-GB" sz="3200" dirty="0">
               <a:solidFill>
                 <a:srgbClr val="0A9BC7"/>
               </a:solidFill>
@@ -5499,187 +5465,6 @@
 </file>
 
 <file path=ppt/slides/slide10.xml><?xml version="1.0" encoding="utf-8"?>
-<p:sld xmlns:a="http://schemas.openxmlformats.org/drawingml/2006/main" xmlns:r="http://schemas.openxmlformats.org/officeDocument/2006/relationships" xmlns:p="http://schemas.openxmlformats.org/presentationml/2006/main">
-  <p:cSld>
-    <p:spTree>
-      <p:nvGrpSpPr>
-        <p:cNvPr id="1" name=""/>
-        <p:cNvGrpSpPr/>
-        <p:nvPr/>
-      </p:nvGrpSpPr>
-      <p:grpSpPr>
-        <a:xfrm>
-          <a:off x="0" y="0"/>
-          <a:ext cx="0" cy="0"/>
-          <a:chOff x="0" y="0"/>
-          <a:chExt cx="0" cy="0"/>
-        </a:xfrm>
-      </p:grpSpPr>
-      <p:sp>
-        <p:nvSpPr>
-          <p:cNvPr id="2" name="Title 1">
-            <a:extLst>
-              <a:ext uri="{FF2B5EF4-FFF2-40B4-BE49-F238E27FC236}">
-                <a16:creationId xmlns:a16="http://schemas.microsoft.com/office/drawing/2014/main" id="{E28B2290-6681-4B40-9843-49B535E77A6D}"/>
-              </a:ext>
-            </a:extLst>
-          </p:cNvPr>
-          <p:cNvSpPr>
-            <a:spLocks noGrp="1"/>
-          </p:cNvSpPr>
-          <p:nvPr>
-            <p:ph type="title"/>
-          </p:nvPr>
-        </p:nvSpPr>
-        <p:spPr/>
-        <p:txBody>
-          <a:bodyPr/>
-          <a:lstStyle/>
-          <a:p>
-            <a:r>
-              <a:rPr lang="en-GB" dirty="0"/>
-              <a:t>Let’s try another</a:t>
-            </a:r>
-          </a:p>
-        </p:txBody>
-      </p:sp>
-      <p:sp>
-        <p:nvSpPr>
-          <p:cNvPr id="3" name="Content Placeholder 2">
-            <a:extLst>
-              <a:ext uri="{FF2B5EF4-FFF2-40B4-BE49-F238E27FC236}">
-                <a16:creationId xmlns:a16="http://schemas.microsoft.com/office/drawing/2014/main" id="{78DE3169-7B47-47DC-836D-88595B31DCA8}"/>
-              </a:ext>
-            </a:extLst>
-          </p:cNvPr>
-          <p:cNvSpPr>
-            <a:spLocks noGrp="1"/>
-          </p:cNvSpPr>
-          <p:nvPr>
-            <p:ph idx="1"/>
-          </p:nvPr>
-        </p:nvSpPr>
-        <p:spPr/>
-        <p:txBody>
-          <a:bodyPr/>
-          <a:lstStyle/>
-          <a:p>
-            <a:r>
-              <a:rPr lang="en-GB" b="1" i="1" dirty="0"/>
-              <a:t>docker run –d –p 5959:80 </a:t>
-            </a:r>
-            <a:r>
-              <a:rPr lang="en-GB" b="1" i="1" dirty="0" err="1"/>
-              <a:t>dockersamples</a:t>
-            </a:r>
-            <a:r>
-              <a:rPr lang="en-GB" b="1" i="1" dirty="0"/>
-              <a:t>/static-site</a:t>
-            </a:r>
-          </a:p>
-          <a:p>
-            <a:r>
-              <a:rPr lang="en-GB" dirty="0"/>
-              <a:t>If you’re using docker toolbox:</a:t>
-            </a:r>
-          </a:p>
-          <a:p>
-            <a:pPr lvl="1"/>
-            <a:r>
-              <a:rPr lang="en-GB" dirty="0"/>
-              <a:t>Run </a:t>
-            </a:r>
-            <a:r>
-              <a:rPr lang="en-GB" b="1" i="1" dirty="0"/>
-              <a:t>docker machine </a:t>
-            </a:r>
-            <a:r>
-              <a:rPr lang="en-GB" b="1" i="1" dirty="0" err="1"/>
-              <a:t>ip</a:t>
-            </a:r>
-            <a:r>
-              <a:rPr lang="en-GB" b="1" i="1" dirty="0"/>
-              <a:t> default</a:t>
-            </a:r>
-            <a:r>
-              <a:rPr lang="en-GB" dirty="0"/>
-              <a:t> to get the DOCKER_HOST </a:t>
-            </a:r>
-            <a:r>
-              <a:rPr lang="en-GB" dirty="0" err="1"/>
-              <a:t>ip</a:t>
-            </a:r>
-            <a:r>
-              <a:rPr lang="en-GB" dirty="0"/>
-              <a:t> address</a:t>
-            </a:r>
-          </a:p>
-          <a:p>
-            <a:r>
-              <a:rPr lang="en-GB" dirty="0"/>
-              <a:t>Then visit </a:t>
-            </a:r>
-            <a:r>
-              <a:rPr lang="en-GB" b="1" i="1" dirty="0"/>
-              <a:t>localhost:5959/</a:t>
-            </a:r>
-            <a:r>
-              <a:rPr lang="en-GB" dirty="0"/>
-              <a:t> in your browser</a:t>
-            </a:r>
-          </a:p>
-        </p:txBody>
-      </p:sp>
-      <p:pic>
-        <p:nvPicPr>
-          <p:cNvPr id="7" name="Picture 6">
-            <a:extLst>
-              <a:ext uri="{FF2B5EF4-FFF2-40B4-BE49-F238E27FC236}">
-                <a16:creationId xmlns:a16="http://schemas.microsoft.com/office/drawing/2014/main" id="{0E94E331-0869-4E8A-A6A5-F22BF09AD0E3}"/>
-              </a:ext>
-            </a:extLst>
-          </p:cNvPr>
-          <p:cNvPicPr>
-            <a:picLocks noChangeAspect="1"/>
-          </p:cNvPicPr>
-          <p:nvPr/>
-        </p:nvPicPr>
-        <p:blipFill>
-          <a:blip r:embed="rId3">
-            <a:extLst>
-              <a:ext uri="{28A0092B-C50C-407E-A947-70E740481C1C}">
-                <a14:useLocalDpi xmlns:a14="http://schemas.microsoft.com/office/drawing/2010/main" val="0"/>
-              </a:ext>
-            </a:extLst>
-          </a:blip>
-          <a:stretch>
-            <a:fillRect/>
-          </a:stretch>
-        </p:blipFill>
-        <p:spPr>
-          <a:xfrm>
-            <a:off x="1626350" y="4001294"/>
-            <a:ext cx="9451226" cy="2803329"/>
-          </a:xfrm>
-          <a:prstGeom prst="rect">
-            <a:avLst/>
-          </a:prstGeom>
-        </p:spPr>
-      </p:pic>
-    </p:spTree>
-    <p:extLst>
-      <p:ext uri="{BB962C8B-B14F-4D97-AF65-F5344CB8AC3E}">
-        <p14:creationId xmlns:p14="http://schemas.microsoft.com/office/powerpoint/2010/main" val="2492833199"/>
-      </p:ext>
-    </p:extLst>
-  </p:cSld>
-  <p:clrMapOvr>
-    <a:masterClrMapping/>
-  </p:clrMapOvr>
-</p:sld>
-</file>
-
-<file path=ppt/slides/slide11.xml><?xml version="1.0" encoding="utf-8"?>
 <p:sld xmlns:a="http://schemas.openxmlformats.org/drawingml/2006/main" xmlns:r="http://schemas.openxmlformats.org/officeDocument/2006/relationships" xmlns:p="http://schemas.openxmlformats.org/presentationml/2006/main">
   <p:cSld>
     <p:spTree>
@@ -6003,7 +5788,7 @@
 </p:sld>
 </file>
 
-<file path=ppt/slides/slide12.xml><?xml version="1.0" encoding="utf-8"?>
+<file path=ppt/slides/slide11.xml><?xml version="1.0" encoding="utf-8"?>
 <p:sld xmlns:a="http://schemas.openxmlformats.org/drawingml/2006/main" xmlns:r="http://schemas.openxmlformats.org/officeDocument/2006/relationships" xmlns:p="http://schemas.openxmlformats.org/presentationml/2006/main">
   <p:cSld>
     <p:spTree>
@@ -6218,7 +6003,7 @@
 </p:sld>
 </file>
 
-<file path=ppt/slides/slide13.xml><?xml version="1.0" encoding="utf-8"?>
+<file path=ppt/slides/slide12.xml><?xml version="1.0" encoding="utf-8"?>
 <p:sld xmlns:a="http://schemas.openxmlformats.org/drawingml/2006/main" xmlns:r="http://schemas.openxmlformats.org/officeDocument/2006/relationships" xmlns:p="http://schemas.openxmlformats.org/presentationml/2006/main">
   <p:cSld>
     <p:spTree>
@@ -6560,7 +6345,7 @@
 </p:sld>
 </file>
 
-<file path=ppt/slides/slide14.xml><?xml version="1.0" encoding="utf-8"?>
+<file path=ppt/slides/slide13.xml><?xml version="1.0" encoding="utf-8"?>
 <p:sld xmlns:a="http://schemas.openxmlformats.org/drawingml/2006/main" xmlns:r="http://schemas.openxmlformats.org/officeDocument/2006/relationships" xmlns:p="http://schemas.openxmlformats.org/presentationml/2006/main">
   <p:cSld>
     <p:spTree>
@@ -6720,7 +6505,7 @@
 </p:sld>
 </file>
 
-<file path=ppt/slides/slide15.xml><?xml version="1.0" encoding="utf-8"?>
+<file path=ppt/slides/slide14.xml><?xml version="1.0" encoding="utf-8"?>
 <p:sld xmlns:a="http://schemas.openxmlformats.org/drawingml/2006/main" xmlns:r="http://schemas.openxmlformats.org/officeDocument/2006/relationships" xmlns:p="http://schemas.openxmlformats.org/presentationml/2006/main">
   <p:cSld>
     <p:spTree>
@@ -7312,7 +7097,7 @@
 </p:sld>
 </file>
 
-<file path=ppt/slides/slide16.xml><?xml version="1.0" encoding="utf-8"?>
+<file path=ppt/slides/slide15.xml><?xml version="1.0" encoding="utf-8"?>
 <p:sld xmlns:a="http://schemas.openxmlformats.org/drawingml/2006/main" xmlns:r="http://schemas.openxmlformats.org/officeDocument/2006/relationships" xmlns:p="http://schemas.openxmlformats.org/presentationml/2006/main">
   <p:cSld>
     <p:spTree>
@@ -7754,7 +7539,7 @@
 </p:sld>
 </file>
 
-<file path=ppt/slides/slide17.xml><?xml version="1.0" encoding="utf-8"?>
+<file path=ppt/slides/slide16.xml><?xml version="1.0" encoding="utf-8"?>
 <p:sld xmlns:a="http://schemas.openxmlformats.org/drawingml/2006/main" xmlns:r="http://schemas.openxmlformats.org/officeDocument/2006/relationships" xmlns:p="http://schemas.openxmlformats.org/presentationml/2006/main">
   <p:cSld>
     <p:spTree>
@@ -8215,7 +8000,7 @@
 </p:sld>
 </file>
 
-<file path=ppt/slides/slide18.xml><?xml version="1.0" encoding="utf-8"?>
+<file path=ppt/slides/slide17.xml><?xml version="1.0" encoding="utf-8"?>
 <p:sld xmlns:a="http://schemas.openxmlformats.org/drawingml/2006/main" xmlns:r="http://schemas.openxmlformats.org/officeDocument/2006/relationships" xmlns:p="http://schemas.openxmlformats.org/presentationml/2006/main">
   <p:cSld>
     <p:spTree>
@@ -8704,7 +8489,7 @@
 </p:sld>
 </file>
 
-<file path=ppt/slides/slide19.xml><?xml version="1.0" encoding="utf-8"?>
+<file path=ppt/slides/slide18.xml><?xml version="1.0" encoding="utf-8"?>
 <p:sld xmlns:a="http://schemas.openxmlformats.org/drawingml/2006/main" xmlns:r="http://schemas.openxmlformats.org/officeDocument/2006/relationships" xmlns:p="http://schemas.openxmlformats.org/presentationml/2006/main">
   <p:cSld>
     <p:spTree>
@@ -8867,487 +8652,7 @@
 </p:sld>
 </file>
 
-<file path=ppt/slides/slide2.xml><?xml version="1.0" encoding="utf-8"?>
-<p:sld xmlns:a="http://schemas.openxmlformats.org/drawingml/2006/main" xmlns:r="http://schemas.openxmlformats.org/officeDocument/2006/relationships" xmlns:p="http://schemas.openxmlformats.org/presentationml/2006/main">
-  <p:cSld>
-    <p:bg>
-      <p:bgPr>
-        <a:solidFill>
-          <a:srgbClr val="404040"/>
-        </a:solidFill>
-        <a:effectLst/>
-      </p:bgPr>
-    </p:bg>
-    <p:spTree>
-      <p:nvGrpSpPr>
-        <p:cNvPr id="1" name=""/>
-        <p:cNvGrpSpPr/>
-        <p:nvPr/>
-      </p:nvGrpSpPr>
-      <p:grpSpPr>
-        <a:xfrm>
-          <a:off x="0" y="0"/>
-          <a:ext cx="0" cy="0"/>
-          <a:chOff x="0" y="0"/>
-          <a:chExt cx="0" cy="0"/>
-        </a:xfrm>
-      </p:grpSpPr>
-      <p:sp>
-        <p:nvSpPr>
-          <p:cNvPr id="11" name="Rectangle 10">
-            <a:extLst>
-              <a:ext uri="{FF2B5EF4-FFF2-40B4-BE49-F238E27FC236}">
-                <a16:creationId xmlns:a16="http://schemas.microsoft.com/office/drawing/2014/main" id="{FEF085B8-A2C0-4A6F-B663-CCC56F3CD373}"/>
-              </a:ext>
-              <a:ext uri="{C183D7F6-B498-43B3-948B-1728B52AA6E4}">
-                <adec:decorative xmlns:adec="http://schemas.microsoft.com/office/drawing/2017/decorative" val="1"/>
-              </a:ext>
-            </a:extLst>
-          </p:cNvPr>
-          <p:cNvSpPr>
-            <a:spLocks noGrp="1" noRot="1" noChangeAspect="1" noMove="1" noResize="1" noEditPoints="1" noAdjustHandles="1" noChangeArrowheads="1" noChangeShapeType="1" noTextEdit="1"/>
-          </p:cNvSpPr>
-          <p:nvPr>
-            <p:extLst>
-              <p:ext uri="{386F3935-93C4-4BCD-93E2-E3B085C9AB24}">
-                <p16:designElem xmlns:p16="http://schemas.microsoft.com/office/powerpoint/2015/main" val="1"/>
-              </p:ext>
-            </p:extLst>
-          </p:nvPr>
-        </p:nvSpPr>
-        <p:spPr>
-          <a:xfrm>
-            <a:off x="0" y="-3324"/>
-            <a:ext cx="12192000" cy="6861324"/>
-          </a:xfrm>
-          <a:prstGeom prst="rect">
-            <a:avLst/>
-          </a:prstGeom>
-          <a:solidFill>
-            <a:srgbClr val="404040"/>
-          </a:solidFill>
-          <a:ln>
-            <a:noFill/>
-          </a:ln>
-        </p:spPr>
-        <p:style>
-          <a:lnRef idx="2">
-            <a:schemeClr val="accent1">
-              <a:shade val="50000"/>
-            </a:schemeClr>
-          </a:lnRef>
-          <a:fillRef idx="1">
-            <a:schemeClr val="accent1"/>
-          </a:fillRef>
-          <a:effectRef idx="0">
-            <a:schemeClr val="accent1"/>
-          </a:effectRef>
-          <a:fontRef idx="minor">
-            <a:schemeClr val="lt1"/>
-          </a:fontRef>
-        </p:style>
-        <p:txBody>
-          <a:bodyPr rtlCol="0" anchor="ctr"/>
-          <a:lstStyle/>
-          <a:p>
-            <a:pPr algn="ctr"/>
-            <a:endParaRPr lang="en-US"/>
-          </a:p>
-        </p:txBody>
-      </p:sp>
-      <p:sp>
-        <p:nvSpPr>
-          <p:cNvPr id="13" name="Freeform 13">
-            <a:extLst>
-              <a:ext uri="{FF2B5EF4-FFF2-40B4-BE49-F238E27FC236}">
-                <a16:creationId xmlns:a16="http://schemas.microsoft.com/office/drawing/2014/main" id="{2658F6D6-96E0-421A-96D6-3DF404008543}"/>
-              </a:ext>
-              <a:ext uri="{C183D7F6-B498-43B3-948B-1728B52AA6E4}">
-                <adec:decorative xmlns:adec="http://schemas.microsoft.com/office/drawing/2017/decorative" val="1"/>
-              </a:ext>
-            </a:extLst>
-          </p:cNvPr>
-          <p:cNvSpPr>
-            <a:spLocks noGrp="1" noRot="1" noChangeAspect="1" noMove="1" noResize="1" noEditPoints="1" noAdjustHandles="1" noChangeArrowheads="1" noChangeShapeType="1" noTextEdit="1"/>
-          </p:cNvSpPr>
-          <p:nvPr>
-            <p:extLst>
-              <p:ext uri="{386F3935-93C4-4BCD-93E2-E3B085C9AB24}">
-                <p16:designElem xmlns:p16="http://schemas.microsoft.com/office/powerpoint/2015/main" val="1"/>
-              </p:ext>
-            </p:extLst>
-          </p:nvPr>
-        </p:nvSpPr>
-        <p:spPr>
-          <a:xfrm>
-            <a:off x="0" y="0"/>
-            <a:ext cx="11786754" cy="6858000"/>
-          </a:xfrm>
-          <a:custGeom>
-            <a:avLst/>
-            <a:gdLst>
-              <a:gd name="connsiteX0" fmla="*/ 0 w 11786754"/>
-              <a:gd name="connsiteY0" fmla="*/ 0 h 6858000"/>
-              <a:gd name="connsiteX1" fmla="*/ 8610600 w 11786754"/>
-              <a:gd name="connsiteY1" fmla="*/ 0 h 6858000"/>
-              <a:gd name="connsiteX2" fmla="*/ 11786754 w 11786754"/>
-              <a:gd name="connsiteY2" fmla="*/ 6858000 h 6858000"/>
-              <a:gd name="connsiteX3" fmla="*/ 0 w 11786754"/>
-              <a:gd name="connsiteY3" fmla="*/ 6858000 h 6858000"/>
-            </a:gdLst>
-            <a:ahLst/>
-            <a:cxnLst>
-              <a:cxn ang="0">
-                <a:pos x="connsiteX0" y="connsiteY0"/>
-              </a:cxn>
-              <a:cxn ang="0">
-                <a:pos x="connsiteX1" y="connsiteY1"/>
-              </a:cxn>
-              <a:cxn ang="0">
-                <a:pos x="connsiteX2" y="connsiteY2"/>
-              </a:cxn>
-              <a:cxn ang="0">
-                <a:pos x="connsiteX3" y="connsiteY3"/>
-              </a:cxn>
-            </a:cxnLst>
-            <a:rect l="l" t="t" r="r" b="b"/>
-            <a:pathLst>
-              <a:path w="11786754" h="6858000">
-                <a:moveTo>
-                  <a:pt x="0" y="0"/>
-                </a:moveTo>
-                <a:lnTo>
-                  <a:pt x="8610600" y="0"/>
-                </a:lnTo>
-                <a:lnTo>
-                  <a:pt x="11786754" y="6858000"/>
-                </a:lnTo>
-                <a:lnTo>
-                  <a:pt x="0" y="6858000"/>
-                </a:lnTo>
-                <a:close/>
-              </a:path>
-            </a:pathLst>
-          </a:custGeom>
-          <a:solidFill>
-            <a:schemeClr val="bg1">
-              <a:alpha val="30000"/>
-            </a:schemeClr>
-          </a:solidFill>
-          <a:ln>
-            <a:noFill/>
-          </a:ln>
-        </p:spPr>
-        <p:style>
-          <a:lnRef idx="2">
-            <a:schemeClr val="accent1">
-              <a:shade val="50000"/>
-            </a:schemeClr>
-          </a:lnRef>
-          <a:fillRef idx="1">
-            <a:schemeClr val="accent1"/>
-          </a:fillRef>
-          <a:effectRef idx="0">
-            <a:schemeClr val="accent1"/>
-          </a:effectRef>
-          <a:fontRef idx="minor">
-            <a:schemeClr val="lt1"/>
-          </a:fontRef>
-        </p:style>
-        <p:txBody>
-          <a:bodyPr rtlCol="0" anchor="ctr"/>
-          <a:lstStyle/>
-          <a:p>
-            <a:pPr algn="ctr"/>
-            <a:endParaRPr lang="en-US"/>
-          </a:p>
-        </p:txBody>
-      </p:sp>
-      <p:sp>
-        <p:nvSpPr>
-          <p:cNvPr id="15" name="Freeform 11">
-            <a:extLst>
-              <a:ext uri="{FF2B5EF4-FFF2-40B4-BE49-F238E27FC236}">
-                <a16:creationId xmlns:a16="http://schemas.microsoft.com/office/drawing/2014/main" id="{3CF62545-93A0-4FD5-9B48-48DCA794CBA1}"/>
-              </a:ext>
-              <a:ext uri="{C183D7F6-B498-43B3-948B-1728B52AA6E4}">
-                <adec:decorative xmlns:adec="http://schemas.microsoft.com/office/drawing/2017/decorative" val="1"/>
-              </a:ext>
-            </a:extLst>
-          </p:cNvPr>
-          <p:cNvSpPr>
-            <a:spLocks noGrp="1" noRot="1" noChangeAspect="1" noMove="1" noResize="1" noEditPoints="1" noAdjustHandles="1" noChangeArrowheads="1" noChangeShapeType="1" noTextEdit="1"/>
-          </p:cNvSpPr>
-          <p:nvPr>
-            <p:extLst>
-              <p:ext uri="{386F3935-93C4-4BCD-93E2-E3B085C9AB24}">
-                <p16:designElem xmlns:p16="http://schemas.microsoft.com/office/powerpoint/2015/main" val="1"/>
-              </p:ext>
-            </p:extLst>
-          </p:nvPr>
-        </p:nvSpPr>
-        <p:spPr>
-          <a:xfrm>
-            <a:off x="0" y="0"/>
-            <a:ext cx="3581400" cy="6858000"/>
-          </a:xfrm>
-          <a:custGeom>
-            <a:avLst/>
-            <a:gdLst>
-              <a:gd name="connsiteX0" fmla="*/ 0 w 3581400"/>
-              <a:gd name="connsiteY0" fmla="*/ 0 h 6858000"/>
-              <a:gd name="connsiteX1" fmla="*/ 405246 w 3581400"/>
-              <a:gd name="connsiteY1" fmla="*/ 0 h 6858000"/>
-              <a:gd name="connsiteX2" fmla="*/ 3581400 w 3581400"/>
-              <a:gd name="connsiteY2" fmla="*/ 6858000 h 6858000"/>
-              <a:gd name="connsiteX3" fmla="*/ 0 w 3581400"/>
-              <a:gd name="connsiteY3" fmla="*/ 6858000 h 6858000"/>
-            </a:gdLst>
-            <a:ahLst/>
-            <a:cxnLst>
-              <a:cxn ang="0">
-                <a:pos x="connsiteX0" y="connsiteY0"/>
-              </a:cxn>
-              <a:cxn ang="0">
-                <a:pos x="connsiteX1" y="connsiteY1"/>
-              </a:cxn>
-              <a:cxn ang="0">
-                <a:pos x="connsiteX2" y="connsiteY2"/>
-              </a:cxn>
-              <a:cxn ang="0">
-                <a:pos x="connsiteX3" y="connsiteY3"/>
-              </a:cxn>
-            </a:cxnLst>
-            <a:rect l="l" t="t" r="r" b="b"/>
-            <a:pathLst>
-              <a:path w="3581400" h="6858000">
-                <a:moveTo>
-                  <a:pt x="0" y="0"/>
-                </a:moveTo>
-                <a:lnTo>
-                  <a:pt x="405246" y="0"/>
-                </a:lnTo>
-                <a:lnTo>
-                  <a:pt x="3581400" y="6858000"/>
-                </a:lnTo>
-                <a:lnTo>
-                  <a:pt x="0" y="6858000"/>
-                </a:lnTo>
-                <a:close/>
-              </a:path>
-            </a:pathLst>
-          </a:custGeom>
-          <a:solidFill>
-            <a:schemeClr val="bg1">
-              <a:alpha val="30000"/>
-            </a:schemeClr>
-          </a:solidFill>
-          <a:ln>
-            <a:noFill/>
-          </a:ln>
-        </p:spPr>
-        <p:style>
-          <a:lnRef idx="2">
-            <a:schemeClr val="accent1">
-              <a:shade val="50000"/>
-            </a:schemeClr>
-          </a:lnRef>
-          <a:fillRef idx="1">
-            <a:schemeClr val="accent1"/>
-          </a:fillRef>
-          <a:effectRef idx="0">
-            <a:schemeClr val="accent1"/>
-          </a:effectRef>
-          <a:fontRef idx="minor">
-            <a:schemeClr val="lt1"/>
-          </a:fontRef>
-        </p:style>
-        <p:txBody>
-          <a:bodyPr wrap="square" rtlCol="0" anchor="ctr">
-            <a:noAutofit/>
-          </a:bodyPr>
-          <a:lstStyle/>
-          <a:p>
-            <a:pPr algn="ctr"/>
-            <a:endParaRPr lang="en-US"/>
-          </a:p>
-        </p:txBody>
-      </p:sp>
-      <p:sp>
-        <p:nvSpPr>
-          <p:cNvPr id="5" name="Content Placeholder 4">
-            <a:extLst>
-              <a:ext uri="{FF2B5EF4-FFF2-40B4-BE49-F238E27FC236}">
-                <a16:creationId xmlns:a16="http://schemas.microsoft.com/office/drawing/2014/main" id="{FDEEB234-85BA-4AF3-890F-ADFCAB18A5FA}"/>
-              </a:ext>
-            </a:extLst>
-          </p:cNvPr>
-          <p:cNvSpPr>
-            <a:spLocks noGrp="1"/>
-          </p:cNvSpPr>
-          <p:nvPr>
-            <p:ph sz="half" idx="1"/>
-          </p:nvPr>
-        </p:nvSpPr>
-        <p:spPr>
-          <a:xfrm>
-            <a:off x="838200" y="2010833"/>
-            <a:ext cx="5096934" cy="1039442"/>
-          </a:xfrm>
-        </p:spPr>
-        <p:txBody>
-          <a:bodyPr>
-            <a:normAutofit/>
-          </a:bodyPr>
-          <a:lstStyle/>
-          <a:p>
-            <a:r>
-              <a:rPr lang="en-GB" sz="2000" dirty="0"/>
-              <a:t>Paula Muldoon</a:t>
-            </a:r>
-          </a:p>
-          <a:p>
-            <a:r>
-              <a:rPr lang="en-GB" sz="2000" b="1" dirty="0"/>
-              <a:t>@</a:t>
-            </a:r>
-            <a:r>
-              <a:rPr lang="en-GB" sz="2000" b="1" dirty="0" err="1"/>
-              <a:t>FiddlersCode</a:t>
-            </a:r>
-            <a:endParaRPr lang="en-GB" sz="2000" b="1" dirty="0"/>
-          </a:p>
-          <a:p>
-            <a:endParaRPr lang="en-GB" sz="2000" dirty="0"/>
-          </a:p>
-        </p:txBody>
-      </p:sp>
-      <p:sp>
-        <p:nvSpPr>
-          <p:cNvPr id="6" name="Content Placeholder 5">
-            <a:extLst>
-              <a:ext uri="{FF2B5EF4-FFF2-40B4-BE49-F238E27FC236}">
-                <a16:creationId xmlns:a16="http://schemas.microsoft.com/office/drawing/2014/main" id="{68CA6E7F-F721-4991-B61E-735B5A1A5214}"/>
-              </a:ext>
-            </a:extLst>
-          </p:cNvPr>
-          <p:cNvSpPr>
-            <a:spLocks noGrp="1"/>
-          </p:cNvSpPr>
-          <p:nvPr>
-            <p:ph sz="half" idx="2"/>
-          </p:nvPr>
-        </p:nvSpPr>
-        <p:spPr>
-          <a:xfrm>
-            <a:off x="6256866" y="2010833"/>
-            <a:ext cx="5096933" cy="4166130"/>
-          </a:xfrm>
-        </p:spPr>
-        <p:txBody>
-          <a:bodyPr>
-            <a:normAutofit/>
-          </a:bodyPr>
-          <a:lstStyle/>
-          <a:p>
-            <a:r>
-              <a:rPr lang="en-GB" sz="2000" dirty="0"/>
-              <a:t>Paul McGrath</a:t>
-            </a:r>
-          </a:p>
-          <a:p>
-            <a:r>
-              <a:rPr lang="en-GB" sz="2000" b="1" dirty="0"/>
-              <a:t>@</a:t>
-            </a:r>
-            <a:r>
-              <a:rPr lang="en-GB" sz="2000" b="1" dirty="0" err="1"/>
-              <a:t>sciphus</a:t>
-            </a:r>
-            <a:endParaRPr lang="en-GB" sz="2000" b="1" dirty="0"/>
-          </a:p>
-        </p:txBody>
-      </p:sp>
-      <p:pic>
-        <p:nvPicPr>
-          <p:cNvPr id="17" name="Picture 16" descr="A group of people sitting at a table&#10;&#10;Description generated with very high confidence">
-            <a:extLst>
-              <a:ext uri="{FF2B5EF4-FFF2-40B4-BE49-F238E27FC236}">
-                <a16:creationId xmlns:a16="http://schemas.microsoft.com/office/drawing/2014/main" id="{857E6D3D-A5C7-4D35-A9A0-588965B53B24}"/>
-              </a:ext>
-            </a:extLst>
-          </p:cNvPr>
-          <p:cNvPicPr>
-            <a:picLocks noChangeAspect="1"/>
-          </p:cNvPicPr>
-          <p:nvPr/>
-        </p:nvPicPr>
-        <p:blipFill>
-          <a:blip r:embed="rId2">
-            <a:extLst>
-              <a:ext uri="{28A0092B-C50C-407E-A947-70E740481C1C}">
-                <a14:useLocalDpi xmlns:a14="http://schemas.microsoft.com/office/drawing/2010/main" val="0"/>
-              </a:ext>
-            </a:extLst>
-          </a:blip>
-          <a:stretch>
-            <a:fillRect/>
-          </a:stretch>
-        </p:blipFill>
-        <p:spPr>
-          <a:xfrm>
-            <a:off x="990781" y="2879678"/>
-            <a:ext cx="4791771" cy="3122138"/>
-          </a:xfrm>
-          <a:prstGeom prst="rect">
-            <a:avLst/>
-          </a:prstGeom>
-        </p:spPr>
-      </p:pic>
-      <p:pic>
-        <p:nvPicPr>
-          <p:cNvPr id="4" name="Picture 3">
-            <a:extLst>
-              <a:ext uri="{FF2B5EF4-FFF2-40B4-BE49-F238E27FC236}">
-                <a16:creationId xmlns:a16="http://schemas.microsoft.com/office/drawing/2014/main" id="{8E8A12B9-8109-438B-8E79-39D23592A3BC}"/>
-              </a:ext>
-            </a:extLst>
-          </p:cNvPr>
-          <p:cNvPicPr>
-            <a:picLocks noChangeAspect="1"/>
-          </p:cNvPicPr>
-          <p:nvPr/>
-        </p:nvPicPr>
-        <p:blipFill>
-          <a:blip r:embed="rId3"/>
-          <a:stretch>
-            <a:fillRect/>
-          </a:stretch>
-        </p:blipFill>
-        <p:spPr>
-          <a:xfrm>
-            <a:off x="6416456" y="2879679"/>
-            <a:ext cx="2903389" cy="3122138"/>
-          </a:xfrm>
-          <a:prstGeom prst="rect">
-            <a:avLst/>
-          </a:prstGeom>
-        </p:spPr>
-      </p:pic>
-    </p:spTree>
-    <p:extLst>
-      <p:ext uri="{BB962C8B-B14F-4D97-AF65-F5344CB8AC3E}">
-        <p14:creationId xmlns:p14="http://schemas.microsoft.com/office/powerpoint/2010/main" val="2564234972"/>
-      </p:ext>
-    </p:extLst>
-  </p:cSld>
-  <p:clrMapOvr>
-    <a:overrideClrMapping bg1="dk1" tx1="lt1" bg2="dk2" tx2="lt2" accent1="accent1" accent2="accent2" accent3="accent3" accent4="accent4" accent5="accent5" accent6="accent6" hlink="hlink" folHlink="folHlink"/>
-  </p:clrMapOvr>
-</p:sld>
-</file>
-
-<file path=ppt/slides/slide20.xml><?xml version="1.0" encoding="utf-8"?>
+<file path=ppt/slides/slide19.xml><?xml version="1.0" encoding="utf-8"?>
 <p:sld xmlns:a="http://schemas.openxmlformats.org/drawingml/2006/main" xmlns:r="http://schemas.openxmlformats.org/officeDocument/2006/relationships" xmlns:p="http://schemas.openxmlformats.org/presentationml/2006/main">
   <p:cSld>
     <p:spTree>
@@ -9793,7 +9098,7 @@
 </p:sld>
 </file>
 
-<file path=ppt/slides/slide21.xml><?xml version="1.0" encoding="utf-8"?>
+<file path=ppt/slides/slide2.xml><?xml version="1.0" encoding="utf-8"?>
 <p:sld xmlns:a="http://schemas.openxmlformats.org/drawingml/2006/main" xmlns:r="http://schemas.openxmlformats.org/officeDocument/2006/relationships" xmlns:p="http://schemas.openxmlformats.org/presentationml/2006/main">
   <p:cSld>
     <p:spTree>
@@ -9812,445 +9117,7 @@
       </p:grpSpPr>
       <p:sp>
         <p:nvSpPr>
-          <p:cNvPr id="2" name="Title 1">
-            <a:extLst>
-              <a:ext uri="{FF2B5EF4-FFF2-40B4-BE49-F238E27FC236}">
-                <a16:creationId xmlns:a16="http://schemas.microsoft.com/office/drawing/2014/main" id="{A811A630-5528-4CEC-BEA6-EAACE896CCE3}"/>
-              </a:ext>
-            </a:extLst>
-          </p:cNvPr>
-          <p:cNvSpPr>
-            <a:spLocks noGrp="1"/>
-          </p:cNvSpPr>
-          <p:nvPr>
-            <p:ph type="title"/>
-          </p:nvPr>
-        </p:nvSpPr>
-        <p:spPr>
-          <a:xfrm>
-            <a:off x="838200" y="365125"/>
-            <a:ext cx="11049000" cy="1325563"/>
-          </a:xfrm>
-        </p:spPr>
-        <p:txBody>
-          <a:bodyPr/>
-          <a:lstStyle/>
-          <a:p>
-            <a:r>
-              <a:rPr lang="en-GB" dirty="0"/>
-              <a:t>Try building my C# project without </a:t>
-            </a:r>
-            <a:r>
-              <a:rPr lang="en-GB" dirty="0" err="1"/>
-              <a:t>.net</a:t>
-            </a:r>
-            <a:r>
-              <a:rPr lang="en-GB" dirty="0"/>
-              <a:t> installed</a:t>
-            </a:r>
-          </a:p>
-        </p:txBody>
-      </p:sp>
-      <p:sp>
-        <p:nvSpPr>
-          <p:cNvPr id="3" name="Content Placeholder 2">
-            <a:extLst>
-              <a:ext uri="{FF2B5EF4-FFF2-40B4-BE49-F238E27FC236}">
-                <a16:creationId xmlns:a16="http://schemas.microsoft.com/office/drawing/2014/main" id="{44A5E5D8-4405-4939-A228-E4161A955D06}"/>
-              </a:ext>
-            </a:extLst>
-          </p:cNvPr>
-          <p:cNvSpPr>
-            <a:spLocks noGrp="1"/>
-          </p:cNvSpPr>
-          <p:nvPr>
-            <p:ph sz="half" idx="1"/>
-          </p:nvPr>
-        </p:nvSpPr>
-        <p:spPr>
-          <a:xfrm>
-            <a:off x="838200" y="2210637"/>
-            <a:ext cx="11353800" cy="1406770"/>
-          </a:xfrm>
-        </p:spPr>
-        <p:txBody>
-          <a:bodyPr>
-            <a:normAutofit lnSpcReduction="10000"/>
-          </a:bodyPr>
-          <a:lstStyle/>
-          <a:p>
-            <a:pPr marL="0" indent="0">
-              <a:buNone/>
-            </a:pPr>
-            <a:r>
-              <a:rPr lang="en-GB" dirty="0"/>
-              <a:t>In the </a:t>
-            </a:r>
-            <a:r>
-              <a:rPr lang="en-GB" b="1" dirty="0">
-                <a:solidFill>
-                  <a:srgbClr val="FF0000"/>
-                </a:solidFill>
-              </a:rPr>
-              <a:t>build-and-test</a:t>
-            </a:r>
-            <a:r>
-              <a:rPr lang="en-GB" dirty="0"/>
-              <a:t> directory</a:t>
-            </a:r>
-          </a:p>
-          <a:p>
-            <a:pPr marL="0" indent="0">
-              <a:buNone/>
-            </a:pPr>
-            <a:r>
-              <a:rPr lang="en-US" b="1" dirty="0"/>
-              <a:t>docker run --</a:t>
-            </a:r>
-            <a:r>
-              <a:rPr lang="en-US" b="1" dirty="0" err="1"/>
-              <a:t>rm</a:t>
-            </a:r>
-            <a:r>
-              <a:rPr lang="en-US" b="1" dirty="0"/>
-              <a:t> --volume "$(</a:t>
-            </a:r>
-            <a:r>
-              <a:rPr lang="en-US" b="1" dirty="0" err="1"/>
-              <a:t>pwd</a:t>
-            </a:r>
-            <a:r>
-              <a:rPr lang="en-US" b="1" dirty="0"/>
-              <a:t>):/build" --</a:t>
-            </a:r>
-            <a:r>
-              <a:rPr lang="en-US" b="1" dirty="0" err="1"/>
-              <a:t>workdir</a:t>
-            </a:r>
-            <a:r>
-              <a:rPr lang="en-US" b="1" dirty="0"/>
-              <a:t> /build mono ./build.sh</a:t>
-            </a:r>
-          </a:p>
-          <a:p>
-            <a:pPr marL="0" indent="0">
-              <a:buNone/>
-            </a:pPr>
-            <a:r>
-              <a:rPr lang="en-US" b="1" dirty="0"/>
-              <a:t>docker run --</a:t>
-            </a:r>
-            <a:r>
-              <a:rPr lang="en-US" b="1" dirty="0" err="1"/>
-              <a:t>rm</a:t>
-            </a:r>
-            <a:r>
-              <a:rPr lang="en-US" b="1" dirty="0"/>
-              <a:t> --volume "$(</a:t>
-            </a:r>
-            <a:r>
-              <a:rPr lang="en-US" b="1" dirty="0" err="1"/>
-              <a:t>pwd</a:t>
-            </a:r>
-            <a:r>
-              <a:rPr lang="en-US" b="1" dirty="0"/>
-              <a:t>):/build" --</a:t>
-            </a:r>
-            <a:r>
-              <a:rPr lang="en-US" b="1" dirty="0" err="1"/>
-              <a:t>workdir</a:t>
-            </a:r>
-            <a:r>
-              <a:rPr lang="en-US" b="1" dirty="0"/>
-              <a:t> /build mono ./tests.sh</a:t>
-            </a:r>
-            <a:endParaRPr lang="en-GB" b="1" dirty="0"/>
-          </a:p>
-          <a:p>
-            <a:pPr marL="0" indent="0">
-              <a:buNone/>
-            </a:pPr>
-            <a:endParaRPr lang="en-GB" b="1" dirty="0"/>
-          </a:p>
-        </p:txBody>
-      </p:sp>
-      <p:pic>
-        <p:nvPicPr>
-          <p:cNvPr id="7" name="Content Placeholder 6">
-            <a:extLst>
-              <a:ext uri="{FF2B5EF4-FFF2-40B4-BE49-F238E27FC236}">
-                <a16:creationId xmlns:a16="http://schemas.microsoft.com/office/drawing/2014/main" id="{65CF3967-E458-4235-BB39-A2ED173375FE}"/>
-              </a:ext>
-            </a:extLst>
-          </p:cNvPr>
-          <p:cNvPicPr>
-            <a:picLocks noGrp="1" noChangeAspect="1"/>
-          </p:cNvPicPr>
-          <p:nvPr>
-            <p:ph sz="half" idx="2"/>
-          </p:nvPr>
-        </p:nvPicPr>
-        <p:blipFill>
-          <a:blip r:embed="rId2">
-            <a:extLst>
-              <a:ext uri="{28A0092B-C50C-407E-A947-70E740481C1C}">
-                <a14:useLocalDpi xmlns:a14="http://schemas.microsoft.com/office/drawing/2010/main" val="0"/>
-              </a:ext>
-            </a:extLst>
-          </a:blip>
-          <a:stretch>
-            <a:fillRect/>
-          </a:stretch>
-        </p:blipFill>
-        <p:spPr>
-          <a:xfrm>
-            <a:off x="1117878" y="3215965"/>
-            <a:ext cx="10437725" cy="3095935"/>
-          </a:xfrm>
-        </p:spPr>
-      </p:pic>
-    </p:spTree>
-    <p:extLst>
-      <p:ext uri="{BB962C8B-B14F-4D97-AF65-F5344CB8AC3E}">
-        <p14:creationId xmlns:p14="http://schemas.microsoft.com/office/powerpoint/2010/main" val="3005701219"/>
-      </p:ext>
-    </p:extLst>
-  </p:cSld>
-  <p:clrMapOvr>
-    <a:masterClrMapping/>
-  </p:clrMapOvr>
-</p:sld>
-</file>
-
-<file path=ppt/slides/slide22.xml><?xml version="1.0" encoding="utf-8"?>
-<p:sld xmlns:a="http://schemas.openxmlformats.org/drawingml/2006/main" xmlns:r="http://schemas.openxmlformats.org/officeDocument/2006/relationships" xmlns:p="http://schemas.openxmlformats.org/presentationml/2006/main">
-  <p:cSld>
-    <p:spTree>
-      <p:nvGrpSpPr>
-        <p:cNvPr id="1" name=""/>
-        <p:cNvGrpSpPr/>
-        <p:nvPr/>
-      </p:nvGrpSpPr>
-      <p:grpSpPr>
-        <a:xfrm>
-          <a:off x="0" y="0"/>
-          <a:ext cx="0" cy="0"/>
-          <a:chOff x="0" y="0"/>
-          <a:chExt cx="0" cy="0"/>
-        </a:xfrm>
-      </p:grpSpPr>
-      <p:sp>
-        <p:nvSpPr>
-          <p:cNvPr id="2" name="Title 1">
-            <a:extLst>
-              <a:ext uri="{FF2B5EF4-FFF2-40B4-BE49-F238E27FC236}">
-                <a16:creationId xmlns:a16="http://schemas.microsoft.com/office/drawing/2014/main" id="{6B08027B-E843-4F66-86C9-51CDA2857476}"/>
-              </a:ext>
-            </a:extLst>
-          </p:cNvPr>
-          <p:cNvSpPr>
-            <a:spLocks noGrp="1"/>
-          </p:cNvSpPr>
-          <p:nvPr>
-            <p:ph type="title"/>
-          </p:nvPr>
-        </p:nvSpPr>
-        <p:spPr>
-          <a:xfrm>
-            <a:off x="838200" y="365125"/>
-            <a:ext cx="10515600" cy="1325563"/>
-          </a:xfrm>
-        </p:spPr>
-        <p:txBody>
-          <a:bodyPr/>
-          <a:lstStyle/>
-          <a:p>
-            <a:r>
-              <a:rPr lang="en-GB" dirty="0"/>
-              <a:t>Cleaning up</a:t>
-            </a:r>
-          </a:p>
-        </p:txBody>
-      </p:sp>
-      <p:sp>
-        <p:nvSpPr>
-          <p:cNvPr id="3" name="Content Placeholder 2">
-            <a:extLst>
-              <a:ext uri="{FF2B5EF4-FFF2-40B4-BE49-F238E27FC236}">
-                <a16:creationId xmlns:a16="http://schemas.microsoft.com/office/drawing/2014/main" id="{283FEFA6-5CC2-408D-96E6-2F7245478A96}"/>
-              </a:ext>
-            </a:extLst>
-          </p:cNvPr>
-          <p:cNvSpPr>
-            <a:spLocks noGrp="1"/>
-          </p:cNvSpPr>
-          <p:nvPr>
-            <p:ph idx="1"/>
-          </p:nvPr>
-        </p:nvSpPr>
-        <p:spPr>
-          <a:xfrm>
-            <a:off x="838200" y="1825625"/>
-            <a:ext cx="10515600" cy="4351338"/>
-          </a:xfrm>
-        </p:spPr>
-        <p:txBody>
-          <a:bodyPr>
-            <a:normAutofit/>
-          </a:bodyPr>
-          <a:lstStyle/>
-          <a:p>
-            <a:r>
-              <a:rPr lang="en-GB" dirty="0"/>
-              <a:t>Stop containers: </a:t>
-            </a:r>
-            <a:r>
-              <a:rPr lang="en-GB" b="1" i="1" dirty="0"/>
-              <a:t>docker stop &lt;id or name&gt;</a:t>
-            </a:r>
-          </a:p>
-          <a:p>
-            <a:r>
-              <a:rPr lang="en-GB" b="1" i="1" dirty="0"/>
-              <a:t>docker-compose stop</a:t>
-            </a:r>
-          </a:p>
-          <a:p>
-            <a:r>
-              <a:rPr lang="en-GB" dirty="0"/>
-              <a:t>Remove stopped containers: </a:t>
-            </a:r>
-            <a:r>
-              <a:rPr lang="en-GB" b="1" i="1" dirty="0"/>
-              <a:t>docker </a:t>
-            </a:r>
-            <a:r>
-              <a:rPr lang="en-GB" b="1" i="1" dirty="0" err="1"/>
-              <a:t>rm</a:t>
-            </a:r>
-            <a:r>
-              <a:rPr lang="en-GB" b="1" i="1" dirty="0"/>
-              <a:t> &lt;id or name&gt;</a:t>
-            </a:r>
-            <a:endParaRPr lang="en-GB" dirty="0"/>
-          </a:p>
-          <a:p>
-            <a:r>
-              <a:rPr lang="en-GB" dirty="0"/>
-              <a:t>Remove images: </a:t>
-            </a:r>
-            <a:r>
-              <a:rPr lang="en-GB" b="1" i="1" dirty="0"/>
-              <a:t>docker </a:t>
-            </a:r>
-            <a:r>
-              <a:rPr lang="en-GB" b="1" i="1" dirty="0" err="1"/>
-              <a:t>rmi</a:t>
-            </a:r>
-            <a:r>
-              <a:rPr lang="en-GB" b="1" i="1" dirty="0"/>
-              <a:t> &lt;id or name&gt;</a:t>
-            </a:r>
-          </a:p>
-          <a:p>
-            <a:r>
-              <a:rPr lang="en-GB" dirty="0"/>
-              <a:t>Remove volumes: </a:t>
-            </a:r>
-            <a:r>
-              <a:rPr lang="en-GB" b="1" i="1" dirty="0"/>
-              <a:t>docker volume </a:t>
-            </a:r>
-            <a:r>
-              <a:rPr lang="en-GB" b="1" i="1" dirty="0" err="1"/>
-              <a:t>rm</a:t>
-            </a:r>
-            <a:r>
-              <a:rPr lang="en-GB" b="1" i="1" dirty="0"/>
-              <a:t> &lt;volume name&gt;</a:t>
-            </a:r>
-            <a:endParaRPr lang="en-GB" dirty="0"/>
-          </a:p>
-          <a:p>
-            <a:endParaRPr lang="en-GB" b="1" i="1" dirty="0"/>
-          </a:p>
-        </p:txBody>
-      </p:sp>
-      <p:pic>
-        <p:nvPicPr>
-          <p:cNvPr id="5" name="Picture 4" descr="A close up of a logo&#10;&#10;Description generated with very high confidence">
-            <a:extLst>
-              <a:ext uri="{FF2B5EF4-FFF2-40B4-BE49-F238E27FC236}">
-                <a16:creationId xmlns:a16="http://schemas.microsoft.com/office/drawing/2014/main" id="{23032294-FBD6-4EC9-A873-838C40DB4B4C}"/>
-              </a:ext>
-            </a:extLst>
-          </p:cNvPr>
-          <p:cNvPicPr>
-            <a:picLocks noChangeAspect="1"/>
-          </p:cNvPicPr>
-          <p:nvPr/>
-        </p:nvPicPr>
-        <p:blipFill>
-          <a:blip r:embed="rId3">
-            <a:extLst>
-              <a:ext uri="{28A0092B-C50C-407E-A947-70E740481C1C}">
-                <a14:useLocalDpi xmlns:a14="http://schemas.microsoft.com/office/drawing/2010/main" val="0"/>
-              </a:ext>
-            </a:extLst>
-          </a:blip>
-          <a:stretch>
-            <a:fillRect/>
-          </a:stretch>
-        </p:blipFill>
-        <p:spPr>
-          <a:xfrm>
-            <a:off x="8851955" y="2893513"/>
-            <a:ext cx="3340045" cy="3964488"/>
-          </a:xfrm>
-          <a:prstGeom prst="rect">
-            <a:avLst/>
-          </a:prstGeom>
-        </p:spPr>
-      </p:pic>
-    </p:spTree>
-    <p:extLst>
-      <p:ext uri="{BB962C8B-B14F-4D97-AF65-F5344CB8AC3E}">
-        <p14:creationId xmlns:p14="http://schemas.microsoft.com/office/powerpoint/2010/main" val="389978944"/>
-      </p:ext>
-    </p:extLst>
-  </p:cSld>
-  <p:clrMapOvr>
-    <a:masterClrMapping/>
-  </p:clrMapOvr>
-</p:sld>
-</file>
-
-<file path=ppt/slides/slide23.xml><?xml version="1.0" encoding="utf-8"?>
-<p:sld xmlns:a="http://schemas.openxmlformats.org/drawingml/2006/main" xmlns:r="http://schemas.openxmlformats.org/officeDocument/2006/relationships" xmlns:p="http://schemas.openxmlformats.org/presentationml/2006/main">
-  <p:cSld>
-    <p:spTree>
-      <p:nvGrpSpPr>
-        <p:cNvPr id="1" name=""/>
-        <p:cNvGrpSpPr/>
-        <p:nvPr/>
-      </p:nvGrpSpPr>
-      <p:grpSpPr>
-        <a:xfrm>
-          <a:off x="0" y="0"/>
-          <a:ext cx="0" cy="0"/>
-          <a:chOff x="0" y="0"/>
-          <a:chExt cx="0" cy="0"/>
-        </a:xfrm>
-      </p:grpSpPr>
-      <p:sp>
-        <p:nvSpPr>
-          <p:cNvPr id="14" name="Rectangle 13">
-            <a:extLst>
-              <a:ext uri="{FF2B5EF4-FFF2-40B4-BE49-F238E27FC236}">
-                <a16:creationId xmlns:a16="http://schemas.microsoft.com/office/drawing/2014/main" id="{0E02442B-BFCE-4D94-A053-748333A3C5C8}"/>
-              </a:ext>
-            </a:extLst>
-          </p:cNvPr>
+          <p:cNvPr id="35" name="Rectangle 34"/>
           <p:cNvSpPr>
             <a:spLocks noGrp="1" noRot="1" noChangeAspect="1" noMove="1" noResize="1" noEditPoints="1" noAdjustHandles="1" noChangeArrowheads="1" noChangeShapeType="1" noTextEdit="1"/>
           </p:cNvSpPr>
@@ -10311,7 +9178,7 @@
       </p:sp>
       <p:pic>
         <p:nvPicPr>
-          <p:cNvPr id="8" name="Content Placeholder 4"/>
+          <p:cNvPr id="28" name="Content Placeholder 4" descr="A picture containing sky&#10;&#10;Description generated with high confidence"/>
           <p:cNvPicPr>
             <a:picLocks noChangeAspect="1"/>
           </p:cNvPicPr>
@@ -10325,13 +9192,13 @@
               </a:ext>
             </a:extLst>
           </a:blip>
-          <a:srcRect l="4046" t="1" r="2540" b="8429"/>
+          <a:srcRect l="6768" r="8280" b="2"/>
           <a:stretch/>
         </p:blipFill>
         <p:spPr>
           <a:xfrm>
-            <a:off x="4964897" y="629266"/>
-            <a:ext cx="7174522" cy="5468052"/>
+            <a:off x="5276088" y="640082"/>
+            <a:ext cx="6276250" cy="5577838"/>
           </a:xfrm>
           <a:prstGeom prst="rect">
             <a:avLst/>
@@ -10344,7 +9211,7 @@
           <p:cNvPr id="2" name="Title 1">
             <a:extLst>
               <a:ext uri="{FF2B5EF4-FFF2-40B4-BE49-F238E27FC236}">
-                <a16:creationId xmlns:a16="http://schemas.microsoft.com/office/drawing/2014/main" id="{48221E81-2355-472D-91CB-49083A43D633}"/>
+                <a16:creationId xmlns:a16="http://schemas.microsoft.com/office/drawing/2014/main" id="{0E2CEE0E-D448-4D4F-9AF3-8F54E7981FF5}"/>
               </a:ext>
             </a:extLst>
           </p:cNvPr>
@@ -10362,211 +9229,118 @@
           </a:xfrm>
         </p:spPr>
         <p:txBody>
+          <a:bodyPr vert="horz" lIns="91440" tIns="45720" rIns="91440" bIns="45720" rtlCol="0">
+            <a:normAutofit/>
+          </a:bodyPr>
+          <a:lstStyle/>
+          <a:p>
+            <a:r>
+              <a:rPr lang="en-US" sz="3600" kern="1200" dirty="0">
+                <a:solidFill>
+                  <a:schemeClr val="bg1"/>
+                </a:solidFill>
+                <a:latin typeface="+mj-lt"/>
+                <a:ea typeface="+mj-ea"/>
+                <a:cs typeface="+mj-cs"/>
+              </a:rPr>
+              <a:t>What will we learn today?</a:t>
+            </a:r>
+          </a:p>
+        </p:txBody>
+      </p:sp>
+      <p:sp>
+        <p:nvSpPr>
+          <p:cNvPr id="30" name="Content Placeholder 29"/>
+          <p:cNvSpPr>
+            <a:spLocks noGrp="1"/>
+          </p:cNvSpPr>
+          <p:nvPr>
+            <p:ph idx="1"/>
+          </p:nvPr>
+        </p:nvSpPr>
+        <p:spPr>
+          <a:xfrm>
+            <a:off x="648931" y="2438401"/>
+            <a:ext cx="3667036" cy="3779520"/>
+          </a:xfrm>
+        </p:spPr>
+        <p:txBody>
           <a:bodyPr>
             <a:normAutofit/>
           </a:bodyPr>
           <a:lstStyle/>
           <a:p>
             <a:r>
-              <a:rPr lang="en-GB" sz="3600" dirty="0">
+              <a:rPr lang="en-US" sz="1800" dirty="0">
                 <a:solidFill>
                   <a:schemeClr val="bg1"/>
                 </a:solidFill>
               </a:rPr>
-              <a:t>THANK YOU</a:t>
-            </a:r>
-          </a:p>
-        </p:txBody>
-      </p:sp>
-      <p:sp>
-        <p:nvSpPr>
-          <p:cNvPr id="10" name="Content Placeholder 9"/>
-          <p:cNvSpPr>
-            <a:spLocks noGrp="1"/>
-          </p:cNvSpPr>
-          <p:nvPr>
-            <p:ph idx="1"/>
-          </p:nvPr>
-        </p:nvSpPr>
-        <p:spPr>
-          <a:xfrm>
-            <a:off x="648932" y="2317798"/>
-            <a:ext cx="3667036" cy="3779520"/>
-          </a:xfrm>
-        </p:spPr>
-        <p:txBody>
-          <a:bodyPr>
-            <a:normAutofit/>
-          </a:bodyPr>
-          <a:lstStyle/>
-          <a:p>
-            <a:pPr marL="0" indent="0">
-              <a:buNone/>
-            </a:pPr>
-            <a:r>
-              <a:rPr lang="en-US" dirty="0">
+              <a:t>Outline of docker and what it can be used for</a:t>
+            </a:r>
+          </a:p>
+          <a:p>
+            <a:r>
+              <a:rPr lang="en-US" sz="1800" dirty="0">
                 <a:solidFill>
                   <a:schemeClr val="bg1"/>
                 </a:solidFill>
               </a:rPr>
-              <a:t>Paul &amp; Paula</a:t>
-            </a:r>
-          </a:p>
-          <a:p>
-            <a:pPr marL="0" indent="0">
-              <a:buNone/>
-            </a:pPr>
-            <a:endParaRPr lang="en-US" dirty="0">
-              <a:solidFill>
-                <a:schemeClr val="bg1"/>
-              </a:solidFill>
-            </a:endParaRPr>
-          </a:p>
-          <a:p>
-            <a:pPr marL="0" indent="0">
-              <a:buNone/>
-            </a:pPr>
-            <a:endParaRPr lang="en-US" dirty="0">
-              <a:solidFill>
-                <a:schemeClr val="bg1"/>
-              </a:solidFill>
-            </a:endParaRPr>
-          </a:p>
-          <a:p>
-            <a:pPr marL="0" indent="0">
-              <a:buNone/>
-            </a:pPr>
-            <a:endParaRPr lang="en-US" dirty="0">
-              <a:solidFill>
-                <a:schemeClr val="bg1"/>
-              </a:solidFill>
-            </a:endParaRPr>
-          </a:p>
-          <a:p>
-            <a:pPr marL="0" indent="0">
-              <a:buNone/>
-            </a:pPr>
-            <a:endParaRPr lang="en-US" dirty="0">
-              <a:solidFill>
-                <a:schemeClr val="bg1"/>
-              </a:solidFill>
-            </a:endParaRPr>
-          </a:p>
-          <a:p>
-            <a:pPr marL="0" indent="0">
-              <a:buNone/>
-            </a:pPr>
-            <a:r>
-              <a:rPr lang="en-US" dirty="0">
+              <a:t>Build and run an python app</a:t>
+            </a:r>
+          </a:p>
+          <a:p>
+            <a:r>
+              <a:rPr lang="en-US" sz="1800" dirty="0">
                 <a:solidFill>
                   <a:schemeClr val="bg1"/>
                 </a:solidFill>
               </a:rPr>
-              <a:t>@</a:t>
-            </a:r>
-            <a:r>
-              <a:rPr lang="en-US" dirty="0" err="1">
+              <a:t>Build and run an app with a database</a:t>
+            </a:r>
+          </a:p>
+          <a:p>
+            <a:r>
+              <a:rPr lang="en-US" sz="1800" dirty="0">
                 <a:solidFill>
                   <a:schemeClr val="bg1"/>
                 </a:solidFill>
               </a:rPr>
-              <a:t>FiddlersCode</a:t>
-            </a:r>
-            <a:endParaRPr lang="en-US" dirty="0">
-              <a:solidFill>
-                <a:schemeClr val="bg1"/>
-              </a:solidFill>
-            </a:endParaRPr>
-          </a:p>
-          <a:p>
-            <a:pPr marL="0" indent="0">
-              <a:buNone/>
-            </a:pPr>
-            <a:r>
-              <a:rPr lang="en-US" dirty="0">
+              <a:t>Use docker to compile </a:t>
+            </a:r>
+            <a:r>
+              <a:rPr lang="en-US" sz="1800" dirty="0" err="1">
                 <a:solidFill>
                   <a:schemeClr val="bg1"/>
                 </a:solidFill>
               </a:rPr>
-              <a:t>@</a:t>
-            </a:r>
-            <a:r>
-              <a:rPr lang="en-US" dirty="0" err="1">
+              <a:t>.net</a:t>
+            </a:r>
+            <a:r>
+              <a:rPr lang="en-US" sz="1800" dirty="0">
                 <a:solidFill>
                   <a:schemeClr val="bg1"/>
                 </a:solidFill>
               </a:rPr>
-              <a:t>sciphus</a:t>
-            </a:r>
-            <a:endParaRPr lang="en-US" dirty="0">
-              <a:solidFill>
-                <a:schemeClr val="bg1"/>
-              </a:solidFill>
-            </a:endParaRPr>
-          </a:p>
-          <a:p>
-            <a:pPr marL="0" indent="0">
-              <a:buNone/>
-            </a:pPr>
-            <a:endParaRPr lang="en-US" sz="1800" dirty="0">
-              <a:solidFill>
-                <a:schemeClr val="bg1"/>
-              </a:solidFill>
-            </a:endParaRPr>
-          </a:p>
-        </p:txBody>
-      </p:sp>
-      <p:pic>
-        <p:nvPicPr>
-          <p:cNvPr id="2054" name="Picture 6" descr="Image result">
-            <a:extLst>
-              <a:ext uri="{FF2B5EF4-FFF2-40B4-BE49-F238E27FC236}">
-                <a16:creationId xmlns:a16="http://schemas.microsoft.com/office/drawing/2014/main" id="{0B87BB78-6319-48D3-A86E-009B4D59301F}"/>
-              </a:ext>
-            </a:extLst>
-          </p:cNvPr>
-          <p:cNvPicPr>
-            <a:picLocks noChangeAspect="1" noChangeArrowheads="1"/>
-          </p:cNvPicPr>
-          <p:nvPr/>
-        </p:nvPicPr>
-        <p:blipFill>
-          <a:blip r:embed="rId4">
-            <a:extLst>
-              <a:ext uri="{28A0092B-C50C-407E-A947-70E740481C1C}">
-                <a14:useLocalDpi xmlns:a14="http://schemas.microsoft.com/office/drawing/2010/main" val="0"/>
-              </a:ext>
-            </a:extLst>
-          </a:blip>
-          <a:srcRect/>
-          <a:stretch>
-            <a:fillRect/>
-          </a:stretch>
-        </p:blipFill>
-        <p:spPr bwMode="auto">
-          <a:xfrm>
-            <a:off x="868085" y="3884454"/>
-            <a:ext cx="1010957" cy="820582"/>
-          </a:xfrm>
-          <a:prstGeom prst="rect">
-            <a:avLst/>
-          </a:prstGeom>
-          <a:noFill/>
-          <a:extLst>
-            <a:ext uri="{909E8E84-426E-40DD-AFC4-6F175D3DCCD1}">
-              <a14:hiddenFill xmlns:a14="http://schemas.microsoft.com/office/drawing/2010/main">
+              <a:t> code and run tests</a:t>
+            </a:r>
+          </a:p>
+          <a:p>
+            <a:r>
+              <a:rPr lang="en-US" sz="1800" dirty="0">
                 <a:solidFill>
-                  <a:srgbClr val="FFFFFF"/>
+                  <a:schemeClr val="bg1"/>
                 </a:solidFill>
-              </a14:hiddenFill>
-            </a:ext>
-          </a:extLst>
-        </p:spPr>
-      </p:pic>
+              </a:rPr>
+              <a:t>Not install anything again, ever.</a:t>
+            </a:r>
+          </a:p>
+        </p:txBody>
+      </p:sp>
     </p:spTree>
     <p:extLst>
       <p:ext uri="{BB962C8B-B14F-4D97-AF65-F5344CB8AC3E}">
-        <p14:creationId xmlns:p14="http://schemas.microsoft.com/office/powerpoint/2010/main" val="3935888067"/>
+        <p14:creationId xmlns:p14="http://schemas.microsoft.com/office/powerpoint/2010/main" val="575042700"/>
       </p:ext>
     </p:extLst>
   </p:cSld>
@@ -10576,7 +9350,7 @@
 </p:sld>
 </file>
 
-<file path=ppt/slides/slide3.xml><?xml version="1.0" encoding="utf-8"?>
+<file path=ppt/slides/slide20.xml><?xml version="1.0" encoding="utf-8"?>
 <p:sld xmlns:a="http://schemas.openxmlformats.org/drawingml/2006/main" xmlns:r="http://schemas.openxmlformats.org/officeDocument/2006/relationships" xmlns:p="http://schemas.openxmlformats.org/presentationml/2006/main">
   <p:cSld>
     <p:spTree>
@@ -10595,7 +9369,445 @@
       </p:grpSpPr>
       <p:sp>
         <p:nvSpPr>
-          <p:cNvPr id="35" name="Rectangle 34"/>
+          <p:cNvPr id="2" name="Title 1">
+            <a:extLst>
+              <a:ext uri="{FF2B5EF4-FFF2-40B4-BE49-F238E27FC236}">
+                <a16:creationId xmlns:a16="http://schemas.microsoft.com/office/drawing/2014/main" id="{A811A630-5528-4CEC-BEA6-EAACE896CCE3}"/>
+              </a:ext>
+            </a:extLst>
+          </p:cNvPr>
+          <p:cNvSpPr>
+            <a:spLocks noGrp="1"/>
+          </p:cNvSpPr>
+          <p:nvPr>
+            <p:ph type="title"/>
+          </p:nvPr>
+        </p:nvSpPr>
+        <p:spPr>
+          <a:xfrm>
+            <a:off x="838200" y="365125"/>
+            <a:ext cx="11049000" cy="1325563"/>
+          </a:xfrm>
+        </p:spPr>
+        <p:txBody>
+          <a:bodyPr/>
+          <a:lstStyle/>
+          <a:p>
+            <a:r>
+              <a:rPr lang="en-GB" dirty="0"/>
+              <a:t>Try building my C# project without </a:t>
+            </a:r>
+            <a:r>
+              <a:rPr lang="en-GB" dirty="0" err="1"/>
+              <a:t>.net</a:t>
+            </a:r>
+            <a:r>
+              <a:rPr lang="en-GB" dirty="0"/>
+              <a:t> installed</a:t>
+            </a:r>
+          </a:p>
+        </p:txBody>
+      </p:sp>
+      <p:sp>
+        <p:nvSpPr>
+          <p:cNvPr id="3" name="Content Placeholder 2">
+            <a:extLst>
+              <a:ext uri="{FF2B5EF4-FFF2-40B4-BE49-F238E27FC236}">
+                <a16:creationId xmlns:a16="http://schemas.microsoft.com/office/drawing/2014/main" id="{44A5E5D8-4405-4939-A228-E4161A955D06}"/>
+              </a:ext>
+            </a:extLst>
+          </p:cNvPr>
+          <p:cNvSpPr>
+            <a:spLocks noGrp="1"/>
+          </p:cNvSpPr>
+          <p:nvPr>
+            <p:ph sz="half" idx="1"/>
+          </p:nvPr>
+        </p:nvSpPr>
+        <p:spPr>
+          <a:xfrm>
+            <a:off x="838200" y="2210637"/>
+            <a:ext cx="11353800" cy="1406770"/>
+          </a:xfrm>
+        </p:spPr>
+        <p:txBody>
+          <a:bodyPr>
+            <a:normAutofit lnSpcReduction="10000"/>
+          </a:bodyPr>
+          <a:lstStyle/>
+          <a:p>
+            <a:pPr marL="0" indent="0">
+              <a:buNone/>
+            </a:pPr>
+            <a:r>
+              <a:rPr lang="en-GB" dirty="0"/>
+              <a:t>In the </a:t>
+            </a:r>
+            <a:r>
+              <a:rPr lang="en-GB" b="1" dirty="0">
+                <a:solidFill>
+                  <a:srgbClr val="FF0000"/>
+                </a:solidFill>
+              </a:rPr>
+              <a:t>build-and-test</a:t>
+            </a:r>
+            <a:r>
+              <a:rPr lang="en-GB" dirty="0"/>
+              <a:t> directory</a:t>
+            </a:r>
+          </a:p>
+          <a:p>
+            <a:pPr marL="0" indent="0">
+              <a:buNone/>
+            </a:pPr>
+            <a:r>
+              <a:rPr lang="en-US" b="1" dirty="0"/>
+              <a:t>docker run --</a:t>
+            </a:r>
+            <a:r>
+              <a:rPr lang="en-US" b="1" dirty="0" err="1"/>
+              <a:t>rm</a:t>
+            </a:r>
+            <a:r>
+              <a:rPr lang="en-US" b="1" dirty="0"/>
+              <a:t> --volume "$(</a:t>
+            </a:r>
+            <a:r>
+              <a:rPr lang="en-US" b="1" dirty="0" err="1"/>
+              <a:t>pwd</a:t>
+            </a:r>
+            <a:r>
+              <a:rPr lang="en-US" b="1" dirty="0"/>
+              <a:t>):/build" --</a:t>
+            </a:r>
+            <a:r>
+              <a:rPr lang="en-US" b="1" dirty="0" err="1"/>
+              <a:t>workdir</a:t>
+            </a:r>
+            <a:r>
+              <a:rPr lang="en-US" b="1" dirty="0"/>
+              <a:t> /build mono ./build.sh</a:t>
+            </a:r>
+          </a:p>
+          <a:p>
+            <a:pPr marL="0" indent="0">
+              <a:buNone/>
+            </a:pPr>
+            <a:r>
+              <a:rPr lang="en-US" b="1" dirty="0"/>
+              <a:t>docker run --</a:t>
+            </a:r>
+            <a:r>
+              <a:rPr lang="en-US" b="1" dirty="0" err="1"/>
+              <a:t>rm</a:t>
+            </a:r>
+            <a:r>
+              <a:rPr lang="en-US" b="1" dirty="0"/>
+              <a:t> --volume "$(</a:t>
+            </a:r>
+            <a:r>
+              <a:rPr lang="en-US" b="1" dirty="0" err="1"/>
+              <a:t>pwd</a:t>
+            </a:r>
+            <a:r>
+              <a:rPr lang="en-US" b="1" dirty="0"/>
+              <a:t>):/build" --</a:t>
+            </a:r>
+            <a:r>
+              <a:rPr lang="en-US" b="1" dirty="0" err="1"/>
+              <a:t>workdir</a:t>
+            </a:r>
+            <a:r>
+              <a:rPr lang="en-US" b="1" dirty="0"/>
+              <a:t> /build mono ./tests.sh</a:t>
+            </a:r>
+            <a:endParaRPr lang="en-GB" b="1" dirty="0"/>
+          </a:p>
+          <a:p>
+            <a:pPr marL="0" indent="0">
+              <a:buNone/>
+            </a:pPr>
+            <a:endParaRPr lang="en-GB" b="1" dirty="0"/>
+          </a:p>
+        </p:txBody>
+      </p:sp>
+      <p:pic>
+        <p:nvPicPr>
+          <p:cNvPr id="7" name="Content Placeholder 6">
+            <a:extLst>
+              <a:ext uri="{FF2B5EF4-FFF2-40B4-BE49-F238E27FC236}">
+                <a16:creationId xmlns:a16="http://schemas.microsoft.com/office/drawing/2014/main" id="{65CF3967-E458-4235-BB39-A2ED173375FE}"/>
+              </a:ext>
+            </a:extLst>
+          </p:cNvPr>
+          <p:cNvPicPr>
+            <a:picLocks noGrp="1" noChangeAspect="1"/>
+          </p:cNvPicPr>
+          <p:nvPr>
+            <p:ph sz="half" idx="2"/>
+          </p:nvPr>
+        </p:nvPicPr>
+        <p:blipFill>
+          <a:blip r:embed="rId2">
+            <a:extLst>
+              <a:ext uri="{28A0092B-C50C-407E-A947-70E740481C1C}">
+                <a14:useLocalDpi xmlns:a14="http://schemas.microsoft.com/office/drawing/2010/main" val="0"/>
+              </a:ext>
+            </a:extLst>
+          </a:blip>
+          <a:stretch>
+            <a:fillRect/>
+          </a:stretch>
+        </p:blipFill>
+        <p:spPr>
+          <a:xfrm>
+            <a:off x="1117878" y="3215965"/>
+            <a:ext cx="10437725" cy="3095935"/>
+          </a:xfrm>
+        </p:spPr>
+      </p:pic>
+    </p:spTree>
+    <p:extLst>
+      <p:ext uri="{BB962C8B-B14F-4D97-AF65-F5344CB8AC3E}">
+        <p14:creationId xmlns:p14="http://schemas.microsoft.com/office/powerpoint/2010/main" val="3005701219"/>
+      </p:ext>
+    </p:extLst>
+  </p:cSld>
+  <p:clrMapOvr>
+    <a:masterClrMapping/>
+  </p:clrMapOvr>
+</p:sld>
+</file>
+
+<file path=ppt/slides/slide21.xml><?xml version="1.0" encoding="utf-8"?>
+<p:sld xmlns:a="http://schemas.openxmlformats.org/drawingml/2006/main" xmlns:r="http://schemas.openxmlformats.org/officeDocument/2006/relationships" xmlns:p="http://schemas.openxmlformats.org/presentationml/2006/main">
+  <p:cSld>
+    <p:spTree>
+      <p:nvGrpSpPr>
+        <p:cNvPr id="1" name=""/>
+        <p:cNvGrpSpPr/>
+        <p:nvPr/>
+      </p:nvGrpSpPr>
+      <p:grpSpPr>
+        <a:xfrm>
+          <a:off x="0" y="0"/>
+          <a:ext cx="0" cy="0"/>
+          <a:chOff x="0" y="0"/>
+          <a:chExt cx="0" cy="0"/>
+        </a:xfrm>
+      </p:grpSpPr>
+      <p:sp>
+        <p:nvSpPr>
+          <p:cNvPr id="2" name="Title 1">
+            <a:extLst>
+              <a:ext uri="{FF2B5EF4-FFF2-40B4-BE49-F238E27FC236}">
+                <a16:creationId xmlns:a16="http://schemas.microsoft.com/office/drawing/2014/main" id="{6B08027B-E843-4F66-86C9-51CDA2857476}"/>
+              </a:ext>
+            </a:extLst>
+          </p:cNvPr>
+          <p:cNvSpPr>
+            <a:spLocks noGrp="1"/>
+          </p:cNvSpPr>
+          <p:nvPr>
+            <p:ph type="title"/>
+          </p:nvPr>
+        </p:nvSpPr>
+        <p:spPr>
+          <a:xfrm>
+            <a:off x="838200" y="365125"/>
+            <a:ext cx="10515600" cy="1325563"/>
+          </a:xfrm>
+        </p:spPr>
+        <p:txBody>
+          <a:bodyPr/>
+          <a:lstStyle/>
+          <a:p>
+            <a:r>
+              <a:rPr lang="en-GB" dirty="0"/>
+              <a:t>Cleaning up</a:t>
+            </a:r>
+          </a:p>
+        </p:txBody>
+      </p:sp>
+      <p:sp>
+        <p:nvSpPr>
+          <p:cNvPr id="3" name="Content Placeholder 2">
+            <a:extLst>
+              <a:ext uri="{FF2B5EF4-FFF2-40B4-BE49-F238E27FC236}">
+                <a16:creationId xmlns:a16="http://schemas.microsoft.com/office/drawing/2014/main" id="{283FEFA6-5CC2-408D-96E6-2F7245478A96}"/>
+              </a:ext>
+            </a:extLst>
+          </p:cNvPr>
+          <p:cNvSpPr>
+            <a:spLocks noGrp="1"/>
+          </p:cNvSpPr>
+          <p:nvPr>
+            <p:ph idx="1"/>
+          </p:nvPr>
+        </p:nvSpPr>
+        <p:spPr>
+          <a:xfrm>
+            <a:off x="838200" y="1825625"/>
+            <a:ext cx="10515600" cy="4351338"/>
+          </a:xfrm>
+        </p:spPr>
+        <p:txBody>
+          <a:bodyPr>
+            <a:normAutofit/>
+          </a:bodyPr>
+          <a:lstStyle/>
+          <a:p>
+            <a:r>
+              <a:rPr lang="en-GB" dirty="0"/>
+              <a:t>Stop containers: </a:t>
+            </a:r>
+            <a:r>
+              <a:rPr lang="en-GB" b="1" i="1" dirty="0"/>
+              <a:t>docker stop &lt;id or name&gt;</a:t>
+            </a:r>
+          </a:p>
+          <a:p>
+            <a:r>
+              <a:rPr lang="en-GB" b="1" i="1" dirty="0"/>
+              <a:t>docker-compose stop</a:t>
+            </a:r>
+          </a:p>
+          <a:p>
+            <a:r>
+              <a:rPr lang="en-GB" dirty="0"/>
+              <a:t>Remove stopped containers: </a:t>
+            </a:r>
+            <a:r>
+              <a:rPr lang="en-GB" b="1" i="1" dirty="0"/>
+              <a:t>docker </a:t>
+            </a:r>
+            <a:r>
+              <a:rPr lang="en-GB" b="1" i="1" dirty="0" err="1"/>
+              <a:t>rm</a:t>
+            </a:r>
+            <a:r>
+              <a:rPr lang="en-GB" b="1" i="1" dirty="0"/>
+              <a:t> &lt;id or name&gt;</a:t>
+            </a:r>
+            <a:endParaRPr lang="en-GB" dirty="0"/>
+          </a:p>
+          <a:p>
+            <a:r>
+              <a:rPr lang="en-GB" dirty="0"/>
+              <a:t>Remove images: </a:t>
+            </a:r>
+            <a:r>
+              <a:rPr lang="en-GB" b="1" i="1" dirty="0"/>
+              <a:t>docker </a:t>
+            </a:r>
+            <a:r>
+              <a:rPr lang="en-GB" b="1" i="1" dirty="0" err="1"/>
+              <a:t>rmi</a:t>
+            </a:r>
+            <a:r>
+              <a:rPr lang="en-GB" b="1" i="1" dirty="0"/>
+              <a:t> &lt;id or name&gt;</a:t>
+            </a:r>
+          </a:p>
+          <a:p>
+            <a:r>
+              <a:rPr lang="en-GB" dirty="0"/>
+              <a:t>Remove volumes: </a:t>
+            </a:r>
+            <a:r>
+              <a:rPr lang="en-GB" b="1" i="1" dirty="0"/>
+              <a:t>docker volume </a:t>
+            </a:r>
+            <a:r>
+              <a:rPr lang="en-GB" b="1" i="1" dirty="0" err="1"/>
+              <a:t>rm</a:t>
+            </a:r>
+            <a:r>
+              <a:rPr lang="en-GB" b="1" i="1" dirty="0"/>
+              <a:t> &lt;volume name&gt;</a:t>
+            </a:r>
+            <a:endParaRPr lang="en-GB" dirty="0"/>
+          </a:p>
+          <a:p>
+            <a:endParaRPr lang="en-GB" b="1" i="1" dirty="0"/>
+          </a:p>
+        </p:txBody>
+      </p:sp>
+      <p:pic>
+        <p:nvPicPr>
+          <p:cNvPr id="5" name="Picture 4" descr="A close up of a logo&#10;&#10;Description generated with very high confidence">
+            <a:extLst>
+              <a:ext uri="{FF2B5EF4-FFF2-40B4-BE49-F238E27FC236}">
+                <a16:creationId xmlns:a16="http://schemas.microsoft.com/office/drawing/2014/main" id="{23032294-FBD6-4EC9-A873-838C40DB4B4C}"/>
+              </a:ext>
+            </a:extLst>
+          </p:cNvPr>
+          <p:cNvPicPr>
+            <a:picLocks noChangeAspect="1"/>
+          </p:cNvPicPr>
+          <p:nvPr/>
+        </p:nvPicPr>
+        <p:blipFill>
+          <a:blip r:embed="rId3">
+            <a:extLst>
+              <a:ext uri="{28A0092B-C50C-407E-A947-70E740481C1C}">
+                <a14:useLocalDpi xmlns:a14="http://schemas.microsoft.com/office/drawing/2010/main" val="0"/>
+              </a:ext>
+            </a:extLst>
+          </a:blip>
+          <a:stretch>
+            <a:fillRect/>
+          </a:stretch>
+        </p:blipFill>
+        <p:spPr>
+          <a:xfrm>
+            <a:off x="8851955" y="2893513"/>
+            <a:ext cx="3340045" cy="3964488"/>
+          </a:xfrm>
+          <a:prstGeom prst="rect">
+            <a:avLst/>
+          </a:prstGeom>
+        </p:spPr>
+      </p:pic>
+    </p:spTree>
+    <p:extLst>
+      <p:ext uri="{BB962C8B-B14F-4D97-AF65-F5344CB8AC3E}">
+        <p14:creationId xmlns:p14="http://schemas.microsoft.com/office/powerpoint/2010/main" val="389978944"/>
+      </p:ext>
+    </p:extLst>
+  </p:cSld>
+  <p:clrMapOvr>
+    <a:masterClrMapping/>
+  </p:clrMapOvr>
+</p:sld>
+</file>
+
+<file path=ppt/slides/slide22.xml><?xml version="1.0" encoding="utf-8"?>
+<p:sld xmlns:a="http://schemas.openxmlformats.org/drawingml/2006/main" xmlns:r="http://schemas.openxmlformats.org/officeDocument/2006/relationships" xmlns:p="http://schemas.openxmlformats.org/presentationml/2006/main">
+  <p:cSld>
+    <p:spTree>
+      <p:nvGrpSpPr>
+        <p:cNvPr id="1" name=""/>
+        <p:cNvGrpSpPr/>
+        <p:nvPr/>
+      </p:nvGrpSpPr>
+      <p:grpSpPr>
+        <a:xfrm>
+          <a:off x="0" y="0"/>
+          <a:ext cx="0" cy="0"/>
+          <a:chOff x="0" y="0"/>
+          <a:chExt cx="0" cy="0"/>
+        </a:xfrm>
+      </p:grpSpPr>
+      <p:sp>
+        <p:nvSpPr>
+          <p:cNvPr id="14" name="Rectangle 13">
+            <a:extLst>
+              <a:ext uri="{FF2B5EF4-FFF2-40B4-BE49-F238E27FC236}">
+                <a16:creationId xmlns:a16="http://schemas.microsoft.com/office/drawing/2014/main" id="{0E02442B-BFCE-4D94-A053-748333A3C5C8}"/>
+              </a:ext>
+            </a:extLst>
+          </p:cNvPr>
           <p:cNvSpPr>
             <a:spLocks noGrp="1" noRot="1" noChangeAspect="1" noMove="1" noResize="1" noEditPoints="1" noAdjustHandles="1" noChangeArrowheads="1" noChangeShapeType="1" noTextEdit="1"/>
           </p:cNvSpPr>
@@ -10656,7 +9868,7 @@
       </p:sp>
       <p:pic>
         <p:nvPicPr>
-          <p:cNvPr id="28" name="Content Placeholder 4" descr="A picture containing sky&#10;&#10;Description generated with high confidence"/>
+          <p:cNvPr id="8" name="Content Placeholder 4"/>
           <p:cNvPicPr>
             <a:picLocks noChangeAspect="1"/>
           </p:cNvPicPr>
@@ -10670,13 +9882,13 @@
               </a:ext>
             </a:extLst>
           </a:blip>
-          <a:srcRect l="6768" r="8280" b="2"/>
+          <a:srcRect l="4046" t="1" r="2540" b="8429"/>
           <a:stretch/>
         </p:blipFill>
         <p:spPr>
           <a:xfrm>
-            <a:off x="5276088" y="640082"/>
-            <a:ext cx="6276250" cy="5577838"/>
+            <a:off x="4964897" y="629266"/>
+            <a:ext cx="7174522" cy="5468052"/>
           </a:xfrm>
           <a:prstGeom prst="rect">
             <a:avLst/>
@@ -10689,7 +9901,7 @@
           <p:cNvPr id="2" name="Title 1">
             <a:extLst>
               <a:ext uri="{FF2B5EF4-FFF2-40B4-BE49-F238E27FC236}">
-                <a16:creationId xmlns:a16="http://schemas.microsoft.com/office/drawing/2014/main" id="{0E2CEE0E-D448-4D4F-9AF3-8F54E7981FF5}"/>
+                <a16:creationId xmlns:a16="http://schemas.microsoft.com/office/drawing/2014/main" id="{48221E81-2355-472D-91CB-49083A43D633}"/>
               </a:ext>
             </a:extLst>
           </p:cNvPr>
@@ -10707,118 +9919,192 @@
           </a:xfrm>
         </p:spPr>
         <p:txBody>
-          <a:bodyPr vert="horz" lIns="91440" tIns="45720" rIns="91440" bIns="45720" rtlCol="0">
-            <a:normAutofit/>
-          </a:bodyPr>
-          <a:lstStyle/>
-          <a:p>
-            <a:r>
-              <a:rPr lang="en-US" sz="3600" kern="1200" dirty="0">
-                <a:solidFill>
-                  <a:schemeClr val="bg1"/>
-                </a:solidFill>
-                <a:latin typeface="+mj-lt"/>
-                <a:ea typeface="+mj-ea"/>
-                <a:cs typeface="+mj-cs"/>
-              </a:rPr>
-              <a:t>What will we learn today?</a:t>
-            </a:r>
-          </a:p>
-        </p:txBody>
-      </p:sp>
-      <p:sp>
-        <p:nvSpPr>
-          <p:cNvPr id="30" name="Content Placeholder 29"/>
-          <p:cNvSpPr>
-            <a:spLocks noGrp="1"/>
-          </p:cNvSpPr>
-          <p:nvPr>
-            <p:ph idx="1"/>
-          </p:nvPr>
-        </p:nvSpPr>
-        <p:spPr>
-          <a:xfrm>
-            <a:off x="648931" y="2438401"/>
-            <a:ext cx="3667036" cy="3779520"/>
-          </a:xfrm>
-        </p:spPr>
-        <p:txBody>
           <a:bodyPr>
             <a:normAutofit/>
           </a:bodyPr>
           <a:lstStyle/>
           <a:p>
             <a:r>
-              <a:rPr lang="en-US" sz="1800" dirty="0">
+              <a:rPr lang="en-GB" sz="3600" dirty="0">
                 <a:solidFill>
                   <a:schemeClr val="bg1"/>
                 </a:solidFill>
               </a:rPr>
-              <a:t>Outline of docker and what it can be used for</a:t>
-            </a:r>
-          </a:p>
-          <a:p>
-            <a:r>
-              <a:rPr lang="en-US" sz="1800" dirty="0">
+              <a:t>THANK YOU</a:t>
+            </a:r>
+          </a:p>
+        </p:txBody>
+      </p:sp>
+      <p:sp>
+        <p:nvSpPr>
+          <p:cNvPr id="10" name="Content Placeholder 9"/>
+          <p:cNvSpPr>
+            <a:spLocks noGrp="1"/>
+          </p:cNvSpPr>
+          <p:nvPr>
+            <p:ph idx="1"/>
+          </p:nvPr>
+        </p:nvSpPr>
+        <p:spPr>
+          <a:xfrm>
+            <a:off x="648932" y="2317798"/>
+            <a:ext cx="3667036" cy="3779520"/>
+          </a:xfrm>
+        </p:spPr>
+        <p:txBody>
+          <a:bodyPr>
+            <a:normAutofit/>
+          </a:bodyPr>
+          <a:lstStyle/>
+          <a:p>
+            <a:pPr marL="0" indent="0">
+              <a:buNone/>
+            </a:pPr>
+            <a:endParaRPr lang="en-US" dirty="0">
+              <a:solidFill>
+                <a:schemeClr val="bg1"/>
+              </a:solidFill>
+            </a:endParaRPr>
+          </a:p>
+          <a:p>
+            <a:pPr marL="0" indent="0">
+              <a:buNone/>
+            </a:pPr>
+            <a:endParaRPr lang="en-US" dirty="0">
+              <a:solidFill>
+                <a:schemeClr val="bg1"/>
+              </a:solidFill>
+            </a:endParaRPr>
+          </a:p>
+          <a:p>
+            <a:pPr marL="0" indent="0">
+              <a:buNone/>
+            </a:pPr>
+            <a:endParaRPr lang="en-US" dirty="0">
+              <a:solidFill>
+                <a:schemeClr val="bg1"/>
+              </a:solidFill>
+            </a:endParaRPr>
+          </a:p>
+          <a:p>
+            <a:pPr marL="0" indent="0">
+              <a:buNone/>
+            </a:pPr>
+            <a:endParaRPr lang="en-US" dirty="0">
+              <a:solidFill>
+                <a:schemeClr val="bg1"/>
+              </a:solidFill>
+            </a:endParaRPr>
+          </a:p>
+          <a:p>
+            <a:pPr marL="0" indent="0">
+              <a:buNone/>
+            </a:pPr>
+            <a:endParaRPr lang="en-US" dirty="0">
+              <a:solidFill>
+                <a:schemeClr val="bg1"/>
+              </a:solidFill>
+            </a:endParaRPr>
+          </a:p>
+          <a:p>
+            <a:pPr marL="0" indent="0">
+              <a:buNone/>
+            </a:pPr>
+            <a:endParaRPr lang="en-US" dirty="0">
+              <a:solidFill>
+                <a:schemeClr val="bg1"/>
+              </a:solidFill>
+            </a:endParaRPr>
+          </a:p>
+          <a:p>
+            <a:pPr marL="0" indent="0">
+              <a:buNone/>
+            </a:pPr>
+            <a:r>
+              <a:rPr lang="en-US" dirty="0">
                 <a:solidFill>
                   <a:schemeClr val="bg1"/>
                 </a:solidFill>
               </a:rPr>
-              <a:t>Build and run an python app</a:t>
-            </a:r>
-          </a:p>
-          <a:p>
-            <a:r>
-              <a:rPr lang="en-US" sz="1800" dirty="0">
+              <a:t>@</a:t>
+            </a:r>
+            <a:r>
+              <a:rPr lang="en-US" dirty="0" err="1">
                 <a:solidFill>
                   <a:schemeClr val="bg1"/>
                 </a:solidFill>
               </a:rPr>
-              <a:t>Build and run an app with a database</a:t>
-            </a:r>
-          </a:p>
-          <a:p>
-            <a:r>
-              <a:rPr lang="en-US" sz="1800" dirty="0">
+              <a:t>sciphus</a:t>
+            </a:r>
+            <a:endParaRPr lang="en-US" dirty="0">
+              <a:solidFill>
+                <a:schemeClr val="bg1"/>
+              </a:solidFill>
+            </a:endParaRPr>
+          </a:p>
+          <a:p>
+            <a:pPr marL="0" indent="0">
+              <a:buNone/>
+            </a:pPr>
+            <a:endParaRPr lang="en-US" sz="1800" dirty="0">
+              <a:solidFill>
+                <a:schemeClr val="bg1"/>
+              </a:solidFill>
+            </a:endParaRPr>
+          </a:p>
+        </p:txBody>
+      </p:sp>
+      <p:pic>
+        <p:nvPicPr>
+          <p:cNvPr id="2054" name="Picture 6" descr="Image result">
+            <a:extLst>
+              <a:ext uri="{FF2B5EF4-FFF2-40B4-BE49-F238E27FC236}">
+                <a16:creationId xmlns:a16="http://schemas.microsoft.com/office/drawing/2014/main" id="{0B87BB78-6319-48D3-A86E-009B4D59301F}"/>
+              </a:ext>
+            </a:extLst>
+          </p:cNvPr>
+          <p:cNvPicPr>
+            <a:picLocks noChangeAspect="1" noChangeArrowheads="1"/>
+          </p:cNvPicPr>
+          <p:nvPr/>
+        </p:nvPicPr>
+        <p:blipFill>
+          <a:blip r:embed="rId4">
+            <a:extLst>
+              <a:ext uri="{28A0092B-C50C-407E-A947-70E740481C1C}">
+                <a14:useLocalDpi xmlns:a14="http://schemas.microsoft.com/office/drawing/2010/main" val="0"/>
+              </a:ext>
+            </a:extLst>
+          </a:blip>
+          <a:srcRect/>
+          <a:stretch>
+            <a:fillRect/>
+          </a:stretch>
+        </p:blipFill>
+        <p:spPr bwMode="auto">
+          <a:xfrm>
+            <a:off x="839510" y="4207558"/>
+            <a:ext cx="1010957" cy="820582"/>
+          </a:xfrm>
+          <a:prstGeom prst="rect">
+            <a:avLst/>
+          </a:prstGeom>
+          <a:noFill/>
+          <a:extLst>
+            <a:ext uri="{909E8E84-426E-40DD-AFC4-6F175D3DCCD1}">
+              <a14:hiddenFill xmlns:a14="http://schemas.microsoft.com/office/drawing/2010/main">
                 <a:solidFill>
-                  <a:schemeClr val="bg1"/>
+                  <a:srgbClr val="FFFFFF"/>
                 </a:solidFill>
-              </a:rPr>
-              <a:t>Use docker to compile </a:t>
-            </a:r>
-            <a:r>
-              <a:rPr lang="en-US" sz="1800" dirty="0" err="1">
-                <a:solidFill>
-                  <a:schemeClr val="bg1"/>
-                </a:solidFill>
-              </a:rPr>
-              <a:t>.net</a:t>
-            </a:r>
-            <a:r>
-              <a:rPr lang="en-US" sz="1800" dirty="0">
-                <a:solidFill>
-                  <a:schemeClr val="bg1"/>
-                </a:solidFill>
-              </a:rPr>
-              <a:t> code and run tests</a:t>
-            </a:r>
-          </a:p>
-          <a:p>
-            <a:r>
-              <a:rPr lang="en-US" sz="1800" dirty="0">
-                <a:solidFill>
-                  <a:schemeClr val="bg1"/>
-                </a:solidFill>
-              </a:rPr>
-              <a:t>Not install anything again, ever.</a:t>
-            </a:r>
-          </a:p>
-        </p:txBody>
-      </p:sp>
+              </a14:hiddenFill>
+            </a:ext>
+          </a:extLst>
+        </p:spPr>
+      </p:pic>
     </p:spTree>
     <p:extLst>
       <p:ext uri="{BB962C8B-B14F-4D97-AF65-F5344CB8AC3E}">
-        <p14:creationId xmlns:p14="http://schemas.microsoft.com/office/powerpoint/2010/main" val="575042700"/>
+        <p14:creationId xmlns:p14="http://schemas.microsoft.com/office/powerpoint/2010/main" val="3935888067"/>
       </p:ext>
     </p:extLst>
   </p:cSld>
@@ -10828,7 +10114,7 @@
 </p:sld>
 </file>
 
-<file path=ppt/slides/slide4.xml><?xml version="1.0" encoding="utf-8"?>
+<file path=ppt/slides/slide3.xml><?xml version="1.0" encoding="utf-8"?>
 <p:sld xmlns:a="http://schemas.openxmlformats.org/drawingml/2006/main" xmlns:r="http://schemas.openxmlformats.org/officeDocument/2006/relationships" xmlns:p="http://schemas.openxmlformats.org/presentationml/2006/main">
   <p:cSld>
     <p:spTree>
@@ -11361,7 +10647,7 @@
 </p:sld>
 </file>
 
-<file path=ppt/slides/slide5.xml><?xml version="1.0" encoding="utf-8"?>
+<file path=ppt/slides/slide4.xml><?xml version="1.0" encoding="utf-8"?>
 <p:sld xmlns:a="http://schemas.openxmlformats.org/drawingml/2006/main" xmlns:r="http://schemas.openxmlformats.org/officeDocument/2006/relationships" xmlns:p="http://schemas.openxmlformats.org/presentationml/2006/main">
   <p:cSld>
     <p:spTree>
@@ -11578,7 +10864,7 @@
 </p:sld>
 </file>
 
-<file path=ppt/slides/slide6.xml><?xml version="1.0" encoding="utf-8"?>
+<file path=ppt/slides/slide5.xml><?xml version="1.0" encoding="utf-8"?>
 <p:sld xmlns:a="http://schemas.openxmlformats.org/drawingml/2006/main" xmlns:r="http://schemas.openxmlformats.org/officeDocument/2006/relationships" xmlns:p="http://schemas.openxmlformats.org/presentationml/2006/main">
   <p:cSld>
     <p:spTree>
@@ -11869,7 +11155,7 @@
 </p:sld>
 </file>
 
-<file path=ppt/slides/slide7.xml><?xml version="1.0" encoding="utf-8"?>
+<file path=ppt/slides/slide6.xml><?xml version="1.0" encoding="utf-8"?>
 <p:sld xmlns:a="http://schemas.openxmlformats.org/drawingml/2006/main" xmlns:r="http://schemas.openxmlformats.org/officeDocument/2006/relationships" xmlns:p="http://schemas.openxmlformats.org/presentationml/2006/main">
   <p:cSld>
     <p:spTree>
@@ -12359,7 +11645,7 @@
 </p:sld>
 </file>
 
-<file path=ppt/slides/slide8.xml><?xml version="1.0" encoding="utf-8"?>
+<file path=ppt/slides/slide7.xml><?xml version="1.0" encoding="utf-8"?>
 <p:sld xmlns:a="http://schemas.openxmlformats.org/drawingml/2006/main" xmlns:r="http://schemas.openxmlformats.org/officeDocument/2006/relationships" xmlns:p="http://schemas.openxmlformats.org/presentationml/2006/main">
   <p:cSld>
     <p:spTree>
@@ -12701,7 +11987,7 @@
 </p:sld>
 </file>
 
-<file path=ppt/slides/slide9.xml><?xml version="1.0" encoding="utf-8"?>
+<file path=ppt/slides/slide8.xml><?xml version="1.0" encoding="utf-8"?>
 <p:sld xmlns:a="http://schemas.openxmlformats.org/drawingml/2006/main" xmlns:r="http://schemas.openxmlformats.org/officeDocument/2006/relationships" xmlns:p="http://schemas.openxmlformats.org/presentationml/2006/main">
   <p:cSld>
     <p:spTree>
@@ -13601,6 +12887,187 @@
       <p:bldP spid="7" grpId="0"/>
     </p:bldLst>
   </p:timing>
+</p:sld>
+</file>
+
+<file path=ppt/slides/slide9.xml><?xml version="1.0" encoding="utf-8"?>
+<p:sld xmlns:a="http://schemas.openxmlformats.org/drawingml/2006/main" xmlns:r="http://schemas.openxmlformats.org/officeDocument/2006/relationships" xmlns:p="http://schemas.openxmlformats.org/presentationml/2006/main">
+  <p:cSld>
+    <p:spTree>
+      <p:nvGrpSpPr>
+        <p:cNvPr id="1" name=""/>
+        <p:cNvGrpSpPr/>
+        <p:nvPr/>
+      </p:nvGrpSpPr>
+      <p:grpSpPr>
+        <a:xfrm>
+          <a:off x="0" y="0"/>
+          <a:ext cx="0" cy="0"/>
+          <a:chOff x="0" y="0"/>
+          <a:chExt cx="0" cy="0"/>
+        </a:xfrm>
+      </p:grpSpPr>
+      <p:sp>
+        <p:nvSpPr>
+          <p:cNvPr id="2" name="Title 1">
+            <a:extLst>
+              <a:ext uri="{FF2B5EF4-FFF2-40B4-BE49-F238E27FC236}">
+                <a16:creationId xmlns:a16="http://schemas.microsoft.com/office/drawing/2014/main" id="{E28B2290-6681-4B40-9843-49B535E77A6D}"/>
+              </a:ext>
+            </a:extLst>
+          </p:cNvPr>
+          <p:cNvSpPr>
+            <a:spLocks noGrp="1"/>
+          </p:cNvSpPr>
+          <p:nvPr>
+            <p:ph type="title"/>
+          </p:nvPr>
+        </p:nvSpPr>
+        <p:spPr/>
+        <p:txBody>
+          <a:bodyPr/>
+          <a:lstStyle/>
+          <a:p>
+            <a:r>
+              <a:rPr lang="en-GB" dirty="0"/>
+              <a:t>Let’s try another</a:t>
+            </a:r>
+          </a:p>
+        </p:txBody>
+      </p:sp>
+      <p:sp>
+        <p:nvSpPr>
+          <p:cNvPr id="3" name="Content Placeholder 2">
+            <a:extLst>
+              <a:ext uri="{FF2B5EF4-FFF2-40B4-BE49-F238E27FC236}">
+                <a16:creationId xmlns:a16="http://schemas.microsoft.com/office/drawing/2014/main" id="{78DE3169-7B47-47DC-836D-88595B31DCA8}"/>
+              </a:ext>
+            </a:extLst>
+          </p:cNvPr>
+          <p:cNvSpPr>
+            <a:spLocks noGrp="1"/>
+          </p:cNvSpPr>
+          <p:nvPr>
+            <p:ph idx="1"/>
+          </p:nvPr>
+        </p:nvSpPr>
+        <p:spPr/>
+        <p:txBody>
+          <a:bodyPr/>
+          <a:lstStyle/>
+          <a:p>
+            <a:r>
+              <a:rPr lang="en-GB" b="1" i="1" dirty="0"/>
+              <a:t>docker run –d –p 5959:80 </a:t>
+            </a:r>
+            <a:r>
+              <a:rPr lang="en-GB" b="1" i="1" dirty="0" err="1"/>
+              <a:t>dockersamples</a:t>
+            </a:r>
+            <a:r>
+              <a:rPr lang="en-GB" b="1" i="1" dirty="0"/>
+              <a:t>/static-site</a:t>
+            </a:r>
+          </a:p>
+          <a:p>
+            <a:r>
+              <a:rPr lang="en-GB" dirty="0"/>
+              <a:t>If you’re using docker toolbox:</a:t>
+            </a:r>
+          </a:p>
+          <a:p>
+            <a:pPr lvl="1"/>
+            <a:r>
+              <a:rPr lang="en-GB" dirty="0"/>
+              <a:t>Run </a:t>
+            </a:r>
+            <a:r>
+              <a:rPr lang="en-GB" b="1" i="1" dirty="0"/>
+              <a:t>docker machine </a:t>
+            </a:r>
+            <a:r>
+              <a:rPr lang="en-GB" b="1" i="1" dirty="0" err="1"/>
+              <a:t>ip</a:t>
+            </a:r>
+            <a:r>
+              <a:rPr lang="en-GB" b="1" i="1" dirty="0"/>
+              <a:t> default</a:t>
+            </a:r>
+            <a:r>
+              <a:rPr lang="en-GB" dirty="0"/>
+              <a:t> to get the DOCKER_HOST </a:t>
+            </a:r>
+            <a:r>
+              <a:rPr lang="en-GB" dirty="0" err="1"/>
+              <a:t>ip</a:t>
+            </a:r>
+            <a:r>
+              <a:rPr lang="en-GB" dirty="0"/>
+              <a:t> address</a:t>
+            </a:r>
+          </a:p>
+          <a:p>
+            <a:r>
+              <a:rPr lang="en-GB" dirty="0"/>
+              <a:t>Then visit </a:t>
+            </a:r>
+            <a:r>
+              <a:rPr lang="en-GB" b="1" i="1" dirty="0"/>
+              <a:t>localhost:5959/</a:t>
+            </a:r>
+            <a:r>
+              <a:rPr lang="en-GB" dirty="0"/>
+              <a:t> in your browser</a:t>
+            </a:r>
+          </a:p>
+        </p:txBody>
+      </p:sp>
+      <p:pic>
+        <p:nvPicPr>
+          <p:cNvPr id="7" name="Picture 6">
+            <a:extLst>
+              <a:ext uri="{FF2B5EF4-FFF2-40B4-BE49-F238E27FC236}">
+                <a16:creationId xmlns:a16="http://schemas.microsoft.com/office/drawing/2014/main" id="{0E94E331-0869-4E8A-A6A5-F22BF09AD0E3}"/>
+              </a:ext>
+            </a:extLst>
+          </p:cNvPr>
+          <p:cNvPicPr>
+            <a:picLocks noChangeAspect="1"/>
+          </p:cNvPicPr>
+          <p:nvPr/>
+        </p:nvPicPr>
+        <p:blipFill>
+          <a:blip r:embed="rId3">
+            <a:extLst>
+              <a:ext uri="{28A0092B-C50C-407E-A947-70E740481C1C}">
+                <a14:useLocalDpi xmlns:a14="http://schemas.microsoft.com/office/drawing/2010/main" val="0"/>
+              </a:ext>
+            </a:extLst>
+          </a:blip>
+          <a:stretch>
+            <a:fillRect/>
+          </a:stretch>
+        </p:blipFill>
+        <p:spPr>
+          <a:xfrm>
+            <a:off x="1626350" y="4001294"/>
+            <a:ext cx="9451226" cy="2803329"/>
+          </a:xfrm>
+          <a:prstGeom prst="rect">
+            <a:avLst/>
+          </a:prstGeom>
+        </p:spPr>
+      </p:pic>
+    </p:spTree>
+    <p:extLst>
+      <p:ext uri="{BB962C8B-B14F-4D97-AF65-F5344CB8AC3E}">
+        <p14:creationId xmlns:p14="http://schemas.microsoft.com/office/powerpoint/2010/main" val="2492833199"/>
+      </p:ext>
+    </p:extLst>
+  </p:cSld>
+  <p:clrMapOvr>
+    <a:masterClrMapping/>
+  </p:clrMapOvr>
 </p:sld>
 </file>
 

--- a/Docker 101.pptx
+++ b/Docker 101.pptx
@@ -12958,7 +12958,15 @@
           <a:p>
             <a:r>
               <a:rPr lang="en-GB" b="1" i="1" dirty="0"/>
-              <a:t>docker run –d –p 5959:80 </a:t>
+              <a:t>docker </a:t>
+            </a:r>
+            <a:r>
+              <a:rPr lang="en-GB" b="1" i="1"/>
+              <a:t>run –</a:t>
+            </a:r>
+            <a:r>
+              <a:rPr lang="en-GB" b="1" i="1" dirty="0"/>
+              <a:t>p 5959:80 </a:t>
             </a:r>
             <a:r>
               <a:rPr lang="en-GB" b="1" i="1" dirty="0" err="1"/>

--- a/Docker 101.pptx
+++ b/Docker 101.pptx
@@ -958,7 +958,15 @@
             </a:r>
             <a:r>
               <a:rPr lang="en-GB" b="1" i="1" dirty="0"/>
-              <a:t> –a –q)</a:t>
+              <a:t> –</a:t>
+            </a:r>
+            <a:r>
+              <a:rPr lang="en-GB" b="1" i="1" dirty="0" err="1"/>
+              <a:t>aq</a:t>
+            </a:r>
+            <a:r>
+              <a:rPr lang="en-GB" b="1" i="1" dirty="0"/>
+              <a:t>)</a:t>
             </a:r>
           </a:p>
           <a:p>
@@ -968,15 +976,7 @@
             </a:r>
             <a:r>
               <a:rPr lang="en-GB" b="1" i="1" dirty="0"/>
-              <a:t>docker </a:t>
-            </a:r>
-            <a:r>
-              <a:rPr lang="en-GB" b="1" i="1" dirty="0" err="1"/>
-              <a:t>rm</a:t>
-            </a:r>
-            <a:r>
-              <a:rPr lang="en-GB" b="1" i="1" dirty="0"/>
-              <a:t> $(docker </a:t>
+              <a:t>docker rm $(docker </a:t>
             </a:r>
             <a:r>
               <a:rPr lang="en-GB" b="1" i="1" dirty="0" err="1"/>
@@ -984,7 +984,15 @@
             </a:r>
             <a:r>
               <a:rPr lang="en-GB" b="1" i="1" dirty="0"/>
-              <a:t> –a –q)</a:t>
+              <a:t> –</a:t>
+            </a:r>
+            <a:r>
+              <a:rPr lang="en-GB" b="1" i="1" dirty="0" err="1"/>
+              <a:t>aq</a:t>
+            </a:r>
+            <a:r>
+              <a:rPr lang="en-GB" b="1" i="1" dirty="0"/>
+              <a:t>)</a:t>
             </a:r>
           </a:p>
           <a:p>
@@ -8811,10 +8819,9 @@
           </a:lstStyle>
           <a:p>
             <a:r>
-              <a:rPr lang="en-GB"/>
+              <a:rPr lang="en-GB" dirty="0"/>
               <a:t>Running unit tests</a:t>
             </a:r>
-            <a:endParaRPr lang="en-GB" dirty="0"/>
           </a:p>
         </p:txBody>
       </p:sp>
@@ -9095,6 +9102,183 @@
   <p:clrMapOvr>
     <a:masterClrMapping/>
   </p:clrMapOvr>
+  <p:timing>
+    <p:tnLst>
+      <p:par>
+        <p:cTn id="1" dur="indefinite" restart="never" nodeType="tmRoot">
+          <p:childTnLst>
+            <p:seq concurrent="1" nextAc="seek">
+              <p:cTn id="2" dur="indefinite" nodeType="mainSeq">
+                <p:childTnLst>
+                  <p:par>
+                    <p:cTn id="3" fill="hold">
+                      <p:stCondLst>
+                        <p:cond delay="indefinite"/>
+                      </p:stCondLst>
+                      <p:childTnLst>
+                        <p:par>
+                          <p:cTn id="4" fill="hold">
+                            <p:stCondLst>
+                              <p:cond delay="0"/>
+                            </p:stCondLst>
+                            <p:childTnLst>
+                              <p:par>
+                                <p:cTn id="5" presetID="1" presetClass="entr" presetSubtype="0" fill="hold" nodeType="clickEffect">
+                                  <p:stCondLst>
+                                    <p:cond delay="0"/>
+                                  </p:stCondLst>
+                                  <p:childTnLst>
+                                    <p:set>
+                                      <p:cBhvr>
+                                        <p:cTn id="6" dur="1" fill="hold">
+                                          <p:stCondLst>
+                                            <p:cond delay="0"/>
+                                          </p:stCondLst>
+                                        </p:cTn>
+                                        <p:tgtEl>
+                                          <p:spTgt spid="3">
+                                            <p:txEl>
+                                              <p:pRg st="0" end="0"/>
+                                            </p:txEl>
+                                          </p:spTgt>
+                                        </p:tgtEl>
+                                        <p:attrNameLst>
+                                          <p:attrName>style.visibility</p:attrName>
+                                        </p:attrNameLst>
+                                      </p:cBhvr>
+                                      <p:to>
+                                        <p:strVal val="visible"/>
+                                      </p:to>
+                                    </p:set>
+                                  </p:childTnLst>
+                                </p:cTn>
+                              </p:par>
+                            </p:childTnLst>
+                          </p:cTn>
+                        </p:par>
+                      </p:childTnLst>
+                    </p:cTn>
+                  </p:par>
+                  <p:par>
+                    <p:cTn id="7" fill="hold">
+                      <p:stCondLst>
+                        <p:cond delay="indefinite"/>
+                      </p:stCondLst>
+                      <p:childTnLst>
+                        <p:par>
+                          <p:cTn id="8" fill="hold">
+                            <p:stCondLst>
+                              <p:cond delay="0"/>
+                            </p:stCondLst>
+                            <p:childTnLst>
+                              <p:par>
+                                <p:cTn id="9" presetID="1" presetClass="entr" presetSubtype="0" fill="hold" nodeType="clickEffect">
+                                  <p:stCondLst>
+                                    <p:cond delay="0"/>
+                                  </p:stCondLst>
+                                  <p:childTnLst>
+                                    <p:set>
+                                      <p:cBhvr>
+                                        <p:cTn id="10" dur="1" fill="hold">
+                                          <p:stCondLst>
+                                            <p:cond delay="0"/>
+                                          </p:stCondLst>
+                                        </p:cTn>
+                                        <p:tgtEl>
+                                          <p:spTgt spid="5">
+                                            <p:txEl>
+                                              <p:pRg st="0" end="0"/>
+                                            </p:txEl>
+                                          </p:spTgt>
+                                        </p:tgtEl>
+                                        <p:attrNameLst>
+                                          <p:attrName>style.visibility</p:attrName>
+                                        </p:attrNameLst>
+                                      </p:cBhvr>
+                                      <p:to>
+                                        <p:strVal val="visible"/>
+                                      </p:to>
+                                    </p:set>
+                                  </p:childTnLst>
+                                </p:cTn>
+                              </p:par>
+                            </p:childTnLst>
+                          </p:cTn>
+                        </p:par>
+                      </p:childTnLst>
+                    </p:cTn>
+                  </p:par>
+                  <p:par>
+                    <p:cTn id="11" fill="hold">
+                      <p:stCondLst>
+                        <p:cond delay="indefinite"/>
+                      </p:stCondLst>
+                      <p:childTnLst>
+                        <p:par>
+                          <p:cTn id="12" fill="hold">
+                            <p:stCondLst>
+                              <p:cond delay="0"/>
+                            </p:stCondLst>
+                            <p:childTnLst>
+                              <p:par>
+                                <p:cTn id="13" presetID="1" presetClass="entr" presetSubtype="0" fill="hold" nodeType="clickEffect">
+                                  <p:stCondLst>
+                                    <p:cond delay="0"/>
+                                  </p:stCondLst>
+                                  <p:childTnLst>
+                                    <p:set>
+                                      <p:cBhvr>
+                                        <p:cTn id="14" dur="1" fill="hold">
+                                          <p:stCondLst>
+                                            <p:cond delay="0"/>
+                                          </p:stCondLst>
+                                        </p:cTn>
+                                        <p:tgtEl>
+                                          <p:spTgt spid="6">
+                                            <p:txEl>
+                                              <p:pRg st="0" end="0"/>
+                                            </p:txEl>
+                                          </p:spTgt>
+                                        </p:tgtEl>
+                                        <p:attrNameLst>
+                                          <p:attrName>style.visibility</p:attrName>
+                                        </p:attrNameLst>
+                                      </p:cBhvr>
+                                      <p:to>
+                                        <p:strVal val="visible"/>
+                                      </p:to>
+                                    </p:set>
+                                  </p:childTnLst>
+                                </p:cTn>
+                              </p:par>
+                            </p:childTnLst>
+                          </p:cTn>
+                        </p:par>
+                      </p:childTnLst>
+                    </p:cTn>
+                  </p:par>
+                </p:childTnLst>
+              </p:cTn>
+              <p:prevCondLst>
+                <p:cond evt="onPrev" delay="0">
+                  <p:tgtEl>
+                    <p:sldTgt/>
+                  </p:tgtEl>
+                </p:cond>
+              </p:prevCondLst>
+              <p:nextCondLst>
+                <p:cond evt="onNext" delay="0">
+                  <p:tgtEl>
+                    <p:sldTgt/>
+                  </p:tgtEl>
+                </p:cond>
+              </p:nextCondLst>
+            </p:seq>
+          </p:childTnLst>
+        </p:cTn>
+      </p:par>
+    </p:tnLst>
+  </p:timing>
 </p:sld>
 </file>
 

--- a/Docker 101.pptx
+++ b/Docker 101.pptx
@@ -218,7 +218,7 @@
           <a:p>
             <a:fld id="{DB777940-19BE-4391-9073-4323A987D635}" type="datetimeFigureOut">
               <a:rPr lang="en-GB" smtClean="0"/>
-              <a:t>06/11/2018</a:t>
+              <a:t>07/11/2018</a:t>
             </a:fld>
             <a:endParaRPr lang="en-GB"/>
           </a:p>
@@ -530,10 +530,7 @@
           <a:bodyPr/>
           <a:lstStyle/>
           <a:p>
-            <a:r>
-              <a:rPr lang="en-GB" dirty="0"/>
-              <a:t>Paula</a:t>
-            </a:r>
+            <a:endParaRPr lang="en-GB" dirty="0"/>
           </a:p>
         </p:txBody>
       </p:sp>
@@ -619,7 +616,24 @@
           <a:p>
             <a:r>
               <a:rPr lang="en-GB" dirty="0"/>
-              <a:t>Paula</a:t>
+              <a:t>cd first-container</a:t>
+            </a:r>
+          </a:p>
+          <a:p>
+            <a:r>
+              <a:rPr lang="en-GB" dirty="0"/>
+              <a:t>Show </a:t>
+            </a:r>
+            <a:r>
+              <a:rPr lang="en-GB" dirty="0" err="1"/>
+              <a:t>dockerfile</a:t>
+            </a:r>
+            <a:endParaRPr lang="en-GB" dirty="0"/>
+          </a:p>
+          <a:p>
+            <a:r>
+              <a:rPr lang="en-GB" dirty="0"/>
+              <a:t>docker build -t my-app</a:t>
             </a:r>
           </a:p>
         </p:txBody>
@@ -706,7 +720,7 @@
           <a:p>
             <a:r>
               <a:rPr lang="en-GB" dirty="0"/>
-              <a:t>Paula</a:t>
+              <a:t>docker run -p 5858:5000 my-app</a:t>
             </a:r>
           </a:p>
         </p:txBody>
@@ -793,65 +807,8 @@
           <a:p>
             <a:r>
               <a:rPr lang="en-GB" dirty="0"/>
-              <a:t>PAUL FROM HERE</a:t>
-            </a:r>
-          </a:p>
-          <a:p>
-            <a:endParaRPr lang="en-GB" dirty="0"/>
-          </a:p>
-          <a:p>
-            <a:r>
-              <a:rPr lang="en-GB" dirty="0"/>
-              <a:t>docker run –it alpine</a:t>
-            </a:r>
-          </a:p>
-          <a:p>
-            <a:r>
-              <a:rPr lang="de-DE" sz="1200" kern="1200" dirty="0">
-                <a:solidFill>
-                  <a:schemeClr val="tx1"/>
-                </a:solidFill>
-                <a:effectLst/>
-                <a:latin typeface="+mn-lt"/>
-                <a:ea typeface="+mn-ea"/>
-                <a:cs typeface="+mn-cs"/>
-              </a:rPr>
-              <a:t>docker exec -i -t 665b4a1e17b6 /bin/bash</a:t>
-            </a:r>
-          </a:p>
-          <a:p>
-            <a:endParaRPr lang="de-DE" sz="1200" kern="1200" dirty="0">
-              <a:solidFill>
-                <a:schemeClr val="tx1"/>
-              </a:solidFill>
-              <a:effectLst/>
-              <a:latin typeface="+mn-lt"/>
-              <a:ea typeface="+mn-ea"/>
-              <a:cs typeface="+mn-cs"/>
-            </a:endParaRPr>
-          </a:p>
-          <a:p>
-            <a:r>
-              <a:rPr lang="en-GB" dirty="0"/>
-              <a:t>docker run –it alpine</a:t>
-            </a:r>
-          </a:p>
-          <a:p>
-            <a:r>
-              <a:rPr lang="en-GB" dirty="0"/>
-              <a:t>docker exec -it e72928639a2a ls /bin</a:t>
-            </a:r>
-          </a:p>
-          <a:p>
-            <a:r>
-              <a:rPr lang="en-GB" dirty="0"/>
-              <a:t>docker exec -it e72928639a2a /bin/</a:t>
-            </a:r>
-            <a:r>
-              <a:rPr lang="en-GB" dirty="0" err="1"/>
-              <a:t>sh</a:t>
-            </a:r>
-            <a:endParaRPr lang="en-GB" dirty="0"/>
+              <a:t>BREAK</a:t>
+            </a:r>
           </a:p>
         </p:txBody>
       </p:sp>
@@ -862,7 +819,7 @@
             <a:spLocks noGrp="1"/>
           </p:cNvSpPr>
           <p:nvPr>
-            <p:ph type="sldNum" sz="quarter" idx="10"/>
+            <p:ph type="sldNum" sz="quarter" idx="5"/>
           </p:nvPr>
         </p:nvSpPr>
         <p:spPr/>
@@ -872,7 +829,7 @@
           <a:p>
             <a:fld id="{502EF7AD-FD95-4709-B7FB-5B2DF1EB64A9}" type="slidenum">
               <a:rPr lang="en-GB" smtClean="0"/>
-              <a:t>14</a:t>
+              <a:t>13</a:t>
             </a:fld>
             <a:endParaRPr lang="en-GB"/>
           </a:p>
@@ -881,7 +838,7 @@
     </p:spTree>
     <p:extLst>
       <p:ext uri="{BB962C8B-B14F-4D97-AF65-F5344CB8AC3E}">
-        <p14:creationId xmlns:p14="http://schemas.microsoft.com/office/powerpoint/2010/main" val="1163325531"/>
+        <p14:creationId xmlns:p14="http://schemas.microsoft.com/office/powerpoint/2010/main" val="3698855527"/>
       </p:ext>
     </p:extLst>
   </p:cSld>
@@ -937,12 +894,369 @@
           <a:p>
             <a:r>
               <a:rPr lang="en-GB" dirty="0"/>
-              <a:t>Paula? You were asking about this</a:t>
+              <a:t>docker </a:t>
+            </a:r>
+            <a:r>
+              <a:rPr lang="en-GB" dirty="0" err="1"/>
+              <a:t>ps</a:t>
+            </a:r>
+            <a:r>
+              <a:rPr lang="en-GB" dirty="0"/>
+              <a:t> –a</a:t>
+            </a:r>
+          </a:p>
+          <a:p>
+            <a:r>
+              <a:rPr lang="en-GB" dirty="0"/>
+              <a:t>docker logs &lt;id&gt;</a:t>
             </a:r>
           </a:p>
           <a:p>
             <a:endParaRPr lang="en-GB" dirty="0"/>
           </a:p>
+          <a:p>
+            <a:r>
+              <a:rPr lang="en-GB" dirty="0"/>
+              <a:t>docker run –it alpine</a:t>
+            </a:r>
+          </a:p>
+          <a:p>
+            <a:r>
+              <a:rPr lang="en-GB" dirty="0"/>
+              <a:t>docker exec -it e72928639a2a ls /bin</a:t>
+            </a:r>
+          </a:p>
+          <a:p>
+            <a:r>
+              <a:rPr lang="en-GB" dirty="0"/>
+              <a:t>docker exec -it e72928639a2a /bin/</a:t>
+            </a:r>
+            <a:r>
+              <a:rPr lang="en-GB" dirty="0" err="1"/>
+              <a:t>sh</a:t>
+            </a:r>
+            <a:endParaRPr lang="en-GB" dirty="0"/>
+          </a:p>
+        </p:txBody>
+      </p:sp>
+      <p:sp>
+        <p:nvSpPr>
+          <p:cNvPr id="4" name="Slide Number Placeholder 3"/>
+          <p:cNvSpPr>
+            <a:spLocks noGrp="1"/>
+          </p:cNvSpPr>
+          <p:nvPr>
+            <p:ph type="sldNum" sz="quarter" idx="10"/>
+          </p:nvPr>
+        </p:nvSpPr>
+        <p:spPr/>
+        <p:txBody>
+          <a:bodyPr/>
+          <a:lstStyle/>
+          <a:p>
+            <a:fld id="{502EF7AD-FD95-4709-B7FB-5B2DF1EB64A9}" type="slidenum">
+              <a:rPr lang="en-GB" smtClean="0"/>
+              <a:t>14</a:t>
+            </a:fld>
+            <a:endParaRPr lang="en-GB"/>
+          </a:p>
+        </p:txBody>
+      </p:sp>
+    </p:spTree>
+    <p:extLst>
+      <p:ext uri="{BB962C8B-B14F-4D97-AF65-F5344CB8AC3E}">
+        <p14:creationId xmlns:p14="http://schemas.microsoft.com/office/powerpoint/2010/main" val="1163325531"/>
+      </p:ext>
+    </p:extLst>
+  </p:cSld>
+  <p:clrMapOvr>
+    <a:masterClrMapping/>
+  </p:clrMapOvr>
+</p:notes>
+</file>
+
+<file path=ppt/notesSlides/notesSlide14.xml><?xml version="1.0" encoding="utf-8"?>
+<p:notes xmlns:a="http://schemas.openxmlformats.org/drawingml/2006/main" xmlns:r="http://schemas.openxmlformats.org/officeDocument/2006/relationships" xmlns:p="http://schemas.openxmlformats.org/presentationml/2006/main">
+  <p:cSld>
+    <p:spTree>
+      <p:nvGrpSpPr>
+        <p:cNvPr id="1" name=""/>
+        <p:cNvGrpSpPr/>
+        <p:nvPr/>
+      </p:nvGrpSpPr>
+      <p:grpSpPr>
+        <a:xfrm>
+          <a:off x="0" y="0"/>
+          <a:ext cx="0" cy="0"/>
+          <a:chOff x="0" y="0"/>
+          <a:chExt cx="0" cy="0"/>
+        </a:xfrm>
+      </p:grpSpPr>
+      <p:sp>
+        <p:nvSpPr>
+          <p:cNvPr id="2" name="Slide Image Placeholder 1"/>
+          <p:cNvSpPr>
+            <a:spLocks noGrp="1" noRot="1" noChangeAspect="1"/>
+          </p:cNvSpPr>
+          <p:nvPr>
+            <p:ph type="sldImg"/>
+          </p:nvPr>
+        </p:nvSpPr>
+        <p:spPr/>
+      </p:sp>
+      <p:sp>
+        <p:nvSpPr>
+          <p:cNvPr id="3" name="Notes Placeholder 2"/>
+          <p:cNvSpPr>
+            <a:spLocks noGrp="1"/>
+          </p:cNvSpPr>
+          <p:nvPr>
+            <p:ph type="body" idx="1"/>
+          </p:nvPr>
+        </p:nvSpPr>
+        <p:spPr/>
+        <p:txBody>
+          <a:bodyPr/>
+          <a:lstStyle/>
+          <a:p>
+            <a:r>
+              <a:rPr lang="en-GB" dirty="0"/>
+              <a:t>docker-compose build</a:t>
+            </a:r>
+          </a:p>
+          <a:p>
+            <a:r>
+              <a:rPr lang="en-GB" dirty="0"/>
+              <a:t>docker-compose up –d</a:t>
+            </a:r>
+          </a:p>
+          <a:p>
+            <a:r>
+              <a:rPr lang="en-GB" dirty="0"/>
+              <a:t>localhost:4545/</a:t>
+            </a:r>
+          </a:p>
+        </p:txBody>
+      </p:sp>
+      <p:sp>
+        <p:nvSpPr>
+          <p:cNvPr id="4" name="Slide Number Placeholder 3"/>
+          <p:cNvSpPr>
+            <a:spLocks noGrp="1"/>
+          </p:cNvSpPr>
+          <p:nvPr>
+            <p:ph type="sldNum" sz="quarter" idx="5"/>
+          </p:nvPr>
+        </p:nvSpPr>
+        <p:spPr/>
+        <p:txBody>
+          <a:bodyPr/>
+          <a:lstStyle/>
+          <a:p>
+            <a:fld id="{502EF7AD-FD95-4709-B7FB-5B2DF1EB64A9}" type="slidenum">
+              <a:rPr lang="en-GB" smtClean="0"/>
+              <a:t>17</a:t>
+            </a:fld>
+            <a:endParaRPr lang="en-GB"/>
+          </a:p>
+        </p:txBody>
+      </p:sp>
+    </p:spTree>
+    <p:extLst>
+      <p:ext uri="{BB962C8B-B14F-4D97-AF65-F5344CB8AC3E}">
+        <p14:creationId xmlns:p14="http://schemas.microsoft.com/office/powerpoint/2010/main" val="1869914281"/>
+      </p:ext>
+    </p:extLst>
+  </p:cSld>
+  <p:clrMapOvr>
+    <a:masterClrMapping/>
+  </p:clrMapOvr>
+</p:notes>
+</file>
+
+<file path=ppt/notesSlides/notesSlide15.xml><?xml version="1.0" encoding="utf-8"?>
+<p:notes xmlns:a="http://schemas.openxmlformats.org/drawingml/2006/main" xmlns:r="http://schemas.openxmlformats.org/officeDocument/2006/relationships" xmlns:p="http://schemas.openxmlformats.org/presentationml/2006/main">
+  <p:cSld>
+    <p:spTree>
+      <p:nvGrpSpPr>
+        <p:cNvPr id="1" name=""/>
+        <p:cNvGrpSpPr/>
+        <p:nvPr/>
+      </p:nvGrpSpPr>
+      <p:grpSpPr>
+        <a:xfrm>
+          <a:off x="0" y="0"/>
+          <a:ext cx="0" cy="0"/>
+          <a:chOff x="0" y="0"/>
+          <a:chExt cx="0" cy="0"/>
+        </a:xfrm>
+      </p:grpSpPr>
+      <p:sp>
+        <p:nvSpPr>
+          <p:cNvPr id="2" name="Slide Image Placeholder 1"/>
+          <p:cNvSpPr>
+            <a:spLocks noGrp="1" noRot="1" noChangeAspect="1"/>
+          </p:cNvSpPr>
+          <p:nvPr>
+            <p:ph type="sldImg"/>
+          </p:nvPr>
+        </p:nvSpPr>
+        <p:spPr/>
+      </p:sp>
+      <p:sp>
+        <p:nvSpPr>
+          <p:cNvPr id="3" name="Notes Placeholder 2"/>
+          <p:cNvSpPr>
+            <a:spLocks noGrp="1"/>
+          </p:cNvSpPr>
+          <p:nvPr>
+            <p:ph type="body" idx="1"/>
+          </p:nvPr>
+        </p:nvSpPr>
+        <p:spPr/>
+        <p:txBody>
+          <a:bodyPr/>
+          <a:lstStyle/>
+          <a:p>
+            <a:r>
+              <a:rPr lang="en-GB" dirty="0"/>
+              <a:t>cd build-and-test</a:t>
+            </a:r>
+          </a:p>
+          <a:p>
+            <a:r>
+              <a:rPr lang="en-GB" dirty="0"/>
+              <a:t>show the code</a:t>
+            </a:r>
+          </a:p>
+          <a:p>
+            <a:r>
+              <a:rPr lang="en-GB" dirty="0"/>
+              <a:t>docker run --rm --volume "$(</a:t>
+            </a:r>
+            <a:r>
+              <a:rPr lang="en-GB" dirty="0" err="1"/>
+              <a:t>pwd</a:t>
+            </a:r>
+            <a:r>
+              <a:rPr lang="en-GB" dirty="0"/>
+              <a:t>):/build" --</a:t>
+            </a:r>
+            <a:r>
+              <a:rPr lang="en-GB" dirty="0" err="1"/>
+              <a:t>workdir</a:t>
+            </a:r>
+            <a:r>
+              <a:rPr lang="en-GB" dirty="0"/>
+              <a:t> /build mono ./build.sh</a:t>
+            </a:r>
+          </a:p>
+          <a:p>
+            <a:r>
+              <a:rPr lang="en-GB" dirty="0"/>
+              <a:t>docker run --rm --volume "$(</a:t>
+            </a:r>
+            <a:r>
+              <a:rPr lang="en-GB" dirty="0" err="1"/>
+              <a:t>pwd</a:t>
+            </a:r>
+            <a:r>
+              <a:rPr lang="en-GB" dirty="0"/>
+              <a:t>):/build" --</a:t>
+            </a:r>
+            <a:r>
+              <a:rPr lang="en-GB" dirty="0" err="1"/>
+              <a:t>workdir</a:t>
+            </a:r>
+            <a:r>
+              <a:rPr lang="en-GB" dirty="0"/>
+              <a:t> /build mono ./tests.sh</a:t>
+            </a:r>
+          </a:p>
+          <a:p>
+            <a:endParaRPr lang="en-GB" dirty="0"/>
+          </a:p>
+        </p:txBody>
+      </p:sp>
+      <p:sp>
+        <p:nvSpPr>
+          <p:cNvPr id="4" name="Slide Number Placeholder 3"/>
+          <p:cNvSpPr>
+            <a:spLocks noGrp="1"/>
+          </p:cNvSpPr>
+          <p:nvPr>
+            <p:ph type="sldNum" sz="quarter" idx="5"/>
+          </p:nvPr>
+        </p:nvSpPr>
+        <p:spPr/>
+        <p:txBody>
+          <a:bodyPr/>
+          <a:lstStyle/>
+          <a:p>
+            <a:fld id="{502EF7AD-FD95-4709-B7FB-5B2DF1EB64A9}" type="slidenum">
+              <a:rPr lang="en-GB" smtClean="0"/>
+              <a:t>19</a:t>
+            </a:fld>
+            <a:endParaRPr lang="en-GB"/>
+          </a:p>
+        </p:txBody>
+      </p:sp>
+    </p:spTree>
+    <p:extLst>
+      <p:ext uri="{BB962C8B-B14F-4D97-AF65-F5344CB8AC3E}">
+        <p14:creationId xmlns:p14="http://schemas.microsoft.com/office/powerpoint/2010/main" val="4061564469"/>
+      </p:ext>
+    </p:extLst>
+  </p:cSld>
+  <p:clrMapOvr>
+    <a:masterClrMapping/>
+  </p:clrMapOvr>
+</p:notes>
+</file>
+
+<file path=ppt/notesSlides/notesSlide16.xml><?xml version="1.0" encoding="utf-8"?>
+<p:notes xmlns:a="http://schemas.openxmlformats.org/drawingml/2006/main" xmlns:r="http://schemas.openxmlformats.org/officeDocument/2006/relationships" xmlns:p="http://schemas.openxmlformats.org/presentationml/2006/main">
+  <p:cSld>
+    <p:spTree>
+      <p:nvGrpSpPr>
+        <p:cNvPr id="1" name=""/>
+        <p:cNvGrpSpPr/>
+        <p:nvPr/>
+      </p:nvGrpSpPr>
+      <p:grpSpPr>
+        <a:xfrm>
+          <a:off x="0" y="0"/>
+          <a:ext cx="0" cy="0"/>
+          <a:chOff x="0" y="0"/>
+          <a:chExt cx="0" cy="0"/>
+        </a:xfrm>
+      </p:grpSpPr>
+      <p:sp>
+        <p:nvSpPr>
+          <p:cNvPr id="2" name="Slide Image Placeholder 1"/>
+          <p:cNvSpPr>
+            <a:spLocks noGrp="1" noRot="1" noChangeAspect="1"/>
+          </p:cNvSpPr>
+          <p:nvPr>
+            <p:ph type="sldImg"/>
+          </p:nvPr>
+        </p:nvSpPr>
+        <p:spPr/>
+      </p:sp>
+      <p:sp>
+        <p:nvSpPr>
+          <p:cNvPr id="3" name="Notes Placeholder 2"/>
+          <p:cNvSpPr>
+            <a:spLocks noGrp="1"/>
+          </p:cNvSpPr>
+          <p:nvPr>
+            <p:ph type="body" idx="1"/>
+          </p:nvPr>
+        </p:nvSpPr>
+        <p:spPr/>
+        <p:txBody>
+          <a:bodyPr/>
+          <a:lstStyle/>
           <a:p>
             <a:r>
               <a:rPr lang="en-GB" dirty="0"/>
@@ -1061,11 +1375,48 @@
               <a:rPr lang="en-GB" b="0" dirty="0">
                 <a:effectLst/>
               </a:rPr>
-              <a:t>docker system prune -a</a:t>
-            </a:r>
-          </a:p>
-          <a:p>
+              <a:t>docker system prune –a</a:t>
+            </a:r>
+          </a:p>
+          <a:p>
+            <a:endParaRPr lang="en-GB" b="0" dirty="0">
+              <a:effectLst/>
+            </a:endParaRPr>
+          </a:p>
+          <a:p>
+            <a:r>
+              <a:rPr lang="en-GB" dirty="0"/>
+              <a:t>cd team-city</a:t>
+            </a:r>
+          </a:p>
+          <a:p>
+            <a:r>
+              <a:rPr lang="en-GB" dirty="0"/>
+              <a:t>show </a:t>
+            </a:r>
+            <a:r>
+              <a:rPr lang="en-GB" dirty="0" err="1"/>
+              <a:t>dockerfile</a:t>
+            </a:r>
             <a:endParaRPr lang="en-GB" dirty="0"/>
+          </a:p>
+          <a:p>
+            <a:r>
+              <a:rPr lang="en-GB" dirty="0"/>
+              <a:t>show docker-compose</a:t>
+            </a:r>
+          </a:p>
+          <a:p>
+            <a:r>
+              <a:rPr lang="en-GB" dirty="0"/>
+              <a:t>docker-compose up -d</a:t>
+            </a:r>
+          </a:p>
+          <a:p>
+            <a:r>
+              <a:rPr lang="en-GB" dirty="0"/>
+              <a:t>docker-compose scale agent=3</a:t>
+            </a:r>
           </a:p>
         </p:txBody>
       </p:sp>
@@ -1105,7 +1456,7 @@
 </p:notes>
 </file>
 
-<file path=ppt/notesSlides/notesSlide14.xml><?xml version="1.0" encoding="utf-8"?>
+<file path=ppt/notesSlides/notesSlide17.xml><?xml version="1.0" encoding="utf-8"?>
 <p:notes xmlns:a="http://schemas.openxmlformats.org/drawingml/2006/main" xmlns:r="http://schemas.openxmlformats.org/officeDocument/2006/relationships" xmlns:p="http://schemas.openxmlformats.org/presentationml/2006/main">
   <p:cSld>
     <p:spTree>
@@ -1233,29 +1584,6 @@
           <a:bodyPr/>
           <a:lstStyle/>
           <a:p>
-            <a:pPr marL="0" marR="0" lvl="0" indent="0" algn="l" defTabSz="914400" rtl="0" eaLnBrk="1" fontAlgn="auto" latinLnBrk="0" hangingPunct="1">
-              <a:lnSpc>
-                <a:spcPct val="100000"/>
-              </a:lnSpc>
-              <a:spcBef>
-                <a:spcPts val="0"/>
-              </a:spcBef>
-              <a:spcAft>
-                <a:spcPts val="0"/>
-              </a:spcAft>
-              <a:buClrTx/>
-              <a:buSzTx/>
-              <a:buFontTx/>
-              <a:buNone/>
-              <a:tabLst/>
-              <a:defRPr/>
-            </a:pPr>
-            <a:r>
-              <a:rPr lang="en-GB" dirty="0"/>
-              <a:t>Paula</a:t>
-            </a:r>
-          </a:p>
-          <a:p>
             <a:endParaRPr lang="en-GB" dirty="0"/>
           </a:p>
         </p:txBody>
@@ -1357,19 +1685,7 @@
               <a:tabLst/>
               <a:defRPr/>
             </a:pPr>
-            <a:r>
-              <a:rPr lang="en-GB" dirty="0"/>
-              <a:t>Paula</a:t>
-            </a:r>
-          </a:p>
-          <a:p>
             <a:endParaRPr lang="en-GB" dirty="0"/>
-          </a:p>
-          <a:p>
-            <a:r>
-              <a:rPr lang="en-GB" dirty="0"/>
-              <a:t>Docker container</a:t>
-            </a:r>
           </a:p>
         </p:txBody>
       </p:sp>
@@ -1453,10 +1769,7 @@
           <a:bodyPr/>
           <a:lstStyle/>
           <a:p>
-            <a:r>
-              <a:rPr lang="en-GB" dirty="0"/>
-              <a:t>Paul</a:t>
-            </a:r>
+            <a:endParaRPr lang="en-GB" dirty="0"/>
           </a:p>
         </p:txBody>
       </p:sp>
@@ -1542,7 +1855,7 @@
           <a:p>
             <a:r>
               <a:rPr lang="en-GB" dirty="0"/>
-              <a:t>Paul</a:t>
+              <a:t>docker version</a:t>
             </a:r>
           </a:p>
         </p:txBody>
@@ -1629,7 +1942,7 @@
           <a:p>
             <a:r>
               <a:rPr lang="en-GB" dirty="0"/>
-              <a:t>Paula</a:t>
+              <a:t>docker run alpine echo "Ready to learn docker"</a:t>
             </a:r>
           </a:p>
         </p:txBody>
@@ -1714,19 +2027,38 @@
           <a:bodyPr/>
           <a:lstStyle/>
           <a:p>
+            <a:pPr marL="0" marR="0" lvl="0" indent="0" algn="l" defTabSz="914400" rtl="0" eaLnBrk="1" fontAlgn="auto" latinLnBrk="0" hangingPunct="1">
+              <a:lnSpc>
+                <a:spcPct val="100000"/>
+              </a:lnSpc>
+              <a:spcBef>
+                <a:spcPts val="0"/>
+              </a:spcBef>
+              <a:spcAft>
+                <a:spcPts val="0"/>
+              </a:spcAft>
+              <a:buClrTx/>
+              <a:buSzTx/>
+              <a:buFontTx/>
+              <a:buNone/>
+              <a:tabLst/>
+              <a:defRPr/>
+            </a:pPr>
             <a:r>
               <a:rPr lang="en-GB" dirty="0"/>
-              <a:t>Paula</a:t>
+              <a:t>docker run -p 5959:80 </a:t>
+            </a:r>
+            <a:r>
+              <a:rPr lang="en-GB" dirty="0" err="1"/>
+              <a:t>dockersamples</a:t>
+            </a:r>
+            <a:r>
+              <a:rPr lang="en-GB" dirty="0"/>
+              <a:t>/static-site</a:t>
             </a:r>
           </a:p>
           <a:p>
             <a:endParaRPr lang="en-GB" dirty="0"/>
-          </a:p>
-          <a:p>
-            <a:r>
-              <a:rPr lang="en-GB" dirty="0"/>
-              <a:t>The pre workshop script downloaded all the docker images that we’re going to use in this workshop (so that we don’t need to download the internet 400mb).</a:t>
-            </a:r>
           </a:p>
         </p:txBody>
       </p:sp>
@@ -1827,12 +2159,6 @@
               <a:tabLst/>
               <a:defRPr/>
             </a:pPr>
-            <a:r>
-              <a:rPr lang="en-GB" dirty="0"/>
-              <a:t>Paula</a:t>
-            </a:r>
-          </a:p>
-          <a:p>
             <a:endParaRPr lang="en-GB" dirty="0"/>
           </a:p>
         </p:txBody>
@@ -1916,29 +2242,6 @@
         <p:txBody>
           <a:bodyPr/>
           <a:lstStyle/>
-          <a:p>
-            <a:pPr marL="0" marR="0" lvl="0" indent="0" algn="l" defTabSz="914400" rtl="0" eaLnBrk="1" fontAlgn="auto" latinLnBrk="0" hangingPunct="1">
-              <a:lnSpc>
-                <a:spcPct val="100000"/>
-              </a:lnSpc>
-              <a:spcBef>
-                <a:spcPts val="0"/>
-              </a:spcBef>
-              <a:spcAft>
-                <a:spcPts val="0"/>
-              </a:spcAft>
-              <a:buClrTx/>
-              <a:buSzTx/>
-              <a:buFontTx/>
-              <a:buNone/>
-              <a:tabLst/>
-              <a:defRPr/>
-            </a:pPr>
-            <a:r>
-              <a:rPr lang="en-GB" dirty="0"/>
-              <a:t>Paula</a:t>
-            </a:r>
-          </a:p>
           <a:p>
             <a:endParaRPr lang="en-GB" dirty="0"/>
           </a:p>
@@ -2129,7 +2432,7 @@
           <a:p>
             <a:fld id="{B2C28AE0-0258-48C1-98F2-1A43322429A8}" type="datetimeFigureOut">
               <a:rPr lang="en-GB" smtClean="0"/>
-              <a:t>06/11/2018</a:t>
+              <a:t>07/11/2018</a:t>
             </a:fld>
             <a:endParaRPr lang="en-GB"/>
           </a:p>
@@ -2329,7 +2632,7 @@
           <a:p>
             <a:fld id="{B2C28AE0-0258-48C1-98F2-1A43322429A8}" type="datetimeFigureOut">
               <a:rPr lang="en-GB" smtClean="0"/>
-              <a:t>06/11/2018</a:t>
+              <a:t>07/11/2018</a:t>
             </a:fld>
             <a:endParaRPr lang="en-GB"/>
           </a:p>
@@ -2539,7 +2842,7 @@
           <a:p>
             <a:fld id="{B2C28AE0-0258-48C1-98F2-1A43322429A8}" type="datetimeFigureOut">
               <a:rPr lang="en-GB" smtClean="0"/>
-              <a:t>06/11/2018</a:t>
+              <a:t>07/11/2018</a:t>
             </a:fld>
             <a:endParaRPr lang="en-GB"/>
           </a:p>
@@ -2739,7 +3042,7 @@
           <a:p>
             <a:fld id="{B2C28AE0-0258-48C1-98F2-1A43322429A8}" type="datetimeFigureOut">
               <a:rPr lang="en-GB" smtClean="0"/>
-              <a:t>06/11/2018</a:t>
+              <a:t>07/11/2018</a:t>
             </a:fld>
             <a:endParaRPr lang="en-GB"/>
           </a:p>
@@ -3015,7 +3318,7 @@
           <a:p>
             <a:fld id="{B2C28AE0-0258-48C1-98F2-1A43322429A8}" type="datetimeFigureOut">
               <a:rPr lang="en-GB" smtClean="0"/>
-              <a:t>06/11/2018</a:t>
+              <a:t>07/11/2018</a:t>
             </a:fld>
             <a:endParaRPr lang="en-GB"/>
           </a:p>
@@ -3283,7 +3586,7 @@
           <a:p>
             <a:fld id="{B2C28AE0-0258-48C1-98F2-1A43322429A8}" type="datetimeFigureOut">
               <a:rPr lang="en-GB" smtClean="0"/>
-              <a:t>06/11/2018</a:t>
+              <a:t>07/11/2018</a:t>
             </a:fld>
             <a:endParaRPr lang="en-GB"/>
           </a:p>
@@ -3698,7 +4001,7 @@
           <a:p>
             <a:fld id="{B2C28AE0-0258-48C1-98F2-1A43322429A8}" type="datetimeFigureOut">
               <a:rPr lang="en-GB" smtClean="0"/>
-              <a:t>06/11/2018</a:t>
+              <a:t>07/11/2018</a:t>
             </a:fld>
             <a:endParaRPr lang="en-GB"/>
           </a:p>
@@ -3840,7 +4143,7 @@
           <a:p>
             <a:fld id="{B2C28AE0-0258-48C1-98F2-1A43322429A8}" type="datetimeFigureOut">
               <a:rPr lang="en-GB" smtClean="0"/>
-              <a:t>06/11/2018</a:t>
+              <a:t>07/11/2018</a:t>
             </a:fld>
             <a:endParaRPr lang="en-GB"/>
           </a:p>
@@ -3953,7 +4256,7 @@
           <a:p>
             <a:fld id="{B2C28AE0-0258-48C1-98F2-1A43322429A8}" type="datetimeFigureOut">
               <a:rPr lang="en-GB" smtClean="0"/>
-              <a:t>06/11/2018</a:t>
+              <a:t>07/11/2018</a:t>
             </a:fld>
             <a:endParaRPr lang="en-GB"/>
           </a:p>
@@ -4266,7 +4569,7 @@
           <a:p>
             <a:fld id="{B2C28AE0-0258-48C1-98F2-1A43322429A8}" type="datetimeFigureOut">
               <a:rPr lang="en-GB" smtClean="0"/>
-              <a:t>06/11/2018</a:t>
+              <a:t>07/11/2018</a:t>
             </a:fld>
             <a:endParaRPr lang="en-GB"/>
           </a:p>
@@ -4555,7 +4858,7 @@
           <a:p>
             <a:fld id="{B2C28AE0-0258-48C1-98F2-1A43322429A8}" type="datetimeFigureOut">
               <a:rPr lang="en-GB" smtClean="0"/>
-              <a:t>06/11/2018</a:t>
+              <a:t>07/11/2018</a:t>
             </a:fld>
             <a:endParaRPr lang="en-GB"/>
           </a:p>
@@ -4798,7 +5101,7 @@
           <a:p>
             <a:fld id="{B2C28AE0-0258-48C1-98F2-1A43322429A8}" type="datetimeFigureOut">
               <a:rPr lang="en-GB" smtClean="0"/>
-              <a:t>06/11/2018</a:t>
+              <a:t>07/11/2018</a:t>
             </a:fld>
             <a:endParaRPr lang="en-GB"/>
           </a:p>
@@ -6482,7 +6785,7 @@
           </p:nvPr>
         </p:nvPicPr>
         <p:blipFill>
-          <a:blip r:embed="rId2">
+          <a:blip r:embed="rId3">
             <a:extLst>
               <a:ext uri="{28A0092B-C50C-407E-A947-70E740481C1C}">
                 <a14:useLocalDpi xmlns:a14="http://schemas.microsoft.com/office/drawing/2010/main" val="0"/>
@@ -8466,7 +8769,7 @@
           </p:nvPr>
         </p:nvPicPr>
         <p:blipFill>
-          <a:blip r:embed="rId2">
+          <a:blip r:embed="rId3">
             <a:extLst>
               <a:ext uri="{28A0092B-C50C-407E-A947-70E740481C1C}">
                 <a14:useLocalDpi xmlns:a14="http://schemas.microsoft.com/office/drawing/2010/main" val="0"/>
@@ -9071,7 +9374,7 @@
           <p:nvPr/>
         </p:nvPicPr>
         <p:blipFill>
-          <a:blip r:embed="rId2">
+          <a:blip r:embed="rId3">
             <a:extLst>
               <a:ext uri="{28A0092B-C50C-407E-A947-70E740481C1C}">
                 <a14:useLocalDpi xmlns:a14="http://schemas.microsoft.com/office/drawing/2010/main" val="0"/>
@@ -9896,20 +10199,51 @@
           <a:p>
             <a:r>
               <a:rPr lang="en-GB" dirty="0"/>
-              <a:t>Remove volumes: </a:t>
+              <a:t>Stop all containers: </a:t>
             </a:r>
             <a:r>
               <a:rPr lang="en-GB" b="1" i="1" dirty="0"/>
-              <a:t>docker volume </a:t>
+              <a:t>docker stop $(docker </a:t>
             </a:r>
             <a:r>
               <a:rPr lang="en-GB" b="1" i="1" dirty="0" err="1"/>
-              <a:t>rm</a:t>
+              <a:t>ps</a:t>
             </a:r>
             <a:r>
               <a:rPr lang="en-GB" b="1" i="1" dirty="0"/>
-              <a:t> &lt;volume name&gt;</a:t>
-            </a:r>
+              <a:t> -a -q)</a:t>
+            </a:r>
+          </a:p>
+          <a:p>
+            <a:r>
+              <a:rPr lang="en-GB" dirty="0"/>
+              <a:t>Remove all containers: </a:t>
+            </a:r>
+            <a:r>
+              <a:rPr lang="en-GB" b="1" i="1" dirty="0"/>
+              <a:t>docker rm $(docker </a:t>
+            </a:r>
+            <a:r>
+              <a:rPr lang="en-GB" b="1" i="1" dirty="0" err="1"/>
+              <a:t>ps</a:t>
+            </a:r>
+            <a:r>
+              <a:rPr lang="en-GB" b="1" i="1" dirty="0"/>
+              <a:t> -a -q)</a:t>
+            </a:r>
+          </a:p>
+          <a:p>
+            <a:r>
+              <a:rPr lang="en-GB" dirty="0"/>
+              <a:t>Remove unused data: </a:t>
+            </a:r>
+            <a:r>
+              <a:rPr lang="en-GB" b="1" i="1" dirty="0"/>
+              <a:t>docker system prune -a</a:t>
+            </a:r>
+            <a:endParaRPr lang="en-GB" dirty="0"/>
+          </a:p>
+          <a:p>
             <a:endParaRPr lang="en-GB" dirty="0"/>
           </a:p>
           <a:p>
@@ -10769,28 +11103,28 @@
           <a:lstStyle/>
           <a:p>
             <a:r>
+              <a:rPr lang="en-US" dirty="0">
+                <a:solidFill>
+                  <a:schemeClr val="bg1"/>
+                </a:solidFill>
+              </a:rPr>
+              <a:t>Shipping container analogy</a:t>
+            </a:r>
+          </a:p>
+          <a:p>
+            <a:pPr lvl="1"/>
+            <a:r>
               <a:rPr lang="en-US" sz="2000" dirty="0">
                 <a:solidFill>
                   <a:schemeClr val="bg1"/>
                 </a:solidFill>
               </a:rPr>
-              <a:t>Shipping container analogy</a:t>
-            </a:r>
-          </a:p>
-          <a:p>
-            <a:pPr lvl="1"/>
-            <a:r>
-              <a:rPr lang="en-US" sz="1600" dirty="0">
-                <a:solidFill>
-                  <a:schemeClr val="bg1"/>
-                </a:solidFill>
-              </a:rPr>
               <a:t>Build and run, any application, anywhere. </a:t>
             </a:r>
           </a:p>
           <a:p>
             <a:r>
-              <a:rPr lang="en-US" sz="2000" dirty="0">
+              <a:rPr lang="en-US" dirty="0">
                 <a:solidFill>
                   <a:schemeClr val="bg1"/>
                 </a:solidFill>
@@ -10801,7 +11135,7 @@
           <a:p>
             <a:pPr lvl="1"/>
             <a:r>
-              <a:rPr lang="en-US" sz="1600" dirty="0">
+              <a:rPr lang="en-US" sz="2000" dirty="0">
                 <a:solidFill>
                   <a:schemeClr val="bg1"/>
                 </a:solidFill>

--- a/Docker 101.pptx
+++ b/Docker 101.pptx
@@ -218,7 +218,7 @@
           <a:p>
             <a:fld id="{DB777940-19BE-4391-9073-4323A987D635}" type="datetimeFigureOut">
               <a:rPr lang="en-GB" smtClean="0"/>
-              <a:t>07/11/2018</a:t>
+              <a:t>15/01/2019</a:t>
             </a:fld>
             <a:endParaRPr lang="en-GB"/>
           </a:p>
@@ -2432,7 +2432,7 @@
           <a:p>
             <a:fld id="{B2C28AE0-0258-48C1-98F2-1A43322429A8}" type="datetimeFigureOut">
               <a:rPr lang="en-GB" smtClean="0"/>
-              <a:t>07/11/2018</a:t>
+              <a:t>15/01/2019</a:t>
             </a:fld>
             <a:endParaRPr lang="en-GB"/>
           </a:p>
@@ -2632,7 +2632,7 @@
           <a:p>
             <a:fld id="{B2C28AE0-0258-48C1-98F2-1A43322429A8}" type="datetimeFigureOut">
               <a:rPr lang="en-GB" smtClean="0"/>
-              <a:t>07/11/2018</a:t>
+              <a:t>15/01/2019</a:t>
             </a:fld>
             <a:endParaRPr lang="en-GB"/>
           </a:p>
@@ -2842,7 +2842,7 @@
           <a:p>
             <a:fld id="{B2C28AE0-0258-48C1-98F2-1A43322429A8}" type="datetimeFigureOut">
               <a:rPr lang="en-GB" smtClean="0"/>
-              <a:t>07/11/2018</a:t>
+              <a:t>15/01/2019</a:t>
             </a:fld>
             <a:endParaRPr lang="en-GB"/>
           </a:p>
@@ -3042,7 +3042,7 @@
           <a:p>
             <a:fld id="{B2C28AE0-0258-48C1-98F2-1A43322429A8}" type="datetimeFigureOut">
               <a:rPr lang="en-GB" smtClean="0"/>
-              <a:t>07/11/2018</a:t>
+              <a:t>15/01/2019</a:t>
             </a:fld>
             <a:endParaRPr lang="en-GB"/>
           </a:p>
@@ -3318,7 +3318,7 @@
           <a:p>
             <a:fld id="{B2C28AE0-0258-48C1-98F2-1A43322429A8}" type="datetimeFigureOut">
               <a:rPr lang="en-GB" smtClean="0"/>
-              <a:t>07/11/2018</a:t>
+              <a:t>15/01/2019</a:t>
             </a:fld>
             <a:endParaRPr lang="en-GB"/>
           </a:p>
@@ -3586,7 +3586,7 @@
           <a:p>
             <a:fld id="{B2C28AE0-0258-48C1-98F2-1A43322429A8}" type="datetimeFigureOut">
               <a:rPr lang="en-GB" smtClean="0"/>
-              <a:t>07/11/2018</a:t>
+              <a:t>15/01/2019</a:t>
             </a:fld>
             <a:endParaRPr lang="en-GB"/>
           </a:p>
@@ -4001,7 +4001,7 @@
           <a:p>
             <a:fld id="{B2C28AE0-0258-48C1-98F2-1A43322429A8}" type="datetimeFigureOut">
               <a:rPr lang="en-GB" smtClean="0"/>
-              <a:t>07/11/2018</a:t>
+              <a:t>15/01/2019</a:t>
             </a:fld>
             <a:endParaRPr lang="en-GB"/>
           </a:p>
@@ -4143,7 +4143,7 @@
           <a:p>
             <a:fld id="{B2C28AE0-0258-48C1-98F2-1A43322429A8}" type="datetimeFigureOut">
               <a:rPr lang="en-GB" smtClean="0"/>
-              <a:t>07/11/2018</a:t>
+              <a:t>15/01/2019</a:t>
             </a:fld>
             <a:endParaRPr lang="en-GB"/>
           </a:p>
@@ -4256,7 +4256,7 @@
           <a:p>
             <a:fld id="{B2C28AE0-0258-48C1-98F2-1A43322429A8}" type="datetimeFigureOut">
               <a:rPr lang="en-GB" smtClean="0"/>
-              <a:t>07/11/2018</a:t>
+              <a:t>15/01/2019</a:t>
             </a:fld>
             <a:endParaRPr lang="en-GB"/>
           </a:p>
@@ -4569,7 +4569,7 @@
           <a:p>
             <a:fld id="{B2C28AE0-0258-48C1-98F2-1A43322429A8}" type="datetimeFigureOut">
               <a:rPr lang="en-GB" smtClean="0"/>
-              <a:t>07/11/2018</a:t>
+              <a:t>15/01/2019</a:t>
             </a:fld>
             <a:endParaRPr lang="en-GB"/>
           </a:p>
@@ -4858,7 +4858,7 @@
           <a:p>
             <a:fld id="{B2C28AE0-0258-48C1-98F2-1A43322429A8}" type="datetimeFigureOut">
               <a:rPr lang="en-GB" smtClean="0"/>
-              <a:t>07/11/2018</a:t>
+              <a:t>15/01/2019</a:t>
             </a:fld>
             <a:endParaRPr lang="en-GB"/>
           </a:p>
@@ -5101,7 +5101,7 @@
           <a:p>
             <a:fld id="{B2C28AE0-0258-48C1-98F2-1A43322429A8}" type="datetimeFigureOut">
               <a:rPr lang="en-GB" smtClean="0"/>
-              <a:t>07/11/2018</a:t>
+              <a:t>15/01/2019</a:t>
             </a:fld>
             <a:endParaRPr lang="en-GB"/>
           </a:p>
@@ -9838,7 +9838,7 @@
 </file>
 
 <file path=ppt/slides/slide20.xml><?xml version="1.0" encoding="utf-8"?>
-<p:sld xmlns:a="http://schemas.openxmlformats.org/drawingml/2006/main" xmlns:r="http://schemas.openxmlformats.org/officeDocument/2006/relationships" xmlns:p="http://schemas.openxmlformats.org/presentationml/2006/main">
+<p:sld xmlns:a="http://schemas.openxmlformats.org/drawingml/2006/main" xmlns:r="http://schemas.openxmlformats.org/officeDocument/2006/relationships" xmlns:p="http://schemas.openxmlformats.org/presentationml/2006/main" show="0">
   <p:cSld>
     <p:spTree>
       <p:nvGrpSpPr>
@@ -11140,7 +11140,7 @@
                   <a:schemeClr val="bg1"/>
                 </a:solidFill>
               </a:rPr>
-              <a:t>Isolated processes in containers are and old idea</a:t>
+              <a:t>Isolated processes in containers are an old idea</a:t>
             </a:r>
           </a:p>
           <a:p>

--- a/Docker 101.pptx
+++ b/Docker 101.pptx
@@ -265,7 +265,7 @@
   </p:defaultTextStyle>
   <p:extLst>
     <p:ext uri="http://customooxmlschemas.google.com/">
-      <go:slidesCustomData xmlns:go="http://customooxmlschemas.google.com/" r:id="rId28" roundtripDataSignature="AMtx7mj1cYyPpMLhV07HOcDDl+GupKVLrQ=="/>
+      <go:slidesCustomData xmlns:go="http://customooxmlschemas.google.com/" r:id="rId28" roundtripDataSignature="AMtx7mh5n6ZAN0Im2HTL4gt3QAnSBbM9OA=="/>
     </p:ext>
   </p:extLst>
 </p:presentation>
@@ -3457,7 +3457,7 @@
   <p:cSld>
     <p:spTree>
       <p:nvGrpSpPr>
-        <p:cNvPr id="283" name="Shape 283"/>
+        <p:cNvPr id="284" name="Shape 284"/>
         <p:cNvGrpSpPr/>
         <p:nvPr/>
       </p:nvGrpSpPr>
@@ -3471,7 +3471,7 @@
       </p:grpSpPr>
       <p:sp>
         <p:nvSpPr>
-          <p:cNvPr id="284" name="Google Shape;284;p20:notes"/>
+          <p:cNvPr id="285" name="Google Shape;285;p20:notes"/>
           <p:cNvSpPr txBox="1"/>
           <p:nvPr>
             <p:ph idx="1" type="body"/>
@@ -3510,7 +3510,7 @@
       </p:sp>
       <p:sp>
         <p:nvSpPr>
-          <p:cNvPr id="285" name="Google Shape;285;p20:notes"/>
+          <p:cNvPr id="286" name="Google Shape;286;p20:notes"/>
           <p:cNvSpPr/>
           <p:nvPr>
             <p:ph idx="2" type="sldImg"/>
@@ -3556,7 +3556,7 @@
   <p:cSld>
     <p:spTree>
       <p:nvGrpSpPr>
-        <p:cNvPr id="290" name="Shape 290"/>
+        <p:cNvPr id="291" name="Shape 291"/>
         <p:cNvGrpSpPr/>
         <p:nvPr/>
       </p:nvGrpSpPr>
@@ -3570,7 +3570,7 @@
       </p:grpSpPr>
       <p:sp>
         <p:nvSpPr>
-          <p:cNvPr id="291" name="Google Shape;291;p21:notes"/>
+          <p:cNvPr id="292" name="Google Shape;292;p21:notes"/>
           <p:cNvSpPr/>
           <p:nvPr>
             <p:ph idx="2" type="sldImg"/>
@@ -3615,7 +3615,7 @@
       </p:sp>
       <p:sp>
         <p:nvSpPr>
-          <p:cNvPr id="292" name="Google Shape;292;p21:notes"/>
+          <p:cNvPr id="293" name="Google Shape;293;p21:notes"/>
           <p:cNvSpPr txBox="1"/>
           <p:nvPr>
             <p:ph idx="1" type="body"/>
@@ -3889,7 +3889,7 @@
       </p:sp>
       <p:sp>
         <p:nvSpPr>
-          <p:cNvPr id="293" name="Google Shape;293;p21:notes"/>
+          <p:cNvPr id="294" name="Google Shape;294;p21:notes"/>
           <p:cNvSpPr txBox="1"/>
           <p:nvPr>
             <p:ph idx="12" type="sldNum"/>
@@ -3944,7 +3944,7 @@
   <p:cSld>
     <p:spTree>
       <p:nvGrpSpPr>
-        <p:cNvPr id="298" name="Shape 298"/>
+        <p:cNvPr id="299" name="Shape 299"/>
         <p:cNvGrpSpPr/>
         <p:nvPr/>
       </p:nvGrpSpPr>
@@ -3958,7 +3958,7 @@
       </p:grpSpPr>
       <p:sp>
         <p:nvSpPr>
-          <p:cNvPr id="299" name="Google Shape;299;p22:notes"/>
+          <p:cNvPr id="300" name="Google Shape;300;p22:notes"/>
           <p:cNvSpPr/>
           <p:nvPr>
             <p:ph idx="2" type="sldImg"/>
@@ -4003,7 +4003,7 @@
       </p:sp>
       <p:sp>
         <p:nvSpPr>
-          <p:cNvPr id="300" name="Google Shape;300;p22:notes"/>
+          <p:cNvPr id="301" name="Google Shape;301;p22:notes"/>
           <p:cNvSpPr txBox="1"/>
           <p:nvPr>
             <p:ph idx="1" type="body"/>
@@ -4046,7 +4046,7 @@
       </p:sp>
       <p:sp>
         <p:nvSpPr>
-          <p:cNvPr id="301" name="Google Shape;301;p22:notes"/>
+          <p:cNvPr id="302" name="Google Shape;302;p22:notes"/>
           <p:cNvSpPr txBox="1"/>
           <p:nvPr>
             <p:ph idx="12" type="sldNum"/>
@@ -19899,8 +19899,11 @@
             </a:pPr>
             <a:r>
               <a:rPr lang="en-GB"/>
-              <a:t>Compiling .NET Framework code with docker</a:t>
-            </a:r>
+              <a:t>Compiling Windows .NET Framework code…</a:t>
+            </a:r>
+            <a:br>
+              <a:rPr lang="en-GB"/>
+            </a:br>
             <a:endParaRPr/>
           </a:p>
         </p:txBody>
@@ -19950,7 +19953,29 @@
             </a:pPr>
             <a:r>
               <a:rPr lang="en-GB"/>
-              <a:t>docker run --rm --volume "$(pwd):/build" --workdir /build mono ./build.sh</a:t>
+              <a:t>docker run --rm --volume "${pwd}:/build" --workdir /build mono ./build.sh</a:t>
+            </a:r>
+            <a:endParaRPr/>
+          </a:p>
+          <a:p>
+            <a:pPr indent="0" lvl="0" marL="0" rtl="0" algn="l">
+              <a:lnSpc>
+                <a:spcPct val="90000"/>
+              </a:lnSpc>
+              <a:spcBef>
+                <a:spcPts val="0"/>
+              </a:spcBef>
+              <a:spcAft>
+                <a:spcPts val="0"/>
+              </a:spcAft>
+              <a:buClr>
+                <a:schemeClr val="dk1"/>
+              </a:buClr>
+              <a:buSzPts val="2800"/>
+              <a:buNone/>
+            </a:pPr>
+            <a:r>
+              <a:t/>
             </a:r>
             <a:endParaRPr/>
           </a:p>
@@ -20066,7 +20091,7 @@
                 <a:cs typeface="Calibri"/>
                 <a:sym typeface="Calibri"/>
               </a:rPr>
-              <a:t>docker run --rm --volume "$(pwd):/build" --workdir /build mono ./test.sh</a:t>
+              <a:t>docker run --rm --volume "${pwd}:/build" --workdir /build mono ./tests.sh</a:t>
             </a:r>
             <a:endParaRPr sz="2800">
               <a:solidFill>
@@ -20138,6 +20163,61 @@
           </a:ln>
         </p:spPr>
       </p:pic>
+      <p:sp>
+        <p:nvSpPr>
+          <p:cNvPr id="283" name="Google Shape;283;p19"/>
+          <p:cNvSpPr txBox="1"/>
+          <p:nvPr>
+            <p:ph type="title"/>
+          </p:nvPr>
+        </p:nvSpPr>
+        <p:spPr>
+          <a:xfrm>
+            <a:off x="3205150" y="5146650"/>
+            <a:ext cx="8553600" cy="1325700"/>
+          </a:xfrm>
+          <a:prstGeom prst="rect">
+            <a:avLst/>
+          </a:prstGeom>
+          <a:noFill/>
+          <a:ln>
+            <a:noFill/>
+          </a:ln>
+        </p:spPr>
+        <p:txBody>
+          <a:bodyPr anchorCtr="0" anchor="ctr" bIns="45700" lIns="91425" spcFirstLastPara="1" rIns="91425" wrap="square" tIns="45700">
+            <a:normAutofit fontScale="90000"/>
+          </a:bodyPr>
+          <a:lstStyle/>
+          <a:p>
+            <a:pPr indent="0" lvl="0" marL="0" rtl="0" algn="l">
+              <a:lnSpc>
+                <a:spcPct val="90000"/>
+              </a:lnSpc>
+              <a:spcBef>
+                <a:spcPts val="0"/>
+              </a:spcBef>
+              <a:spcAft>
+                <a:spcPts val="0"/>
+              </a:spcAft>
+              <a:buClr>
+                <a:schemeClr val="dk1"/>
+              </a:buClr>
+              <a:buSzPct val="100000"/>
+              <a:buFont typeface="Calibri"/>
+              <a:buNone/>
+            </a:pPr>
+            <a:r>
+              <a:rPr lang="en-GB"/>
+              <a:t>Yes, this really is .NET &lt;5 code building and running in a linux container</a:t>
+            </a:r>
+            <a:br>
+              <a:rPr lang="en-GB"/>
+            </a:br>
+            <a:endParaRPr/>
+          </a:p>
+        </p:txBody>
+      </p:sp>
     </p:spTree>
   </p:cSld>
   <p:clrMapOvr>
@@ -20180,6 +20260,55 @@
                                           <p:spTgt spid="279">
                                             <p:txEl>
                                               <p:pRg end="0" st="0"/>
+                                            </p:txEl>
+                                          </p:spTgt>
+                                        </p:tgtEl>
+                                        <p:attrNameLst>
+                                          <p:attrName>style.visibility</p:attrName>
+                                        </p:attrNameLst>
+                                      </p:cBhvr>
+                                      <p:to>
+                                        <p:strVal val="visible"/>
+                                      </p:to>
+                                    </p:set>
+                                  </p:childTnLst>
+                                </p:cTn>
+                              </p:par>
+                            </p:childTnLst>
+                          </p:cTn>
+                        </p:par>
+                      </p:childTnLst>
+                    </p:cTn>
+                  </p:par>
+                  <p:par>
+                    <p:cTn fill="hold">
+                      <p:stCondLst>
+                        <p:cond delay="indefinite"/>
+                      </p:stCondLst>
+                      <p:childTnLst>
+                        <p:par>
+                          <p:cTn fill="hold">
+                            <p:stCondLst>
+                              <p:cond delay="0"/>
+                            </p:stCondLst>
+                            <p:childTnLst>
+                              <p:par>
+                                <p:cTn fill="hold" nodeType="clickEffect" presetClass="entr" presetID="1" presetSubtype="0">
+                                  <p:stCondLst>
+                                    <p:cond delay="0"/>
+                                  </p:stCondLst>
+                                  <p:childTnLst>
+                                    <p:set>
+                                      <p:cBhvr>
+                                        <p:cTn dur="1" fill="hold">
+                                          <p:stCondLst>
+                                            <p:cond delay="0"/>
+                                          </p:stCondLst>
+                                        </p:cTn>
+                                        <p:tgtEl>
+                                          <p:spTgt spid="279">
+                                            <p:txEl>
+                                              <p:pRg end="1" st="1"/>
                                             </p:txEl>
                                           </p:spTgt>
                                         </p:tgtEl>
@@ -20347,6 +20476,59 @@
                       </p:childTnLst>
                     </p:cTn>
                   </p:par>
+                  <p:par>
+                    <p:cTn fill="hold">
+                      <p:stCondLst>
+                        <p:cond delay="indefinite"/>
+                      </p:stCondLst>
+                      <p:childTnLst>
+                        <p:par>
+                          <p:cTn fill="hold">
+                            <p:stCondLst>
+                              <p:cond delay="0"/>
+                            </p:stCondLst>
+                            <p:childTnLst>
+                              <p:par>
+                                <p:cTn fill="hold" nodeType="clickEffect" presetClass="entr" presetID="10" presetSubtype="0">
+                                  <p:stCondLst>
+                                    <p:cond delay="0"/>
+                                  </p:stCondLst>
+                                  <p:childTnLst>
+                                    <p:set>
+                                      <p:cBhvr>
+                                        <p:cTn dur="1" fill="hold">
+                                          <p:stCondLst>
+                                            <p:cond delay="0"/>
+                                          </p:stCondLst>
+                                        </p:cTn>
+                                        <p:tgtEl>
+                                          <p:spTgt spid="283"/>
+                                        </p:tgtEl>
+                                        <p:attrNameLst>
+                                          <p:attrName>style.visibility</p:attrName>
+                                        </p:attrNameLst>
+                                      </p:cBhvr>
+                                      <p:to>
+                                        <p:strVal val="visible"/>
+                                      </p:to>
+                                    </p:set>
+                                    <p:animEffect filter="fade" transition="in">
+                                      <p:cBhvr>
+                                        <p:cTn dur="1000"/>
+                                        <p:tgtEl>
+                                          <p:spTgt spid="283"/>
+                                        </p:tgtEl>
+                                      </p:cBhvr>
+                                    </p:animEffect>
+                                  </p:childTnLst>
+                                </p:cTn>
+                              </p:par>
+                            </p:childTnLst>
+                          </p:cTn>
+                        </p:par>
+                      </p:childTnLst>
+                    </p:cTn>
+                  </p:par>
                 </p:childTnLst>
               </p:cTn>
               <p:prevCondLst>
@@ -20377,7 +20559,7 @@
   <p:cSld>
     <p:spTree>
       <p:nvGrpSpPr>
-        <p:cNvPr id="286" name="Shape 286"/>
+        <p:cNvPr id="287" name="Shape 287"/>
         <p:cNvGrpSpPr/>
         <p:nvPr/>
       </p:nvGrpSpPr>
@@ -20391,7 +20573,7 @@
       </p:grpSpPr>
       <p:sp>
         <p:nvSpPr>
-          <p:cNvPr id="287" name="Google Shape;287;p20"/>
+          <p:cNvPr id="288" name="Google Shape;288;p20"/>
           <p:cNvSpPr txBox="1"/>
           <p:nvPr>
             <p:ph type="title"/>
@@ -20443,7 +20625,7 @@
       </p:sp>
       <p:sp>
         <p:nvSpPr>
-          <p:cNvPr id="288" name="Google Shape;288;p20"/>
+          <p:cNvPr id="289" name="Google Shape;289;p20"/>
           <p:cNvSpPr txBox="1"/>
           <p:nvPr>
             <p:ph idx="1" type="body"/>
@@ -20574,7 +20756,7 @@
       </p:sp>
       <p:pic>
         <p:nvPicPr>
-          <p:cNvPr id="289" name="Google Shape;289;p20"/>
+          <p:cNvPr id="290" name="Google Shape;290;p20"/>
           <p:cNvPicPr preferRelativeResize="0"/>
           <p:nvPr>
             <p:ph idx="2" type="body"/>
@@ -20614,7 +20796,7 @@
   <p:cSld>
     <p:spTree>
       <p:nvGrpSpPr>
-        <p:cNvPr id="294" name="Shape 294"/>
+        <p:cNvPr id="295" name="Shape 295"/>
         <p:cNvGrpSpPr/>
         <p:nvPr/>
       </p:nvGrpSpPr>
@@ -20628,7 +20810,7 @@
       </p:grpSpPr>
       <p:sp>
         <p:nvSpPr>
-          <p:cNvPr id="295" name="Google Shape;295;p21"/>
+          <p:cNvPr id="296" name="Google Shape;296;p21"/>
           <p:cNvSpPr txBox="1"/>
           <p:nvPr>
             <p:ph type="title"/>
@@ -20680,7 +20862,7 @@
       </p:sp>
       <p:sp>
         <p:nvSpPr>
-          <p:cNvPr id="296" name="Google Shape;296;p21"/>
+          <p:cNvPr id="297" name="Google Shape;297;p21"/>
           <p:cNvSpPr txBox="1"/>
           <p:nvPr>
             <p:ph idx="1" type="body"/>
@@ -20937,7 +21119,7 @@
       </p:sp>
       <p:pic>
         <p:nvPicPr>
-          <p:cNvPr descr="A close up of a logo&#10;&#10;Description generated with very high confidence" id="297" name="Google Shape;297;p21"/>
+          <p:cNvPr descr="A close up of a logo&#10;&#10;Description generated with very high confidence" id="298" name="Google Shape;298;p21"/>
           <p:cNvPicPr preferRelativeResize="0"/>
           <p:nvPr/>
         </p:nvPicPr>
@@ -20975,7 +21157,7 @@
   <p:cSld>
     <p:spTree>
       <p:nvGrpSpPr>
-        <p:cNvPr id="302" name="Shape 302"/>
+        <p:cNvPr id="303" name="Shape 303"/>
         <p:cNvGrpSpPr/>
         <p:nvPr/>
       </p:nvGrpSpPr>
@@ -20989,7 +21171,7 @@
       </p:grpSpPr>
       <p:sp>
         <p:nvSpPr>
-          <p:cNvPr id="303" name="Google Shape;303;p22"/>
+          <p:cNvPr id="304" name="Google Shape;304;p22"/>
           <p:cNvSpPr/>
           <p:nvPr/>
         </p:nvSpPr>
@@ -21040,7 +21222,7 @@
       </p:sp>
       <p:pic>
         <p:nvPicPr>
-          <p:cNvPr id="304" name="Google Shape;304;p22"/>
+          <p:cNvPr id="305" name="Google Shape;305;p22"/>
           <p:cNvPicPr preferRelativeResize="0"/>
           <p:nvPr/>
         </p:nvPicPr>
@@ -21067,7 +21249,7 @@
       </p:pic>
       <p:sp>
         <p:nvSpPr>
-          <p:cNvPr id="305" name="Google Shape;305;p22"/>
+          <p:cNvPr id="306" name="Google Shape;306;p22"/>
           <p:cNvSpPr txBox="1"/>
           <p:nvPr>
             <p:ph type="title"/>
@@ -21123,7 +21305,7 @@
       </p:sp>
       <p:sp>
         <p:nvSpPr>
-          <p:cNvPr id="306" name="Google Shape;306;p22"/>
+          <p:cNvPr id="307" name="Google Shape;307;p22"/>
           <p:cNvSpPr txBox="1"/>
           <p:nvPr>
             <p:ph idx="1" type="body"/>
@@ -21364,7 +21546,7 @@
       </p:sp>
       <p:pic>
         <p:nvPicPr>
-          <p:cNvPr descr="Image result" id="307" name="Google Shape;307;p22"/>
+          <p:cNvPr descr="Image result" id="308" name="Google Shape;308;p22"/>
           <p:cNvPicPr preferRelativeResize="0"/>
           <p:nvPr/>
         </p:nvPicPr>
@@ -24555,6 +24737,285 @@
 <file path=ppt/theme/theme1.xml><?xml version="1.0" encoding="utf-8"?>
 <a:theme xmlns:a="http://schemas.openxmlformats.org/drawingml/2006/main" xmlns:r="http://schemas.openxmlformats.org/officeDocument/2006/relationships" name="Office Theme">
   <a:themeElements>
+    <a:clrScheme name="Custom 2">
+      <a:dk1>
+        <a:srgbClr val="000000"/>
+      </a:dk1>
+      <a:lt1>
+        <a:srgbClr val="FFFFFF"/>
+      </a:lt1>
+      <a:dk2>
+        <a:srgbClr val="44546A"/>
+      </a:dk2>
+      <a:lt2>
+        <a:srgbClr val="757070"/>
+      </a:lt2>
+      <a:accent1>
+        <a:srgbClr val="4472C4"/>
+      </a:accent1>
+      <a:accent2>
+        <a:srgbClr val="ED7D31"/>
+      </a:accent2>
+      <a:accent3>
+        <a:srgbClr val="A5A5A5"/>
+      </a:accent3>
+      <a:accent4>
+        <a:srgbClr val="FFC000"/>
+      </a:accent4>
+      <a:accent5>
+        <a:srgbClr val="5B9BD5"/>
+      </a:accent5>
+      <a:accent6>
+        <a:srgbClr val="70AD47"/>
+      </a:accent6>
+      <a:hlink>
+        <a:srgbClr val="0563C1"/>
+      </a:hlink>
+      <a:folHlink>
+        <a:srgbClr val="954F72"/>
+      </a:folHlink>
+    </a:clrScheme>
+    <a:fontScheme name="Office">
+      <a:majorFont>
+        <a:latin typeface="Arial"/>
+        <a:ea typeface=""/>
+        <a:cs typeface=""/>
+        <a:font script="Jpan" typeface="ＭＳ Ｐゴシック"/>
+        <a:font script="Hang" typeface="맑은 고딕"/>
+        <a:font script="Hans" typeface="宋体"/>
+        <a:font script="Hant" typeface="新細明體"/>
+        <a:font script="Arab" typeface="Times New Roman"/>
+        <a:font script="Hebr" typeface="Times New Roman"/>
+        <a:font script="Thai" typeface="Angsana New"/>
+        <a:font script="Ethi" typeface="Nyala"/>
+        <a:font script="Beng" typeface="Vrinda"/>
+        <a:font script="Gujr" typeface="Shruti"/>
+        <a:font script="Khmr" typeface="MoolBoran"/>
+        <a:font script="Knda" typeface="Tunga"/>
+        <a:font script="Guru" typeface="Raavi"/>
+        <a:font script="Cans" typeface="Euphemia"/>
+        <a:font script="Cher" typeface="Plantagenet Cherokee"/>
+        <a:font script="Yiii" typeface="Microsoft Yi Baiti"/>
+        <a:font script="Tibt" typeface="Microsoft Himalaya"/>
+        <a:font script="Thaa" typeface="MV Boli"/>
+        <a:font script="Deva" typeface="Mangal"/>
+        <a:font script="Telu" typeface="Gautami"/>
+        <a:font script="Taml" typeface="Latha"/>
+        <a:font script="Syrc" typeface="Estrangelo Edessa"/>
+        <a:font script="Orya" typeface="Kalinga"/>
+        <a:font script="Mlym" typeface="Kartika"/>
+        <a:font script="Laoo" typeface="DokChampa"/>
+        <a:font script="Sinh" typeface="Iskoola Pota"/>
+        <a:font script="Mong" typeface="Mongolian Baiti"/>
+        <a:font script="Viet" typeface="Times New Roman"/>
+        <a:font script="Uigh" typeface="Microsoft Uighur"/>
+        <a:font script="Geor" typeface="Sylfaen"/>
+      </a:majorFont>
+      <a:minorFont>
+        <a:latin typeface="Arial"/>
+        <a:ea typeface=""/>
+        <a:cs typeface=""/>
+        <a:font script="Jpan" typeface="ＭＳ Ｐゴシック"/>
+        <a:font script="Hang" typeface="맑은 고딕"/>
+        <a:font script="Hans" typeface="宋体"/>
+        <a:font script="Hant" typeface="新細明體"/>
+        <a:font script="Arab" typeface="Arial"/>
+        <a:font script="Hebr" typeface="Arial"/>
+        <a:font script="Thai" typeface="Cordia New"/>
+        <a:font script="Ethi" typeface="Nyala"/>
+        <a:font script="Beng" typeface="Vrinda"/>
+        <a:font script="Gujr" typeface="Shruti"/>
+        <a:font script="Khmr" typeface="DaunPenh"/>
+        <a:font script="Knda" typeface="Tunga"/>
+        <a:font script="Guru" typeface="Raavi"/>
+        <a:font script="Cans" typeface="Euphemia"/>
+        <a:font script="Cher" typeface="Plantagenet Cherokee"/>
+        <a:font script="Yiii" typeface="Microsoft Yi Baiti"/>
+        <a:font script="Tibt" typeface="Microsoft Himalaya"/>
+        <a:font script="Thaa" typeface="MV Boli"/>
+        <a:font script="Deva" typeface="Mangal"/>
+        <a:font script="Telu" typeface="Gautami"/>
+        <a:font script="Taml" typeface="Latha"/>
+        <a:font script="Syrc" typeface="Estrangelo Edessa"/>
+        <a:font script="Orya" typeface="Kalinga"/>
+        <a:font script="Mlym" typeface="Kartika"/>
+        <a:font script="Laoo" typeface="DokChampa"/>
+        <a:font script="Sinh" typeface="Iskoola Pota"/>
+        <a:font script="Mong" typeface="Mongolian Baiti"/>
+        <a:font script="Viet" typeface="Arial"/>
+        <a:font script="Uigh" typeface="Microsoft Uighur"/>
+        <a:font script="Geor" typeface="Sylfaen"/>
+      </a:minorFont>
+    </a:fontScheme>
+    <a:fmtScheme name="Office">
+      <a:fillStyleLst>
+        <a:solidFill>
+          <a:schemeClr val="phClr"/>
+        </a:solidFill>
+        <a:gradFill rotWithShape="1">
+          <a:gsLst>
+            <a:gs pos="0">
+              <a:schemeClr val="phClr">
+                <a:tint val="50000"/>
+                <a:satMod val="300000"/>
+              </a:schemeClr>
+            </a:gs>
+            <a:gs pos="35000">
+              <a:schemeClr val="phClr">
+                <a:tint val="37000"/>
+                <a:satMod val="300000"/>
+              </a:schemeClr>
+            </a:gs>
+            <a:gs pos="100000">
+              <a:schemeClr val="phClr">
+                <a:tint val="15000"/>
+                <a:satMod val="350000"/>
+              </a:schemeClr>
+            </a:gs>
+          </a:gsLst>
+          <a:lin ang="16200000" scaled="1"/>
+        </a:gradFill>
+        <a:gradFill rotWithShape="1">
+          <a:gsLst>
+            <a:gs pos="0">
+              <a:schemeClr val="phClr">
+                <a:tint val="100000"/>
+                <a:shade val="100000"/>
+                <a:satMod val="130000"/>
+              </a:schemeClr>
+            </a:gs>
+            <a:gs pos="100000">
+              <a:schemeClr val="phClr">
+                <a:tint val="50000"/>
+                <a:shade val="100000"/>
+                <a:satMod val="350000"/>
+              </a:schemeClr>
+            </a:gs>
+          </a:gsLst>
+          <a:lin ang="16200000" scaled="0"/>
+        </a:gradFill>
+      </a:fillStyleLst>
+      <a:lnStyleLst>
+        <a:ln w="9525" cap="flat" cmpd="sng" algn="ctr">
+          <a:solidFill>
+            <a:schemeClr val="phClr">
+              <a:shade val="95000"/>
+              <a:satMod val="105000"/>
+            </a:schemeClr>
+          </a:solidFill>
+          <a:prstDash val="solid"/>
+        </a:ln>
+        <a:ln w="25400" cap="flat" cmpd="sng" algn="ctr">
+          <a:solidFill>
+            <a:schemeClr val="phClr"/>
+          </a:solidFill>
+          <a:prstDash val="solid"/>
+        </a:ln>
+        <a:ln w="38100" cap="flat" cmpd="sng" algn="ctr">
+          <a:solidFill>
+            <a:schemeClr val="phClr"/>
+          </a:solidFill>
+          <a:prstDash val="solid"/>
+        </a:ln>
+      </a:lnStyleLst>
+      <a:effectStyleLst>
+        <a:effectStyle>
+          <a:effectLst>
+            <a:outerShdw blurRad="40000" dist="20000" dir="5400000" rotWithShape="0">
+              <a:srgbClr val="000000">
+                <a:alpha val="38000"/>
+              </a:srgbClr>
+            </a:outerShdw>
+          </a:effectLst>
+        </a:effectStyle>
+        <a:effectStyle>
+          <a:effectLst>
+            <a:outerShdw blurRad="40000" dist="23000" dir="5400000" rotWithShape="0">
+              <a:srgbClr val="000000">
+                <a:alpha val="35000"/>
+              </a:srgbClr>
+            </a:outerShdw>
+          </a:effectLst>
+        </a:effectStyle>
+        <a:effectStyle>
+          <a:effectLst>
+            <a:outerShdw blurRad="40000" dist="23000" dir="5400000" rotWithShape="0">
+              <a:srgbClr val="000000">
+                <a:alpha val="35000"/>
+              </a:srgbClr>
+            </a:outerShdw>
+          </a:effectLst>
+          <a:scene3d>
+            <a:camera prst="orthographicFront">
+              <a:rot lat="0" lon="0" rev="0"/>
+            </a:camera>
+            <a:lightRig rig="threePt" dir="t">
+              <a:rot lat="0" lon="0" rev="1200000"/>
+            </a:lightRig>
+          </a:scene3d>
+          <a:sp3d>
+            <a:bevelT w="63500" h="25400"/>
+          </a:sp3d>
+        </a:effectStyle>
+      </a:effectStyleLst>
+      <a:bgFillStyleLst>
+        <a:solidFill>
+          <a:schemeClr val="phClr"/>
+        </a:solidFill>
+        <a:gradFill rotWithShape="1">
+          <a:gsLst>
+            <a:gs pos="0">
+              <a:schemeClr val="phClr">
+                <a:tint val="40000"/>
+                <a:satMod val="350000"/>
+              </a:schemeClr>
+            </a:gs>
+            <a:gs pos="40000">
+              <a:schemeClr val="phClr">
+                <a:tint val="45000"/>
+                <a:shade val="99000"/>
+                <a:satMod val="350000"/>
+              </a:schemeClr>
+            </a:gs>
+            <a:gs pos="100000">
+              <a:schemeClr val="phClr">
+                <a:shade val="20000"/>
+                <a:satMod val="255000"/>
+              </a:schemeClr>
+            </a:gs>
+          </a:gsLst>
+          <a:path path="circle">
+            <a:fillToRect l="50000" t="-80000" r="50000" b="180000"/>
+          </a:path>
+        </a:gradFill>
+        <a:gradFill rotWithShape="1">
+          <a:gsLst>
+            <a:gs pos="0">
+              <a:schemeClr val="phClr">
+                <a:tint val="80000"/>
+                <a:satMod val="300000"/>
+              </a:schemeClr>
+            </a:gs>
+            <a:gs pos="100000">
+              <a:schemeClr val="phClr">
+                <a:shade val="30000"/>
+                <a:satMod val="200000"/>
+              </a:schemeClr>
+            </a:gs>
+          </a:gsLst>
+          <a:path path="circle">
+            <a:fillToRect l="50000" t="50000" r="50000" b="50000"/>
+          </a:path>
+        </a:gradFill>
+      </a:bgFillStyleLst>
+    </a:fmtScheme>
+  </a:themeElements>
+</a:theme>
+</file>
+
+<file path=ppt/theme/theme2.xml><?xml version="1.0" encoding="utf-8"?>
+<a:theme xmlns:a="http://schemas.openxmlformats.org/drawingml/2006/main" xmlns:r="http://schemas.openxmlformats.org/officeDocument/2006/relationships" name="Office Theme">
+  <a:themeElements>
     <a:clrScheme name="Office">
       <a:dk1>
         <a:srgbClr val="000000"/>
@@ -24829,283 +25290,4 @@
     </a:fmtScheme>
   </a:themeElements>
 </a:theme>
-</file>
-
-<file path=ppt/theme/theme2.xml><?xml version="1.0" encoding="utf-8"?>
-<a:theme xmlns:a="http://schemas.openxmlformats.org/drawingml/2006/main" xmlns:r="http://schemas.openxmlformats.org/officeDocument/2006/relationships" name="Office Theme">
-  <a:themeElements>
-    <a:clrScheme name="Custom 2">
-      <a:dk1>
-        <a:srgbClr val="000000"/>
-      </a:dk1>
-      <a:lt1>
-        <a:srgbClr val="FFFFFF"/>
-      </a:lt1>
-      <a:dk2>
-        <a:srgbClr val="44546A"/>
-      </a:dk2>
-      <a:lt2>
-        <a:srgbClr val="757070"/>
-      </a:lt2>
-      <a:accent1>
-        <a:srgbClr val="4472C4"/>
-      </a:accent1>
-      <a:accent2>
-        <a:srgbClr val="ED7D31"/>
-      </a:accent2>
-      <a:accent3>
-        <a:srgbClr val="A5A5A5"/>
-      </a:accent3>
-      <a:accent4>
-        <a:srgbClr val="FFC000"/>
-      </a:accent4>
-      <a:accent5>
-        <a:srgbClr val="5B9BD5"/>
-      </a:accent5>
-      <a:accent6>
-        <a:srgbClr val="70AD47"/>
-      </a:accent6>
-      <a:hlink>
-        <a:srgbClr val="0563C1"/>
-      </a:hlink>
-      <a:folHlink>
-        <a:srgbClr val="954F72"/>
-      </a:folHlink>
-    </a:clrScheme>
-    <a:fontScheme name="Office">
-      <a:majorFont>
-        <a:latin typeface="Arial"/>
-        <a:ea typeface=""/>
-        <a:cs typeface=""/>
-        <a:font script="Jpan" typeface="ＭＳ Ｐゴシック"/>
-        <a:font script="Hang" typeface="맑은 고딕"/>
-        <a:font script="Hans" typeface="宋体"/>
-        <a:font script="Hant" typeface="新細明體"/>
-        <a:font script="Arab" typeface="Times New Roman"/>
-        <a:font script="Hebr" typeface="Times New Roman"/>
-        <a:font script="Thai" typeface="Angsana New"/>
-        <a:font script="Ethi" typeface="Nyala"/>
-        <a:font script="Beng" typeface="Vrinda"/>
-        <a:font script="Gujr" typeface="Shruti"/>
-        <a:font script="Khmr" typeface="MoolBoran"/>
-        <a:font script="Knda" typeface="Tunga"/>
-        <a:font script="Guru" typeface="Raavi"/>
-        <a:font script="Cans" typeface="Euphemia"/>
-        <a:font script="Cher" typeface="Plantagenet Cherokee"/>
-        <a:font script="Yiii" typeface="Microsoft Yi Baiti"/>
-        <a:font script="Tibt" typeface="Microsoft Himalaya"/>
-        <a:font script="Thaa" typeface="MV Boli"/>
-        <a:font script="Deva" typeface="Mangal"/>
-        <a:font script="Telu" typeface="Gautami"/>
-        <a:font script="Taml" typeface="Latha"/>
-        <a:font script="Syrc" typeface="Estrangelo Edessa"/>
-        <a:font script="Orya" typeface="Kalinga"/>
-        <a:font script="Mlym" typeface="Kartika"/>
-        <a:font script="Laoo" typeface="DokChampa"/>
-        <a:font script="Sinh" typeface="Iskoola Pota"/>
-        <a:font script="Mong" typeface="Mongolian Baiti"/>
-        <a:font script="Viet" typeface="Times New Roman"/>
-        <a:font script="Uigh" typeface="Microsoft Uighur"/>
-        <a:font script="Geor" typeface="Sylfaen"/>
-      </a:majorFont>
-      <a:minorFont>
-        <a:latin typeface="Arial"/>
-        <a:ea typeface=""/>
-        <a:cs typeface=""/>
-        <a:font script="Jpan" typeface="ＭＳ Ｐゴシック"/>
-        <a:font script="Hang" typeface="맑은 고딕"/>
-        <a:font script="Hans" typeface="宋体"/>
-        <a:font script="Hant" typeface="新細明體"/>
-        <a:font script="Arab" typeface="Arial"/>
-        <a:font script="Hebr" typeface="Arial"/>
-        <a:font script="Thai" typeface="Cordia New"/>
-        <a:font script="Ethi" typeface="Nyala"/>
-        <a:font script="Beng" typeface="Vrinda"/>
-        <a:font script="Gujr" typeface="Shruti"/>
-        <a:font script="Khmr" typeface="DaunPenh"/>
-        <a:font script="Knda" typeface="Tunga"/>
-        <a:font script="Guru" typeface="Raavi"/>
-        <a:font script="Cans" typeface="Euphemia"/>
-        <a:font script="Cher" typeface="Plantagenet Cherokee"/>
-        <a:font script="Yiii" typeface="Microsoft Yi Baiti"/>
-        <a:font script="Tibt" typeface="Microsoft Himalaya"/>
-        <a:font script="Thaa" typeface="MV Boli"/>
-        <a:font script="Deva" typeface="Mangal"/>
-        <a:font script="Telu" typeface="Gautami"/>
-        <a:font script="Taml" typeface="Latha"/>
-        <a:font script="Syrc" typeface="Estrangelo Edessa"/>
-        <a:font script="Orya" typeface="Kalinga"/>
-        <a:font script="Mlym" typeface="Kartika"/>
-        <a:font script="Laoo" typeface="DokChampa"/>
-        <a:font script="Sinh" typeface="Iskoola Pota"/>
-        <a:font script="Mong" typeface="Mongolian Baiti"/>
-        <a:font script="Viet" typeface="Arial"/>
-        <a:font script="Uigh" typeface="Microsoft Uighur"/>
-        <a:font script="Geor" typeface="Sylfaen"/>
-      </a:minorFont>
-    </a:fontScheme>
-    <a:fmtScheme name="Office">
-      <a:fillStyleLst>
-        <a:solidFill>
-          <a:schemeClr val="phClr"/>
-        </a:solidFill>
-        <a:gradFill rotWithShape="1">
-          <a:gsLst>
-            <a:gs pos="0">
-              <a:schemeClr val="phClr">
-                <a:tint val="50000"/>
-                <a:satMod val="300000"/>
-              </a:schemeClr>
-            </a:gs>
-            <a:gs pos="35000">
-              <a:schemeClr val="phClr">
-                <a:tint val="37000"/>
-                <a:satMod val="300000"/>
-              </a:schemeClr>
-            </a:gs>
-            <a:gs pos="100000">
-              <a:schemeClr val="phClr">
-                <a:tint val="15000"/>
-                <a:satMod val="350000"/>
-              </a:schemeClr>
-            </a:gs>
-          </a:gsLst>
-          <a:lin ang="16200000" scaled="1"/>
-        </a:gradFill>
-        <a:gradFill rotWithShape="1">
-          <a:gsLst>
-            <a:gs pos="0">
-              <a:schemeClr val="phClr">
-                <a:tint val="100000"/>
-                <a:shade val="100000"/>
-                <a:satMod val="130000"/>
-              </a:schemeClr>
-            </a:gs>
-            <a:gs pos="100000">
-              <a:schemeClr val="phClr">
-                <a:tint val="50000"/>
-                <a:shade val="100000"/>
-                <a:satMod val="350000"/>
-              </a:schemeClr>
-            </a:gs>
-          </a:gsLst>
-          <a:lin ang="16200000" scaled="0"/>
-        </a:gradFill>
-      </a:fillStyleLst>
-      <a:lnStyleLst>
-        <a:ln w="9525" cap="flat" cmpd="sng" algn="ctr">
-          <a:solidFill>
-            <a:schemeClr val="phClr">
-              <a:shade val="95000"/>
-              <a:satMod val="105000"/>
-            </a:schemeClr>
-          </a:solidFill>
-          <a:prstDash val="solid"/>
-        </a:ln>
-        <a:ln w="25400" cap="flat" cmpd="sng" algn="ctr">
-          <a:solidFill>
-            <a:schemeClr val="phClr"/>
-          </a:solidFill>
-          <a:prstDash val="solid"/>
-        </a:ln>
-        <a:ln w="38100" cap="flat" cmpd="sng" algn="ctr">
-          <a:solidFill>
-            <a:schemeClr val="phClr"/>
-          </a:solidFill>
-          <a:prstDash val="solid"/>
-        </a:ln>
-      </a:lnStyleLst>
-      <a:effectStyleLst>
-        <a:effectStyle>
-          <a:effectLst>
-            <a:outerShdw blurRad="40000" dist="20000" dir="5400000" rotWithShape="0">
-              <a:srgbClr val="000000">
-                <a:alpha val="38000"/>
-              </a:srgbClr>
-            </a:outerShdw>
-          </a:effectLst>
-        </a:effectStyle>
-        <a:effectStyle>
-          <a:effectLst>
-            <a:outerShdw blurRad="40000" dist="23000" dir="5400000" rotWithShape="0">
-              <a:srgbClr val="000000">
-                <a:alpha val="35000"/>
-              </a:srgbClr>
-            </a:outerShdw>
-          </a:effectLst>
-        </a:effectStyle>
-        <a:effectStyle>
-          <a:effectLst>
-            <a:outerShdw blurRad="40000" dist="23000" dir="5400000" rotWithShape="0">
-              <a:srgbClr val="000000">
-                <a:alpha val="35000"/>
-              </a:srgbClr>
-            </a:outerShdw>
-          </a:effectLst>
-          <a:scene3d>
-            <a:camera prst="orthographicFront">
-              <a:rot lat="0" lon="0" rev="0"/>
-            </a:camera>
-            <a:lightRig rig="threePt" dir="t">
-              <a:rot lat="0" lon="0" rev="1200000"/>
-            </a:lightRig>
-          </a:scene3d>
-          <a:sp3d>
-            <a:bevelT w="63500" h="25400"/>
-          </a:sp3d>
-        </a:effectStyle>
-      </a:effectStyleLst>
-      <a:bgFillStyleLst>
-        <a:solidFill>
-          <a:schemeClr val="phClr"/>
-        </a:solidFill>
-        <a:gradFill rotWithShape="1">
-          <a:gsLst>
-            <a:gs pos="0">
-              <a:schemeClr val="phClr">
-                <a:tint val="40000"/>
-                <a:satMod val="350000"/>
-              </a:schemeClr>
-            </a:gs>
-            <a:gs pos="40000">
-              <a:schemeClr val="phClr">
-                <a:tint val="45000"/>
-                <a:shade val="99000"/>
-                <a:satMod val="350000"/>
-              </a:schemeClr>
-            </a:gs>
-            <a:gs pos="100000">
-              <a:schemeClr val="phClr">
-                <a:shade val="20000"/>
-                <a:satMod val="255000"/>
-              </a:schemeClr>
-            </a:gs>
-          </a:gsLst>
-          <a:path path="circle">
-            <a:fillToRect l="50000" t="-80000" r="50000" b="180000"/>
-          </a:path>
-        </a:gradFill>
-        <a:gradFill rotWithShape="1">
-          <a:gsLst>
-            <a:gs pos="0">
-              <a:schemeClr val="phClr">
-                <a:tint val="80000"/>
-                <a:satMod val="300000"/>
-              </a:schemeClr>
-            </a:gs>
-            <a:gs pos="100000">
-              <a:schemeClr val="phClr">
-                <a:shade val="30000"/>
-                <a:satMod val="200000"/>
-              </a:schemeClr>
-            </a:gs>
-          </a:gsLst>
-          <a:path path="circle">
-            <a:fillToRect l="50000" t="50000" r="50000" b="50000"/>
-          </a:path>
-        </a:gradFill>
-      </a:bgFillStyleLst>
-    </a:fmtScheme>
-  </a:themeElements>
-</a:theme>
 </file>
--- a/Docker 101.pptx
+++ b/Docker 101.pptx
@@ -19953,7 +19953,7 @@
             </a:pPr>
             <a:r>
               <a:rPr lang="en-GB"/>
-              <a:t>docker run --rm --volume "${pwd}:/build" --workdir /build mono ./build.sh</a:t>
+              <a:t>docker run --rm --volume "$pwd}:/build" --workdir /build mono ./build.sh</a:t>
             </a:r>
             <a:endParaRPr/>
           </a:p>

--- a/Docker 101.pptx
+++ b/Docker 101.pptx
@@ -30,7 +30,6 @@
     <p:sldId id="275" r:id="rId24"/>
     <p:sldId id="276" r:id="rId25"/>
     <p:sldId id="277" r:id="rId26"/>
-    <p:sldId id="278" r:id="rId27"/>
   </p:sldIdLst>
   <p:sldSz cy="6858000" cx="12192000"/>
   <p:notesSz cx="6858000" cy="9144000"/>
@@ -265,7 +264,7 @@
   </p:defaultTextStyle>
   <p:extLst>
     <p:ext uri="http://customooxmlschemas.google.com/">
-      <go:slidesCustomData xmlns:go="http://customooxmlschemas.google.com/" r:id="rId28" roundtripDataSignature="AMtx7mh5n6ZAN0Im2HTL4gt3QAnSBbM9OA=="/>
+      <go:slidesCustomData xmlns:go="http://customooxmlschemas.google.com/" r:id="rId27" roundtripDataSignature="AMtx7mj+PwgvZTjaV6UnH+uMqrpO9/puCg=="/>
     </p:ext>
   </p:extLst>
 </p:presentation>
@@ -3471,106 +3470,7 @@
       </p:grpSpPr>
       <p:sp>
         <p:nvSpPr>
-          <p:cNvPr id="285" name="Google Shape;285;p20:notes"/>
-          <p:cNvSpPr txBox="1"/>
-          <p:nvPr>
-            <p:ph idx="1" type="body"/>
-          </p:nvPr>
-        </p:nvSpPr>
-        <p:spPr>
-          <a:xfrm>
-            <a:off x="685800" y="4400550"/>
-            <a:ext cx="5486400" cy="3600450"/>
-          </a:xfrm>
-          <a:prstGeom prst="rect">
-            <a:avLst/>
-          </a:prstGeom>
-        </p:spPr>
-        <p:txBody>
-          <a:bodyPr anchorCtr="0" anchor="t" bIns="45700" lIns="91425" spcFirstLastPara="1" rIns="91425" wrap="square" tIns="45700">
-            <a:noAutofit/>
-          </a:bodyPr>
-          <a:lstStyle/>
-          <a:p>
-            <a:pPr indent="0" lvl="0" marL="0" rtl="0" algn="l">
-              <a:spcBef>
-                <a:spcPts val="0"/>
-              </a:spcBef>
-              <a:spcAft>
-                <a:spcPts val="0"/>
-              </a:spcAft>
-              <a:buNone/>
-            </a:pPr>
-            <a:r>
-              <a:t/>
-            </a:r>
-            <a:endParaRPr/>
-          </a:p>
-        </p:txBody>
-      </p:sp>
-      <p:sp>
-        <p:nvSpPr>
-          <p:cNvPr id="286" name="Google Shape;286;p20:notes"/>
-          <p:cNvSpPr/>
-          <p:nvPr>
-            <p:ph idx="2" type="sldImg"/>
-          </p:nvPr>
-        </p:nvSpPr>
-        <p:spPr>
-          <a:xfrm>
-            <a:off x="685800" y="1143000"/>
-            <a:ext cx="5486400" cy="3086100"/>
-          </a:xfrm>
-          <a:custGeom>
-            <a:rect b="b" l="l" r="r" t="t"/>
-            <a:pathLst>
-              <a:path extrusionOk="0" h="120000" w="120000">
-                <a:moveTo>
-                  <a:pt x="0" y="0"/>
-                </a:moveTo>
-                <a:lnTo>
-                  <a:pt x="120000" y="0"/>
-                </a:lnTo>
-                <a:lnTo>
-                  <a:pt x="120000" y="120000"/>
-                </a:lnTo>
-                <a:lnTo>
-                  <a:pt x="0" y="120000"/>
-                </a:lnTo>
-                <a:close/>
-              </a:path>
-            </a:pathLst>
-          </a:custGeom>
-        </p:spPr>
-      </p:sp>
-    </p:spTree>
-  </p:cSld>
-  <p:clrMapOvr>
-    <a:masterClrMapping/>
-  </p:clrMapOvr>
-</p:notes>
-</file>
-
-<file path=ppt/notesSlides/notesSlide22.xml><?xml version="1.0" encoding="utf-8"?>
-<p:notes xmlns:a="http://schemas.openxmlformats.org/drawingml/2006/main" xmlns:r="http://schemas.openxmlformats.org/officeDocument/2006/relationships" xmlns:mc="http://schemas.openxmlformats.org/markup-compatibility/2006" xmlns:mv="urn:schemas-microsoft-com:mac:vml" xmlns:p="http://schemas.openxmlformats.org/presentationml/2006/main" xmlns:c="http://schemas.openxmlformats.org/drawingml/2006/chart" xmlns:dgm="http://schemas.openxmlformats.org/drawingml/2006/diagram" xmlns:o="urn:schemas-microsoft-com:office:office" xmlns:v="urn:schemas-microsoft-com:vml" xmlns:pvml="urn:schemas-microsoft-com:office:powerpoint" xmlns:com="http://schemas.openxmlformats.org/drawingml/2006/compatibility" xmlns:p14="http://schemas.microsoft.com/office/powerpoint/2010/main" xmlns:p15="http://schemas.microsoft.com/office/powerpoint/2012/main" xmlns:ahyp="http://schemas.microsoft.com/office/drawing/2018/hyperlinkcolor" showMasterPhAnim="0" showMasterSp="0">
-  <p:cSld>
-    <p:spTree>
-      <p:nvGrpSpPr>
-        <p:cNvPr id="291" name="Shape 291"/>
-        <p:cNvGrpSpPr/>
-        <p:nvPr/>
-      </p:nvGrpSpPr>
-      <p:grpSpPr>
-        <a:xfrm>
-          <a:off x="0" y="0"/>
-          <a:ext cx="0" cy="0"/>
-          <a:chOff x="0" y="0"/>
-          <a:chExt cx="0" cy="0"/>
-        </a:xfrm>
-      </p:grpSpPr>
-      <p:sp>
-        <p:nvSpPr>
-          <p:cNvPr id="292" name="Google Shape;292;p21:notes"/>
+          <p:cNvPr id="285" name="Google Shape;285;p21:notes"/>
           <p:cNvSpPr/>
           <p:nvPr>
             <p:ph idx="2" type="sldImg"/>
@@ -3615,7 +3515,7 @@
       </p:sp>
       <p:sp>
         <p:nvSpPr>
-          <p:cNvPr id="293" name="Google Shape;293;p21:notes"/>
+          <p:cNvPr id="286" name="Google Shape;286;p21:notes"/>
           <p:cNvSpPr txBox="1"/>
           <p:nvPr>
             <p:ph idx="1" type="body"/>
@@ -3889,7 +3789,7 @@
       </p:sp>
       <p:sp>
         <p:nvSpPr>
-          <p:cNvPr id="294" name="Google Shape;294;p21:notes"/>
+          <p:cNvPr id="287" name="Google Shape;287;p21:notes"/>
           <p:cNvSpPr txBox="1"/>
           <p:nvPr>
             <p:ph idx="12" type="sldNum"/>
@@ -3939,12 +3839,12 @@
 </p:notes>
 </file>
 
-<file path=ppt/notesSlides/notesSlide23.xml><?xml version="1.0" encoding="utf-8"?>
+<file path=ppt/notesSlides/notesSlide22.xml><?xml version="1.0" encoding="utf-8"?>
 <p:notes xmlns:a="http://schemas.openxmlformats.org/drawingml/2006/main" xmlns:r="http://schemas.openxmlformats.org/officeDocument/2006/relationships" xmlns:mc="http://schemas.openxmlformats.org/markup-compatibility/2006" xmlns:mv="urn:schemas-microsoft-com:mac:vml" xmlns:p="http://schemas.openxmlformats.org/presentationml/2006/main" xmlns:c="http://schemas.openxmlformats.org/drawingml/2006/chart" xmlns:dgm="http://schemas.openxmlformats.org/drawingml/2006/diagram" xmlns:o="urn:schemas-microsoft-com:office:office" xmlns:v="urn:schemas-microsoft-com:vml" xmlns:pvml="urn:schemas-microsoft-com:office:powerpoint" xmlns:com="http://schemas.openxmlformats.org/drawingml/2006/compatibility" xmlns:p14="http://schemas.microsoft.com/office/powerpoint/2010/main" xmlns:p15="http://schemas.microsoft.com/office/powerpoint/2012/main" xmlns:ahyp="http://schemas.microsoft.com/office/drawing/2018/hyperlinkcolor" showMasterPhAnim="0" showMasterSp="0">
   <p:cSld>
     <p:spTree>
       <p:nvGrpSpPr>
-        <p:cNvPr id="299" name="Shape 299"/>
+        <p:cNvPr id="292" name="Shape 292"/>
         <p:cNvGrpSpPr/>
         <p:nvPr/>
       </p:nvGrpSpPr>
@@ -3958,7 +3858,7 @@
       </p:grpSpPr>
       <p:sp>
         <p:nvSpPr>
-          <p:cNvPr id="300" name="Google Shape;300;p22:notes"/>
+          <p:cNvPr id="293" name="Google Shape;293;p22:notes"/>
           <p:cNvSpPr/>
           <p:nvPr>
             <p:ph idx="2" type="sldImg"/>
@@ -4003,7 +3903,7 @@
       </p:sp>
       <p:sp>
         <p:nvSpPr>
-          <p:cNvPr id="301" name="Google Shape;301;p22:notes"/>
+          <p:cNvPr id="294" name="Google Shape;294;p22:notes"/>
           <p:cNvSpPr txBox="1"/>
           <p:nvPr>
             <p:ph idx="1" type="body"/>
@@ -4046,7 +3946,7 @@
       </p:sp>
       <p:sp>
         <p:nvSpPr>
-          <p:cNvPr id="302" name="Google Shape;302;p22:notes"/>
+          <p:cNvPr id="295" name="Google Shape;295;p22:notes"/>
           <p:cNvSpPr txBox="1"/>
           <p:nvPr>
             <p:ph idx="12" type="sldNum"/>
@@ -19378,8 +19278,8 @@
         </p:nvSpPr>
         <p:spPr>
           <a:xfrm>
-            <a:off x="838200" y="2210637"/>
-            <a:ext cx="9963778" cy="1406770"/>
+            <a:off x="1062000" y="1890726"/>
+            <a:ext cx="10291800" cy="2195400"/>
           </a:xfrm>
           <a:prstGeom prst="rect">
             <a:avLst/>
@@ -19391,25 +19291,50 @@
         </p:spPr>
         <p:txBody>
           <a:bodyPr anchorCtr="0" anchor="t" bIns="45700" lIns="91425" spcFirstLastPara="1" rIns="91425" wrap="square" tIns="45700">
-            <a:normAutofit lnSpcReduction="10000"/>
+            <a:normAutofit/>
           </a:bodyPr>
           <a:lstStyle/>
           <a:p>
             <a:pPr indent="0" lvl="0" marL="0" rtl="0" algn="l">
-              <a:lnSpc>
-                <a:spcPct val="90000"/>
-              </a:lnSpc>
-              <a:spcBef>
-                <a:spcPts val="0"/>
-              </a:spcBef>
-              <a:spcAft>
-                <a:spcPts val="0"/>
-              </a:spcAft>
-              <a:buClr>
-                <a:schemeClr val="dk1"/>
-              </a:buClr>
-              <a:buSzPts val="2800"/>
-              <a:buNone/>
+              <a:spcBef>
+                <a:spcPts val="1000"/>
+              </a:spcBef>
+              <a:spcAft>
+                <a:spcPts val="0"/>
+              </a:spcAft>
+              <a:buNone/>
+            </a:pPr>
+            <a:r>
+              <a:rPr lang="en-GB"/>
+              <a:t>In the </a:t>
+            </a:r>
+            <a:r>
+              <a:rPr b="1" lang="en-GB">
+                <a:solidFill>
+                  <a:srgbClr val="FF0000"/>
+                </a:solidFill>
+              </a:rPr>
+              <a:t>docker-compose</a:t>
+            </a:r>
+            <a:r>
+              <a:rPr lang="en-GB"/>
+              <a:t> directory:</a:t>
+            </a:r>
+            <a:endParaRPr b="1" i="1"/>
+          </a:p>
+          <a:p>
+            <a:pPr indent="-342900" lvl="0" marL="457200" rtl="0" algn="l">
+              <a:lnSpc>
+                <a:spcPct val="90000"/>
+              </a:lnSpc>
+              <a:spcBef>
+                <a:spcPts val="0"/>
+              </a:spcBef>
+              <a:spcAft>
+                <a:spcPts val="0"/>
+              </a:spcAft>
+              <a:buSzPts val="1800"/>
+              <a:buChar char="•"/>
             </a:pPr>
             <a:r>
               <a:rPr b="1" i="1" lang="en-GB"/>
@@ -19418,21 +19343,18 @@
             <a:endParaRPr/>
           </a:p>
           <a:p>
-            <a:pPr indent="0" lvl="0" marL="0" rtl="0" algn="l">
-              <a:lnSpc>
-                <a:spcPct val="90000"/>
-              </a:lnSpc>
-              <a:spcBef>
-                <a:spcPts val="1000"/>
-              </a:spcBef>
-              <a:spcAft>
-                <a:spcPts val="0"/>
-              </a:spcAft>
-              <a:buClr>
-                <a:schemeClr val="dk1"/>
-              </a:buClr>
-              <a:buSzPts val="2800"/>
-              <a:buNone/>
+            <a:pPr indent="-342900" lvl="0" marL="457200" rtl="0" algn="l">
+              <a:lnSpc>
+                <a:spcPct val="90000"/>
+              </a:lnSpc>
+              <a:spcBef>
+                <a:spcPts val="0"/>
+              </a:spcBef>
+              <a:spcAft>
+                <a:spcPts val="0"/>
+              </a:spcAft>
+              <a:buSzPts val="1800"/>
+              <a:buChar char="•"/>
             </a:pPr>
             <a:r>
               <a:rPr b="1" i="1" lang="en-GB"/>
@@ -19441,21 +19363,18 @@
             <a:endParaRPr/>
           </a:p>
           <a:p>
-            <a:pPr indent="0" lvl="0" marL="0" rtl="0" algn="l">
-              <a:lnSpc>
-                <a:spcPct val="90000"/>
-              </a:lnSpc>
-              <a:spcBef>
-                <a:spcPts val="1000"/>
-              </a:spcBef>
-              <a:spcAft>
-                <a:spcPts val="0"/>
-              </a:spcAft>
-              <a:buClr>
-                <a:schemeClr val="dk1"/>
-              </a:buClr>
-              <a:buSzPts val="2800"/>
-              <a:buNone/>
+            <a:pPr indent="-342900" lvl="0" marL="457200" rtl="0" algn="l">
+              <a:lnSpc>
+                <a:spcPct val="90000"/>
+              </a:lnSpc>
+              <a:spcBef>
+                <a:spcPts val="0"/>
+              </a:spcBef>
+              <a:spcAft>
+                <a:spcPts val="0"/>
+              </a:spcAft>
+              <a:buSzPts val="1800"/>
+              <a:buChar char="•"/>
             </a:pPr>
             <a:r>
               <a:rPr lang="en-GB"/>
@@ -19953,7 +19872,7 @@
             </a:pPr>
             <a:r>
               <a:rPr lang="en-GB"/>
-              <a:t>docker run --rm --volume "$pwd}:/build" --workdir /build mono ./build.sh</a:t>
+              <a:t>docker run --rm --volume "$(pwd):/build" --workdir /build mono ./build.sh</a:t>
             </a:r>
             <a:endParaRPr/>
           </a:p>
@@ -20091,7 +20010,7 @@
                 <a:cs typeface="Calibri"/>
                 <a:sym typeface="Calibri"/>
               </a:rPr>
-              <a:t>docker run --rm --volume "${pwd}:/build" --workdir /build mono ./tests.sh</a:t>
+              <a:t>docker run --rm --volume "$(pwd):/build" --workdir /build mono ./tests.sh</a:t>
             </a:r>
             <a:endParaRPr sz="2800">
               <a:solidFill>
@@ -20555,11 +20474,11 @@
 </file>
 
 <file path=ppt/slides/slide21.xml><?xml version="1.0" encoding="utf-8"?>
-<p:sld xmlns:a="http://schemas.openxmlformats.org/drawingml/2006/main" xmlns:r="http://schemas.openxmlformats.org/officeDocument/2006/relationships" xmlns:mc="http://schemas.openxmlformats.org/markup-compatibility/2006" xmlns:mv="urn:schemas-microsoft-com:mac:vml" xmlns:p="http://schemas.openxmlformats.org/presentationml/2006/main" xmlns:c="http://schemas.openxmlformats.org/drawingml/2006/chart" xmlns:dgm="http://schemas.openxmlformats.org/drawingml/2006/diagram" xmlns:o="urn:schemas-microsoft-com:office:office" xmlns:v="urn:schemas-microsoft-com:vml" xmlns:pvml="urn:schemas-microsoft-com:office:powerpoint" xmlns:com="http://schemas.openxmlformats.org/drawingml/2006/compatibility" xmlns:p14="http://schemas.microsoft.com/office/powerpoint/2010/main" xmlns:p15="http://schemas.microsoft.com/office/powerpoint/2012/main" xmlns:ahyp="http://schemas.microsoft.com/office/drawing/2018/hyperlinkcolor" show="0">
+<p:sld xmlns:a="http://schemas.openxmlformats.org/drawingml/2006/main" xmlns:r="http://schemas.openxmlformats.org/officeDocument/2006/relationships" xmlns:mc="http://schemas.openxmlformats.org/markup-compatibility/2006" xmlns:mv="urn:schemas-microsoft-com:mac:vml" xmlns:p="http://schemas.openxmlformats.org/presentationml/2006/main" xmlns:c="http://schemas.openxmlformats.org/drawingml/2006/chart" xmlns:dgm="http://schemas.openxmlformats.org/drawingml/2006/diagram" xmlns:o="urn:schemas-microsoft-com:office:office" xmlns:v="urn:schemas-microsoft-com:vml" xmlns:pvml="urn:schemas-microsoft-com:office:powerpoint" xmlns:com="http://schemas.openxmlformats.org/drawingml/2006/compatibility" xmlns:p14="http://schemas.microsoft.com/office/powerpoint/2010/main" xmlns:p15="http://schemas.microsoft.com/office/powerpoint/2012/main" xmlns:ahyp="http://schemas.microsoft.com/office/drawing/2018/hyperlinkcolor">
   <p:cSld>
     <p:spTree>
       <p:nvGrpSpPr>
-        <p:cNvPr id="287" name="Shape 287"/>
+        <p:cNvPr id="288" name="Shape 288"/>
         <p:cNvGrpSpPr/>
         <p:nvPr/>
       </p:nvGrpSpPr>
@@ -20573,244 +20492,7 @@
       </p:grpSpPr>
       <p:sp>
         <p:nvSpPr>
-          <p:cNvPr id="288" name="Google Shape;288;p20"/>
-          <p:cNvSpPr txBox="1"/>
-          <p:nvPr>
-            <p:ph type="title"/>
-          </p:nvPr>
-        </p:nvSpPr>
-        <p:spPr>
-          <a:xfrm>
-            <a:off x="838200" y="365125"/>
-            <a:ext cx="11049000" cy="1325563"/>
-          </a:xfrm>
-          <a:prstGeom prst="rect">
-            <a:avLst/>
-          </a:prstGeom>
-          <a:noFill/>
-          <a:ln>
-            <a:noFill/>
-          </a:ln>
-        </p:spPr>
-        <p:txBody>
-          <a:bodyPr anchorCtr="0" anchor="ctr" bIns="45700" lIns="91425" spcFirstLastPara="1" rIns="91425" wrap="square" tIns="45700">
-            <a:normAutofit/>
-          </a:bodyPr>
-          <a:lstStyle/>
-          <a:p>
-            <a:pPr indent="0" lvl="0" marL="0" rtl="0" algn="l">
-              <a:lnSpc>
-                <a:spcPct val="90000"/>
-              </a:lnSpc>
-              <a:spcBef>
-                <a:spcPts val="0"/>
-              </a:spcBef>
-              <a:spcAft>
-                <a:spcPts val="0"/>
-              </a:spcAft>
-              <a:buClr>
-                <a:schemeClr val="dk1"/>
-              </a:buClr>
-              <a:buSzPts val="4400"/>
-              <a:buFont typeface="Calibri"/>
-              <a:buNone/>
-            </a:pPr>
-            <a:r>
-              <a:rPr lang="en-GB"/>
-              <a:t>Try building my C# project without .net installed</a:t>
-            </a:r>
-            <a:endParaRPr/>
-          </a:p>
-        </p:txBody>
-      </p:sp>
-      <p:sp>
-        <p:nvSpPr>
-          <p:cNvPr id="289" name="Google Shape;289;p20"/>
-          <p:cNvSpPr txBox="1"/>
-          <p:nvPr>
-            <p:ph idx="1" type="body"/>
-          </p:nvPr>
-        </p:nvSpPr>
-        <p:spPr>
-          <a:xfrm>
-            <a:off x="838200" y="2210637"/>
-            <a:ext cx="11353800" cy="1406770"/>
-          </a:xfrm>
-          <a:prstGeom prst="rect">
-            <a:avLst/>
-          </a:prstGeom>
-          <a:noFill/>
-          <a:ln>
-            <a:noFill/>
-          </a:ln>
-        </p:spPr>
-        <p:txBody>
-          <a:bodyPr anchorCtr="0" anchor="t" bIns="45700" lIns="91425" spcFirstLastPara="1" rIns="91425" wrap="square" tIns="45700">
-            <a:normAutofit lnSpcReduction="10000"/>
-          </a:bodyPr>
-          <a:lstStyle/>
-          <a:p>
-            <a:pPr indent="0" lvl="0" marL="0" rtl="0" algn="l">
-              <a:lnSpc>
-                <a:spcPct val="90000"/>
-              </a:lnSpc>
-              <a:spcBef>
-                <a:spcPts val="0"/>
-              </a:spcBef>
-              <a:spcAft>
-                <a:spcPts val="0"/>
-              </a:spcAft>
-              <a:buClr>
-                <a:schemeClr val="dk1"/>
-              </a:buClr>
-              <a:buSzPts val="2800"/>
-              <a:buNone/>
-            </a:pPr>
-            <a:r>
-              <a:rPr lang="en-GB"/>
-              <a:t>In the </a:t>
-            </a:r>
-            <a:r>
-              <a:rPr b="1" lang="en-GB">
-                <a:solidFill>
-                  <a:srgbClr val="FF0000"/>
-                </a:solidFill>
-              </a:rPr>
-              <a:t>build-and-test</a:t>
-            </a:r>
-            <a:r>
-              <a:rPr lang="en-GB"/>
-              <a:t> directory</a:t>
-            </a:r>
-            <a:endParaRPr/>
-          </a:p>
-          <a:p>
-            <a:pPr indent="0" lvl="0" marL="0" rtl="0" algn="l">
-              <a:lnSpc>
-                <a:spcPct val="90000"/>
-              </a:lnSpc>
-              <a:spcBef>
-                <a:spcPts val="1000"/>
-              </a:spcBef>
-              <a:spcAft>
-                <a:spcPts val="0"/>
-              </a:spcAft>
-              <a:buClr>
-                <a:schemeClr val="dk1"/>
-              </a:buClr>
-              <a:buSzPts val="2800"/>
-              <a:buNone/>
-            </a:pPr>
-            <a:r>
-              <a:rPr b="1" lang="en-GB"/>
-              <a:t>docker run --rm --volume "$(pwd):/build" --workdir /build mono ./build.sh</a:t>
-            </a:r>
-            <a:endParaRPr/>
-          </a:p>
-          <a:p>
-            <a:pPr indent="0" lvl="0" marL="0" rtl="0" algn="l">
-              <a:lnSpc>
-                <a:spcPct val="90000"/>
-              </a:lnSpc>
-              <a:spcBef>
-                <a:spcPts val="1000"/>
-              </a:spcBef>
-              <a:spcAft>
-                <a:spcPts val="0"/>
-              </a:spcAft>
-              <a:buClr>
-                <a:schemeClr val="dk1"/>
-              </a:buClr>
-              <a:buSzPts val="2800"/>
-              <a:buNone/>
-            </a:pPr>
-            <a:r>
-              <a:rPr b="1" lang="en-GB"/>
-              <a:t>docker run --rm --volume "$(pwd):/build" --workdir /build mono ./tests.sh</a:t>
-            </a:r>
-            <a:endParaRPr b="1"/>
-          </a:p>
-          <a:p>
-            <a:pPr indent="0" lvl="0" marL="0" rtl="0" algn="l">
-              <a:lnSpc>
-                <a:spcPct val="90000"/>
-              </a:lnSpc>
-              <a:spcBef>
-                <a:spcPts val="1000"/>
-              </a:spcBef>
-              <a:spcAft>
-                <a:spcPts val="0"/>
-              </a:spcAft>
-              <a:buClr>
-                <a:schemeClr val="dk1"/>
-              </a:buClr>
-              <a:buSzPts val="2800"/>
-              <a:buNone/>
-            </a:pPr>
-            <a:r>
-              <a:t/>
-            </a:r>
-            <a:endParaRPr b="1"/>
-          </a:p>
-        </p:txBody>
-      </p:sp>
-      <p:pic>
-        <p:nvPicPr>
-          <p:cNvPr id="290" name="Google Shape;290;p20"/>
-          <p:cNvPicPr preferRelativeResize="0"/>
-          <p:nvPr>
-            <p:ph idx="2" type="body"/>
-          </p:nvPr>
-        </p:nvPicPr>
-        <p:blipFill rotWithShape="1">
-          <a:blip r:embed="rId3">
-            <a:alphaModFix/>
-          </a:blip>
-          <a:srcRect b="0" l="0" r="0" t="0"/>
-          <a:stretch/>
-        </p:blipFill>
-        <p:spPr>
-          <a:xfrm>
-            <a:off x="1117878" y="3215965"/>
-            <a:ext cx="10437725" cy="3095935"/>
-          </a:xfrm>
-          <a:prstGeom prst="rect">
-            <a:avLst/>
-          </a:prstGeom>
-          <a:noFill/>
-          <a:ln>
-            <a:noFill/>
-          </a:ln>
-        </p:spPr>
-      </p:pic>
-    </p:spTree>
-  </p:cSld>
-  <p:clrMapOvr>
-    <a:masterClrMapping/>
-  </p:clrMapOvr>
-</p:sld>
-</file>
-
-<file path=ppt/slides/slide22.xml><?xml version="1.0" encoding="utf-8"?>
-<p:sld xmlns:a="http://schemas.openxmlformats.org/drawingml/2006/main" xmlns:r="http://schemas.openxmlformats.org/officeDocument/2006/relationships" xmlns:mc="http://schemas.openxmlformats.org/markup-compatibility/2006" xmlns:mv="urn:schemas-microsoft-com:mac:vml" xmlns:p="http://schemas.openxmlformats.org/presentationml/2006/main" xmlns:c="http://schemas.openxmlformats.org/drawingml/2006/chart" xmlns:dgm="http://schemas.openxmlformats.org/drawingml/2006/diagram" xmlns:o="urn:schemas-microsoft-com:office:office" xmlns:v="urn:schemas-microsoft-com:vml" xmlns:pvml="urn:schemas-microsoft-com:office:powerpoint" xmlns:com="http://schemas.openxmlformats.org/drawingml/2006/compatibility" xmlns:p14="http://schemas.microsoft.com/office/powerpoint/2010/main" xmlns:p15="http://schemas.microsoft.com/office/powerpoint/2012/main" xmlns:ahyp="http://schemas.microsoft.com/office/drawing/2018/hyperlinkcolor">
-  <p:cSld>
-    <p:spTree>
-      <p:nvGrpSpPr>
-        <p:cNvPr id="295" name="Shape 295"/>
-        <p:cNvGrpSpPr/>
-        <p:nvPr/>
-      </p:nvGrpSpPr>
-      <p:grpSpPr>
-        <a:xfrm>
-          <a:off x="0" y="0"/>
-          <a:ext cx="0" cy="0"/>
-          <a:chOff x="0" y="0"/>
-          <a:chExt cx="0" cy="0"/>
-        </a:xfrm>
-      </p:grpSpPr>
-      <p:sp>
-        <p:nvSpPr>
-          <p:cNvPr id="296" name="Google Shape;296;p21"/>
+          <p:cNvPr id="289" name="Google Shape;289;p21"/>
           <p:cNvSpPr txBox="1"/>
           <p:nvPr>
             <p:ph type="title"/>
@@ -20862,7 +20544,7 @@
       </p:sp>
       <p:sp>
         <p:nvSpPr>
-          <p:cNvPr id="297" name="Google Shape;297;p21"/>
+          <p:cNvPr id="290" name="Google Shape;290;p21"/>
           <p:cNvSpPr txBox="1"/>
           <p:nvPr>
             <p:ph idx="1" type="body"/>
@@ -21119,7 +20801,7 @@
       </p:sp>
       <p:pic>
         <p:nvPicPr>
-          <p:cNvPr descr="A close up of a logo&#10;&#10;Description generated with very high confidence" id="298" name="Google Shape;298;p21"/>
+          <p:cNvPr descr="A close up of a logo&#10;&#10;Description generated with very high confidence" id="291" name="Google Shape;291;p21"/>
           <p:cNvPicPr preferRelativeResize="0"/>
           <p:nvPr/>
         </p:nvPicPr>
@@ -21152,12 +20834,12 @@
 </p:sld>
 </file>
 
-<file path=ppt/slides/slide23.xml><?xml version="1.0" encoding="utf-8"?>
+<file path=ppt/slides/slide22.xml><?xml version="1.0" encoding="utf-8"?>
 <p:sld xmlns:a="http://schemas.openxmlformats.org/drawingml/2006/main" xmlns:r="http://schemas.openxmlformats.org/officeDocument/2006/relationships" xmlns:mc="http://schemas.openxmlformats.org/markup-compatibility/2006" xmlns:mv="urn:schemas-microsoft-com:mac:vml" xmlns:p="http://schemas.openxmlformats.org/presentationml/2006/main" xmlns:c="http://schemas.openxmlformats.org/drawingml/2006/chart" xmlns:dgm="http://schemas.openxmlformats.org/drawingml/2006/diagram" xmlns:o="urn:schemas-microsoft-com:office:office" xmlns:v="urn:schemas-microsoft-com:vml" xmlns:pvml="urn:schemas-microsoft-com:office:powerpoint" xmlns:com="http://schemas.openxmlformats.org/drawingml/2006/compatibility" xmlns:p14="http://schemas.microsoft.com/office/powerpoint/2010/main" xmlns:p15="http://schemas.microsoft.com/office/powerpoint/2012/main" xmlns:ahyp="http://schemas.microsoft.com/office/drawing/2018/hyperlinkcolor">
   <p:cSld>
     <p:spTree>
       <p:nvGrpSpPr>
-        <p:cNvPr id="303" name="Shape 303"/>
+        <p:cNvPr id="296" name="Shape 296"/>
         <p:cNvGrpSpPr/>
         <p:nvPr/>
       </p:nvGrpSpPr>
@@ -21171,7 +20853,7 @@
       </p:grpSpPr>
       <p:sp>
         <p:nvSpPr>
-          <p:cNvPr id="304" name="Google Shape;304;p22"/>
+          <p:cNvPr id="297" name="Google Shape;297;p22"/>
           <p:cNvSpPr/>
           <p:nvPr/>
         </p:nvSpPr>
@@ -21222,7 +20904,7 @@
       </p:sp>
       <p:pic>
         <p:nvPicPr>
-          <p:cNvPr id="305" name="Google Shape;305;p22"/>
+          <p:cNvPr id="298" name="Google Shape;298;p22"/>
           <p:cNvPicPr preferRelativeResize="0"/>
           <p:nvPr/>
         </p:nvPicPr>
@@ -21249,7 +20931,7 @@
       </p:pic>
       <p:sp>
         <p:nvSpPr>
-          <p:cNvPr id="306" name="Google Shape;306;p22"/>
+          <p:cNvPr id="299" name="Google Shape;299;p22"/>
           <p:cNvSpPr txBox="1"/>
           <p:nvPr>
             <p:ph type="title"/>
@@ -21305,7 +20987,7 @@
       </p:sp>
       <p:sp>
         <p:nvSpPr>
-          <p:cNvPr id="307" name="Google Shape;307;p22"/>
+          <p:cNvPr id="300" name="Google Shape;300;p22"/>
           <p:cNvSpPr txBox="1"/>
           <p:nvPr>
             <p:ph idx="1" type="body"/>
@@ -21546,7 +21228,7 @@
       </p:sp>
       <p:pic>
         <p:nvPicPr>
-          <p:cNvPr descr="Image result" id="308" name="Google Shape;308;p22"/>
+          <p:cNvPr descr="Image result" id="301" name="Google Shape;301;p22"/>
           <p:cNvPicPr preferRelativeResize="0"/>
           <p:nvPr/>
         </p:nvPicPr>
@@ -24609,60 +24291,6 @@
             <a:r>
               <a:rPr b="1" i="1" lang="en-GB"/>
               <a:t>docker run –p 5959:80 dockersamples/static-site</a:t>
-            </a:r>
-            <a:endParaRPr/>
-          </a:p>
-          <a:p>
-            <a:pPr indent="-228600" lvl="0" marL="228600" rtl="0" algn="l">
-              <a:lnSpc>
-                <a:spcPct val="90000"/>
-              </a:lnSpc>
-              <a:spcBef>
-                <a:spcPts val="1000"/>
-              </a:spcBef>
-              <a:spcAft>
-                <a:spcPts val="0"/>
-              </a:spcAft>
-              <a:buClr>
-                <a:schemeClr val="dk1"/>
-              </a:buClr>
-              <a:buSzPts val="2800"/>
-              <a:buChar char="•"/>
-            </a:pPr>
-            <a:r>
-              <a:rPr lang="en-GB"/>
-              <a:t>If you’re using docker toolbox:</a:t>
-            </a:r>
-            <a:endParaRPr/>
-          </a:p>
-          <a:p>
-            <a:pPr indent="-228600" lvl="1" marL="685800" rtl="0" algn="l">
-              <a:lnSpc>
-                <a:spcPct val="90000"/>
-              </a:lnSpc>
-              <a:spcBef>
-                <a:spcPts val="500"/>
-              </a:spcBef>
-              <a:spcAft>
-                <a:spcPts val="0"/>
-              </a:spcAft>
-              <a:buClr>
-                <a:schemeClr val="dk1"/>
-              </a:buClr>
-              <a:buSzPts val="2400"/>
-              <a:buChar char="•"/>
-            </a:pPr>
-            <a:r>
-              <a:rPr lang="en-GB"/>
-              <a:t>Run </a:t>
-            </a:r>
-            <a:r>
-              <a:rPr b="1" i="1" lang="en-GB"/>
-              <a:t>docker machine ip default</a:t>
-            </a:r>
-            <a:r>
-              <a:rPr lang="en-GB"/>
-              <a:t> to get the DOCKER_HOST ip address</a:t>
             </a:r>
             <a:endParaRPr/>
           </a:p>
